--- a/Reading Comprehensive.pptx
+++ b/Reading Comprehensive.pptx
@@ -5,31 +5,34 @@
     <p:sldMasterId id="2147483648" r:id="rId1"/>
   </p:sldMasterIdLst>
   <p:notesMasterIdLst>
-    <p:notesMasterId r:id="rId24"/>
+    <p:notesMasterId r:id="rId27"/>
   </p:notesMasterIdLst>
   <p:sldIdLst>
     <p:sldId id="256" r:id="rId2"/>
     <p:sldId id="257" r:id="rId3"/>
-    <p:sldId id="259" r:id="rId4"/>
-    <p:sldId id="260" r:id="rId5"/>
-    <p:sldId id="262" r:id="rId6"/>
-    <p:sldId id="263" r:id="rId7"/>
-    <p:sldId id="265" r:id="rId8"/>
-    <p:sldId id="270" r:id="rId9"/>
-    <p:sldId id="266" r:id="rId10"/>
-    <p:sldId id="267" r:id="rId11"/>
-    <p:sldId id="271" r:id="rId12"/>
-    <p:sldId id="268" r:id="rId13"/>
-    <p:sldId id="272" r:id="rId14"/>
-    <p:sldId id="274" r:id="rId15"/>
-    <p:sldId id="275" r:id="rId16"/>
-    <p:sldId id="273" r:id="rId17"/>
-    <p:sldId id="277" r:id="rId18"/>
-    <p:sldId id="278" r:id="rId19"/>
-    <p:sldId id="279" r:id="rId20"/>
-    <p:sldId id="280" r:id="rId21"/>
-    <p:sldId id="276" r:id="rId22"/>
-    <p:sldId id="264" r:id="rId23"/>
+    <p:sldId id="281" r:id="rId4"/>
+    <p:sldId id="282" r:id="rId5"/>
+    <p:sldId id="283" r:id="rId6"/>
+    <p:sldId id="260" r:id="rId7"/>
+    <p:sldId id="262" r:id="rId8"/>
+    <p:sldId id="263" r:id="rId9"/>
+    <p:sldId id="265" r:id="rId10"/>
+    <p:sldId id="270" r:id="rId11"/>
+    <p:sldId id="266" r:id="rId12"/>
+    <p:sldId id="267" r:id="rId13"/>
+    <p:sldId id="271" r:id="rId14"/>
+    <p:sldId id="268" r:id="rId15"/>
+    <p:sldId id="272" r:id="rId16"/>
+    <p:sldId id="274" r:id="rId17"/>
+    <p:sldId id="275" r:id="rId18"/>
+    <p:sldId id="273" r:id="rId19"/>
+    <p:sldId id="277" r:id="rId20"/>
+    <p:sldId id="278" r:id="rId21"/>
+    <p:sldId id="279" r:id="rId22"/>
+    <p:sldId id="284" r:id="rId23"/>
+    <p:sldId id="280" r:id="rId24"/>
+    <p:sldId id="276" r:id="rId25"/>
+    <p:sldId id="264" r:id="rId26"/>
   </p:sldIdLst>
   <p:sldSz cx="9144000" cy="6858000" type="screen4x3"/>
   <p:notesSz cx="6858000" cy="9144000"/>
@@ -218,7 +221,7 @@
           <a:p>
             <a:fld id="{151AC222-5E94-4DC3-B7EE-3E6C8EEB19B0}" type="datetimeFigureOut">
               <a:rPr lang="zh-CN" altLang="en-US" smtClean="0"/>
-              <a:t>2017/3/10</a:t>
+              <a:t>2017/3/17</a:t>
             </a:fld>
             <a:endParaRPr lang="zh-CN" altLang="en-US"/>
           </a:p>
@@ -644,7 +647,7 @@
     </p:spTree>
     <p:extLst>
       <p:ext uri="{BB962C8B-B14F-4D97-AF65-F5344CB8AC3E}">
-        <p14:creationId xmlns:p14="http://schemas.microsoft.com/office/powerpoint/2010/main" val="875803261"/>
+        <p14:creationId xmlns:p14="http://schemas.microsoft.com/office/powerpoint/2010/main" val="1582712928"/>
       </p:ext>
     </p:extLst>
   </p:cSld>
@@ -728,7 +731,7 @@
     </p:spTree>
     <p:extLst>
       <p:ext uri="{BB962C8B-B14F-4D97-AF65-F5344CB8AC3E}">
-        <p14:creationId xmlns:p14="http://schemas.microsoft.com/office/powerpoint/2010/main" val="4049911911"/>
+        <p14:creationId xmlns:p14="http://schemas.microsoft.com/office/powerpoint/2010/main" val="1388597165"/>
       </p:ext>
     </p:extLst>
   </p:cSld>
@@ -812,7 +815,7 @@
     </p:spTree>
     <p:extLst>
       <p:ext uri="{BB962C8B-B14F-4D97-AF65-F5344CB8AC3E}">
-        <p14:creationId xmlns:p14="http://schemas.microsoft.com/office/powerpoint/2010/main" val="2616913996"/>
+        <p14:creationId xmlns:p14="http://schemas.microsoft.com/office/powerpoint/2010/main" val="875803261"/>
       </p:ext>
     </p:extLst>
   </p:cSld>
@@ -896,7 +899,7 @@
     </p:spTree>
     <p:extLst>
       <p:ext uri="{BB962C8B-B14F-4D97-AF65-F5344CB8AC3E}">
-        <p14:creationId xmlns:p14="http://schemas.microsoft.com/office/powerpoint/2010/main" val="3259741709"/>
+        <p14:creationId xmlns:p14="http://schemas.microsoft.com/office/powerpoint/2010/main" val="4049911911"/>
       </p:ext>
     </p:extLst>
   </p:cSld>
@@ -950,58 +953,6 @@
           <a:bodyPr/>
           <a:lstStyle/>
           <a:p>
-            <a:r>
-              <a:rPr lang="zh-CN" altLang="en-US" dirty="0" smtClean="0"/>
-              <a:t>跟</a:t>
-            </a:r>
-            <a:r>
-              <a:rPr lang="en-US" altLang="zh-CN" dirty="0" smtClean="0"/>
-              <a:t>Attentive Reader</a:t>
-            </a:r>
-            <a:r>
-              <a:rPr lang="zh-CN" altLang="en-US" dirty="0" smtClean="0"/>
-              <a:t>相比，</a:t>
-            </a:r>
-            <a:r>
-              <a:rPr lang="en-US" altLang="zh-CN" dirty="0" smtClean="0"/>
-              <a:t>Impatient reader</a:t>
-            </a:r>
-            <a:r>
-              <a:rPr lang="zh-CN" altLang="en-US" dirty="0" smtClean="0"/>
-              <a:t>在题目每个字上都会跟文档中的每个词做</a:t>
-            </a:r>
-            <a:r>
-              <a:rPr lang="en-US" altLang="zh-CN" dirty="0" smtClean="0"/>
-              <a:t>attention</a:t>
-            </a:r>
-            <a:r>
-              <a:rPr lang="zh-CN" altLang="en-US" dirty="0" smtClean="0"/>
-              <a:t>。。最后在每个字上所生成的状态信息会通过一个</a:t>
-            </a:r>
-            <a:r>
-              <a:rPr lang="en-US" altLang="zh-CN" dirty="0" smtClean="0"/>
-              <a:t>RNN</a:t>
-            </a:r>
-            <a:r>
-              <a:rPr lang="zh-CN" altLang="en-US" dirty="0" smtClean="0"/>
-              <a:t>进行编码，然后最终的</a:t>
-            </a:r>
-            <a:r>
-              <a:rPr lang="en-US" altLang="zh-CN" dirty="0" smtClean="0"/>
-              <a:t>r</a:t>
-            </a:r>
-            <a:r>
-              <a:rPr lang="zh-CN" altLang="en-US" dirty="0" smtClean="0"/>
-              <a:t>和</a:t>
-            </a:r>
-            <a:r>
-              <a:rPr lang="en-US" altLang="zh-CN" dirty="0" smtClean="0"/>
-              <a:t>u</a:t>
-            </a:r>
-            <a:r>
-              <a:rPr lang="zh-CN" altLang="en-US" dirty="0" smtClean="0"/>
-              <a:t>会最终作为特征。</a:t>
-            </a:r>
             <a:endParaRPr lang="zh-CN" altLang="en-US" dirty="0"/>
           </a:p>
         </p:txBody>
@@ -1032,7 +983,7 @@
     </p:spTree>
     <p:extLst>
       <p:ext uri="{BB962C8B-B14F-4D97-AF65-F5344CB8AC3E}">
-        <p14:creationId xmlns:p14="http://schemas.microsoft.com/office/powerpoint/2010/main" val="3278909753"/>
+        <p14:creationId xmlns:p14="http://schemas.microsoft.com/office/powerpoint/2010/main" val="2616913996"/>
       </p:ext>
     </p:extLst>
   </p:cSld>
@@ -1086,74 +1037,7 @@
           <a:bodyPr/>
           <a:lstStyle/>
           <a:p>
-            <a:r>
-              <a:rPr lang="zh-CN" altLang="en-US" sz="900" dirty="0" smtClean="0"/>
-              <a:t>跟</a:t>
-            </a:r>
-            <a:r>
-              <a:rPr lang="en-US" altLang="zh-CN" sz="900" dirty="0" smtClean="0"/>
-              <a:t>Attentive Reader</a:t>
-            </a:r>
-            <a:r>
-              <a:rPr lang="zh-CN" altLang="en-US" sz="900" dirty="0" smtClean="0"/>
-              <a:t>相比，</a:t>
-            </a:r>
-            <a:r>
-              <a:rPr lang="en-US" altLang="zh-CN" sz="900" dirty="0" smtClean="0"/>
-              <a:t>Impatient reader</a:t>
-            </a:r>
-            <a:r>
-              <a:rPr lang="zh-CN" altLang="en-US" sz="900" dirty="0" smtClean="0"/>
-              <a:t>在题目每个字上都会跟文档中的每个词做</a:t>
-            </a:r>
-            <a:r>
-              <a:rPr lang="en-US" altLang="zh-CN" sz="900" dirty="0" smtClean="0"/>
-              <a:t>attention</a:t>
-            </a:r>
-            <a:r>
-              <a:rPr lang="zh-CN" altLang="en-US" sz="900" dirty="0" smtClean="0"/>
-              <a:t>。。最后在每个字上所生成的状态信息会通过一个</a:t>
-            </a:r>
-            <a:r>
-              <a:rPr lang="en-US" altLang="zh-CN" sz="900" dirty="0" smtClean="0"/>
-              <a:t>RNN</a:t>
-            </a:r>
-            <a:r>
-              <a:rPr lang="zh-CN" altLang="en-US" sz="900" dirty="0" smtClean="0"/>
-              <a:t>进行编码，然后最终的</a:t>
-            </a:r>
-            <a:r>
-              <a:rPr lang="en-US" altLang="zh-CN" sz="900" dirty="0" smtClean="0"/>
-              <a:t>r</a:t>
-            </a:r>
-            <a:r>
-              <a:rPr lang="zh-CN" altLang="en-US" sz="900" dirty="0" smtClean="0"/>
-              <a:t>和</a:t>
-            </a:r>
-            <a:r>
-              <a:rPr lang="en-US" altLang="zh-CN" sz="900" dirty="0" smtClean="0"/>
-              <a:t>u</a:t>
-            </a:r>
-            <a:r>
-              <a:rPr lang="zh-CN" altLang="en-US" sz="900" dirty="0" smtClean="0"/>
-              <a:t>会最终作为特征。</a:t>
-            </a:r>
-            <a:endParaRPr lang="en-US" altLang="zh-CN" sz="900" dirty="0" smtClean="0"/>
-          </a:p>
-          <a:p>
-            <a:r>
-              <a:rPr lang="zh-CN" altLang="en-US" sz="900" dirty="0" smtClean="0"/>
-              <a:t>后面的计算方式跟</a:t>
-            </a:r>
-            <a:r>
-              <a:rPr lang="en-US" altLang="zh-CN" sz="900" dirty="0" smtClean="0"/>
-              <a:t>Attentive Reader</a:t>
-            </a:r>
-            <a:r>
-              <a:rPr lang="zh-CN" altLang="en-US" sz="900" dirty="0" smtClean="0"/>
-              <a:t>是完全一致的，也是在整个词表空间上进行预测的。</a:t>
-            </a:r>
-            <a:endParaRPr lang="zh-CN" altLang="en-US" sz="900" dirty="0"/>
+            <a:endParaRPr lang="zh-CN" altLang="en-US" dirty="0"/>
           </a:p>
         </p:txBody>
       </p:sp>
@@ -1183,7 +1067,7 @@
     </p:spTree>
     <p:extLst>
       <p:ext uri="{BB962C8B-B14F-4D97-AF65-F5344CB8AC3E}">
-        <p14:creationId xmlns:p14="http://schemas.microsoft.com/office/powerpoint/2010/main" val="3317403451"/>
+        <p14:creationId xmlns:p14="http://schemas.microsoft.com/office/powerpoint/2010/main" val="3259741709"/>
       </p:ext>
     </p:extLst>
   </p:cSld>
@@ -1237,6 +1121,58 @@
           <a:bodyPr/>
           <a:lstStyle/>
           <a:p>
+            <a:r>
+              <a:rPr lang="zh-CN" altLang="en-US" dirty="0" smtClean="0"/>
+              <a:t>跟</a:t>
+            </a:r>
+            <a:r>
+              <a:rPr lang="en-US" altLang="zh-CN" dirty="0" smtClean="0"/>
+              <a:t>Attentive Reader</a:t>
+            </a:r>
+            <a:r>
+              <a:rPr lang="zh-CN" altLang="en-US" dirty="0" smtClean="0"/>
+              <a:t>相比，</a:t>
+            </a:r>
+            <a:r>
+              <a:rPr lang="en-US" altLang="zh-CN" dirty="0" smtClean="0"/>
+              <a:t>Impatient reader</a:t>
+            </a:r>
+            <a:r>
+              <a:rPr lang="zh-CN" altLang="en-US" dirty="0" smtClean="0"/>
+              <a:t>在题目每个字上都会跟文档中的每个词做</a:t>
+            </a:r>
+            <a:r>
+              <a:rPr lang="en-US" altLang="zh-CN" dirty="0" smtClean="0"/>
+              <a:t>attention</a:t>
+            </a:r>
+            <a:r>
+              <a:rPr lang="zh-CN" altLang="en-US" dirty="0" smtClean="0"/>
+              <a:t>。。最后在每个字上所生成的状态信息会通过一个</a:t>
+            </a:r>
+            <a:r>
+              <a:rPr lang="en-US" altLang="zh-CN" dirty="0" smtClean="0"/>
+              <a:t>RNN</a:t>
+            </a:r>
+            <a:r>
+              <a:rPr lang="zh-CN" altLang="en-US" dirty="0" smtClean="0"/>
+              <a:t>进行编码，然后最终的</a:t>
+            </a:r>
+            <a:r>
+              <a:rPr lang="en-US" altLang="zh-CN" dirty="0" smtClean="0"/>
+              <a:t>r</a:t>
+            </a:r>
+            <a:r>
+              <a:rPr lang="zh-CN" altLang="en-US" dirty="0" smtClean="0"/>
+              <a:t>和</a:t>
+            </a:r>
+            <a:r>
+              <a:rPr lang="en-US" altLang="zh-CN" dirty="0" smtClean="0"/>
+              <a:t>u</a:t>
+            </a:r>
+            <a:r>
+              <a:rPr lang="zh-CN" altLang="en-US" dirty="0" smtClean="0"/>
+              <a:t>会最终作为特征。</a:t>
+            </a:r>
             <a:endParaRPr lang="zh-CN" altLang="en-US" dirty="0"/>
           </a:p>
         </p:txBody>
@@ -1267,7 +1203,7 @@
     </p:spTree>
     <p:extLst>
       <p:ext uri="{BB962C8B-B14F-4D97-AF65-F5344CB8AC3E}">
-        <p14:creationId xmlns:p14="http://schemas.microsoft.com/office/powerpoint/2010/main" val="2097146680"/>
+        <p14:creationId xmlns:p14="http://schemas.microsoft.com/office/powerpoint/2010/main" val="3278909753"/>
       </p:ext>
     </p:extLst>
   </p:cSld>
@@ -1321,7 +1257,74 @@
           <a:bodyPr/>
           <a:lstStyle/>
           <a:p>
-            <a:endParaRPr lang="zh-CN" altLang="en-US" dirty="0"/>
+            <a:r>
+              <a:rPr lang="zh-CN" altLang="en-US" sz="900" dirty="0" smtClean="0"/>
+              <a:t>跟</a:t>
+            </a:r>
+            <a:r>
+              <a:rPr lang="en-US" altLang="zh-CN" sz="900" dirty="0" smtClean="0"/>
+              <a:t>Attentive Reader</a:t>
+            </a:r>
+            <a:r>
+              <a:rPr lang="zh-CN" altLang="en-US" sz="900" dirty="0" smtClean="0"/>
+              <a:t>相比，</a:t>
+            </a:r>
+            <a:r>
+              <a:rPr lang="en-US" altLang="zh-CN" sz="900" dirty="0" smtClean="0"/>
+              <a:t>Impatient reader</a:t>
+            </a:r>
+            <a:r>
+              <a:rPr lang="zh-CN" altLang="en-US" sz="900" dirty="0" smtClean="0"/>
+              <a:t>在题目每个字上都会跟文档中的每个词做</a:t>
+            </a:r>
+            <a:r>
+              <a:rPr lang="en-US" altLang="zh-CN" sz="900" dirty="0" smtClean="0"/>
+              <a:t>attention</a:t>
+            </a:r>
+            <a:r>
+              <a:rPr lang="zh-CN" altLang="en-US" sz="900" dirty="0" smtClean="0"/>
+              <a:t>。。最后在每个字上所生成的状态信息会通过一个</a:t>
+            </a:r>
+            <a:r>
+              <a:rPr lang="en-US" altLang="zh-CN" sz="900" dirty="0" smtClean="0"/>
+              <a:t>RNN</a:t>
+            </a:r>
+            <a:r>
+              <a:rPr lang="zh-CN" altLang="en-US" sz="900" dirty="0" smtClean="0"/>
+              <a:t>进行编码，然后最终的</a:t>
+            </a:r>
+            <a:r>
+              <a:rPr lang="en-US" altLang="zh-CN" sz="900" dirty="0" smtClean="0"/>
+              <a:t>r</a:t>
+            </a:r>
+            <a:r>
+              <a:rPr lang="zh-CN" altLang="en-US" sz="900" dirty="0" smtClean="0"/>
+              <a:t>和</a:t>
+            </a:r>
+            <a:r>
+              <a:rPr lang="en-US" altLang="zh-CN" sz="900" dirty="0" smtClean="0"/>
+              <a:t>u</a:t>
+            </a:r>
+            <a:r>
+              <a:rPr lang="zh-CN" altLang="en-US" sz="900" dirty="0" smtClean="0"/>
+              <a:t>会最终作为特征。</a:t>
+            </a:r>
+            <a:endParaRPr lang="en-US" altLang="zh-CN" sz="900" dirty="0" smtClean="0"/>
+          </a:p>
+          <a:p>
+            <a:r>
+              <a:rPr lang="zh-CN" altLang="en-US" sz="900" dirty="0" smtClean="0"/>
+              <a:t>后面的计算方式跟</a:t>
+            </a:r>
+            <a:r>
+              <a:rPr lang="en-US" altLang="zh-CN" sz="900" dirty="0" smtClean="0"/>
+              <a:t>Attentive Reader</a:t>
+            </a:r>
+            <a:r>
+              <a:rPr lang="zh-CN" altLang="en-US" sz="900" dirty="0" smtClean="0"/>
+              <a:t>是完全一致的，也是在整个词表空间上进行预测的。</a:t>
+            </a:r>
+            <a:endParaRPr lang="zh-CN" altLang="en-US" sz="900" dirty="0"/>
           </a:p>
         </p:txBody>
       </p:sp>
@@ -1351,7 +1354,7 @@
     </p:spTree>
     <p:extLst>
       <p:ext uri="{BB962C8B-B14F-4D97-AF65-F5344CB8AC3E}">
-        <p14:creationId xmlns:p14="http://schemas.microsoft.com/office/powerpoint/2010/main" val="2183551381"/>
+        <p14:creationId xmlns:p14="http://schemas.microsoft.com/office/powerpoint/2010/main" val="3317403451"/>
       </p:ext>
     </p:extLst>
   </p:cSld>
@@ -1435,7 +1438,7 @@
     </p:spTree>
     <p:extLst>
       <p:ext uri="{BB962C8B-B14F-4D97-AF65-F5344CB8AC3E}">
-        <p14:creationId xmlns:p14="http://schemas.microsoft.com/office/powerpoint/2010/main" val="1782376861"/>
+        <p14:creationId xmlns:p14="http://schemas.microsoft.com/office/powerpoint/2010/main" val="2097146680"/>
       </p:ext>
     </p:extLst>
   </p:cSld>
@@ -1519,7 +1522,7 @@
     </p:spTree>
     <p:extLst>
       <p:ext uri="{BB962C8B-B14F-4D97-AF65-F5344CB8AC3E}">
-        <p14:creationId xmlns:p14="http://schemas.microsoft.com/office/powerpoint/2010/main" val="18452268"/>
+        <p14:creationId xmlns:p14="http://schemas.microsoft.com/office/powerpoint/2010/main" val="2183551381"/>
       </p:ext>
     </p:extLst>
   </p:cSld>
@@ -1687,7 +1690,7 @@
     </p:spTree>
     <p:extLst>
       <p:ext uri="{BB962C8B-B14F-4D97-AF65-F5344CB8AC3E}">
-        <p14:creationId xmlns:p14="http://schemas.microsoft.com/office/powerpoint/2010/main" val="903878883"/>
+        <p14:creationId xmlns:p14="http://schemas.microsoft.com/office/powerpoint/2010/main" val="1782376861"/>
       </p:ext>
     </p:extLst>
   </p:cSld>
@@ -1771,7 +1774,7 @@
     </p:spTree>
     <p:extLst>
       <p:ext uri="{BB962C8B-B14F-4D97-AF65-F5344CB8AC3E}">
-        <p14:creationId xmlns:p14="http://schemas.microsoft.com/office/powerpoint/2010/main" val="4126964945"/>
+        <p14:creationId xmlns:p14="http://schemas.microsoft.com/office/powerpoint/2010/main" val="18452268"/>
       </p:ext>
     </p:extLst>
   </p:cSld>
@@ -1847,6 +1850,258 @@
             <a:fld id="{246B7D10-F04B-48E2-9688-B5398025DEBA}" type="slidenum">
               <a:rPr lang="zh-CN" altLang="en-US" smtClean="0"/>
               <a:t>22</a:t>
+            </a:fld>
+            <a:endParaRPr lang="zh-CN" altLang="en-US"/>
+          </a:p>
+        </p:txBody>
+      </p:sp>
+    </p:spTree>
+    <p:extLst>
+      <p:ext uri="{BB962C8B-B14F-4D97-AF65-F5344CB8AC3E}">
+        <p14:creationId xmlns:p14="http://schemas.microsoft.com/office/powerpoint/2010/main" val="1269104231"/>
+      </p:ext>
+    </p:extLst>
+  </p:cSld>
+  <p:clrMapOvr>
+    <a:masterClrMapping/>
+  </p:clrMapOvr>
+</p:notes>
+</file>
+
+<file path=ppt/notesSlides/notesSlide23.xml><?xml version="1.0" encoding="utf-8"?>
+<p:notes xmlns:a="http://schemas.openxmlformats.org/drawingml/2006/main" xmlns:r="http://schemas.openxmlformats.org/officeDocument/2006/relationships" xmlns:p="http://schemas.openxmlformats.org/presentationml/2006/main">
+  <p:cSld>
+    <p:spTree>
+      <p:nvGrpSpPr>
+        <p:cNvPr id="1" name=""/>
+        <p:cNvGrpSpPr/>
+        <p:nvPr/>
+      </p:nvGrpSpPr>
+      <p:grpSpPr>
+        <a:xfrm>
+          <a:off x="0" y="0"/>
+          <a:ext cx="0" cy="0"/>
+          <a:chOff x="0" y="0"/>
+          <a:chExt cx="0" cy="0"/>
+        </a:xfrm>
+      </p:grpSpPr>
+      <p:sp>
+        <p:nvSpPr>
+          <p:cNvPr id="2" name="幻灯片图像占位符 1"/>
+          <p:cNvSpPr>
+            <a:spLocks noGrp="1" noRot="1" noChangeAspect="1"/>
+          </p:cNvSpPr>
+          <p:nvPr>
+            <p:ph type="sldImg"/>
+          </p:nvPr>
+        </p:nvSpPr>
+        <p:spPr/>
+      </p:sp>
+      <p:sp>
+        <p:nvSpPr>
+          <p:cNvPr id="3" name="备注占位符 2"/>
+          <p:cNvSpPr>
+            <a:spLocks noGrp="1"/>
+          </p:cNvSpPr>
+          <p:nvPr>
+            <p:ph type="body" idx="1"/>
+          </p:nvPr>
+        </p:nvSpPr>
+        <p:spPr/>
+        <p:txBody>
+          <a:bodyPr/>
+          <a:lstStyle/>
+          <a:p>
+            <a:endParaRPr lang="zh-CN" altLang="en-US" dirty="0"/>
+          </a:p>
+        </p:txBody>
+      </p:sp>
+      <p:sp>
+        <p:nvSpPr>
+          <p:cNvPr id="4" name="灯片编号占位符 3"/>
+          <p:cNvSpPr>
+            <a:spLocks noGrp="1"/>
+          </p:cNvSpPr>
+          <p:nvPr>
+            <p:ph type="sldNum" sz="quarter" idx="10"/>
+          </p:nvPr>
+        </p:nvSpPr>
+        <p:spPr/>
+        <p:txBody>
+          <a:bodyPr/>
+          <a:lstStyle/>
+          <a:p>
+            <a:fld id="{246B7D10-F04B-48E2-9688-B5398025DEBA}" type="slidenum">
+              <a:rPr lang="zh-CN" altLang="en-US" smtClean="0"/>
+              <a:t>23</a:t>
+            </a:fld>
+            <a:endParaRPr lang="zh-CN" altLang="en-US"/>
+          </a:p>
+        </p:txBody>
+      </p:sp>
+    </p:spTree>
+    <p:extLst>
+      <p:ext uri="{BB962C8B-B14F-4D97-AF65-F5344CB8AC3E}">
+        <p14:creationId xmlns:p14="http://schemas.microsoft.com/office/powerpoint/2010/main" val="903878883"/>
+      </p:ext>
+    </p:extLst>
+  </p:cSld>
+  <p:clrMapOvr>
+    <a:masterClrMapping/>
+  </p:clrMapOvr>
+</p:notes>
+</file>
+
+<file path=ppt/notesSlides/notesSlide24.xml><?xml version="1.0" encoding="utf-8"?>
+<p:notes xmlns:a="http://schemas.openxmlformats.org/drawingml/2006/main" xmlns:r="http://schemas.openxmlformats.org/officeDocument/2006/relationships" xmlns:p="http://schemas.openxmlformats.org/presentationml/2006/main">
+  <p:cSld>
+    <p:spTree>
+      <p:nvGrpSpPr>
+        <p:cNvPr id="1" name=""/>
+        <p:cNvGrpSpPr/>
+        <p:nvPr/>
+      </p:nvGrpSpPr>
+      <p:grpSpPr>
+        <a:xfrm>
+          <a:off x="0" y="0"/>
+          <a:ext cx="0" cy="0"/>
+          <a:chOff x="0" y="0"/>
+          <a:chExt cx="0" cy="0"/>
+        </a:xfrm>
+      </p:grpSpPr>
+      <p:sp>
+        <p:nvSpPr>
+          <p:cNvPr id="2" name="幻灯片图像占位符 1"/>
+          <p:cNvSpPr>
+            <a:spLocks noGrp="1" noRot="1" noChangeAspect="1"/>
+          </p:cNvSpPr>
+          <p:nvPr>
+            <p:ph type="sldImg"/>
+          </p:nvPr>
+        </p:nvSpPr>
+        <p:spPr/>
+      </p:sp>
+      <p:sp>
+        <p:nvSpPr>
+          <p:cNvPr id="3" name="备注占位符 2"/>
+          <p:cNvSpPr>
+            <a:spLocks noGrp="1"/>
+          </p:cNvSpPr>
+          <p:nvPr>
+            <p:ph type="body" idx="1"/>
+          </p:nvPr>
+        </p:nvSpPr>
+        <p:spPr/>
+        <p:txBody>
+          <a:bodyPr/>
+          <a:lstStyle/>
+          <a:p>
+            <a:endParaRPr lang="zh-CN" altLang="en-US" dirty="0"/>
+          </a:p>
+        </p:txBody>
+      </p:sp>
+      <p:sp>
+        <p:nvSpPr>
+          <p:cNvPr id="4" name="灯片编号占位符 3"/>
+          <p:cNvSpPr>
+            <a:spLocks noGrp="1"/>
+          </p:cNvSpPr>
+          <p:nvPr>
+            <p:ph type="sldNum" sz="quarter" idx="10"/>
+          </p:nvPr>
+        </p:nvSpPr>
+        <p:spPr/>
+        <p:txBody>
+          <a:bodyPr/>
+          <a:lstStyle/>
+          <a:p>
+            <a:fld id="{246B7D10-F04B-48E2-9688-B5398025DEBA}" type="slidenum">
+              <a:rPr lang="zh-CN" altLang="en-US" smtClean="0"/>
+              <a:t>24</a:t>
+            </a:fld>
+            <a:endParaRPr lang="zh-CN" altLang="en-US"/>
+          </a:p>
+        </p:txBody>
+      </p:sp>
+    </p:spTree>
+    <p:extLst>
+      <p:ext uri="{BB962C8B-B14F-4D97-AF65-F5344CB8AC3E}">
+        <p14:creationId xmlns:p14="http://schemas.microsoft.com/office/powerpoint/2010/main" val="4126964945"/>
+      </p:ext>
+    </p:extLst>
+  </p:cSld>
+  <p:clrMapOvr>
+    <a:masterClrMapping/>
+  </p:clrMapOvr>
+</p:notes>
+</file>
+
+<file path=ppt/notesSlides/notesSlide25.xml><?xml version="1.0" encoding="utf-8"?>
+<p:notes xmlns:a="http://schemas.openxmlformats.org/drawingml/2006/main" xmlns:r="http://schemas.openxmlformats.org/officeDocument/2006/relationships" xmlns:p="http://schemas.openxmlformats.org/presentationml/2006/main">
+  <p:cSld>
+    <p:spTree>
+      <p:nvGrpSpPr>
+        <p:cNvPr id="1" name=""/>
+        <p:cNvGrpSpPr/>
+        <p:nvPr/>
+      </p:nvGrpSpPr>
+      <p:grpSpPr>
+        <a:xfrm>
+          <a:off x="0" y="0"/>
+          <a:ext cx="0" cy="0"/>
+          <a:chOff x="0" y="0"/>
+          <a:chExt cx="0" cy="0"/>
+        </a:xfrm>
+      </p:grpSpPr>
+      <p:sp>
+        <p:nvSpPr>
+          <p:cNvPr id="2" name="幻灯片图像占位符 1"/>
+          <p:cNvSpPr>
+            <a:spLocks noGrp="1" noRot="1" noChangeAspect="1"/>
+          </p:cNvSpPr>
+          <p:nvPr>
+            <p:ph type="sldImg"/>
+          </p:nvPr>
+        </p:nvSpPr>
+        <p:spPr/>
+      </p:sp>
+      <p:sp>
+        <p:nvSpPr>
+          <p:cNvPr id="3" name="备注占位符 2"/>
+          <p:cNvSpPr>
+            <a:spLocks noGrp="1"/>
+          </p:cNvSpPr>
+          <p:nvPr>
+            <p:ph type="body" idx="1"/>
+          </p:nvPr>
+        </p:nvSpPr>
+        <p:spPr/>
+        <p:txBody>
+          <a:bodyPr/>
+          <a:lstStyle/>
+          <a:p>
+            <a:endParaRPr lang="zh-CN" altLang="en-US" dirty="0"/>
+          </a:p>
+        </p:txBody>
+      </p:sp>
+      <p:sp>
+        <p:nvSpPr>
+          <p:cNvPr id="4" name="灯片编号占位符 3"/>
+          <p:cNvSpPr>
+            <a:spLocks noGrp="1"/>
+          </p:cNvSpPr>
+          <p:nvPr>
+            <p:ph type="sldNum" sz="quarter" idx="10"/>
+          </p:nvPr>
+        </p:nvSpPr>
+        <p:spPr/>
+        <p:txBody>
+          <a:bodyPr/>
+          <a:lstStyle/>
+          <a:p>
+            <a:fld id="{246B7D10-F04B-48E2-9688-B5398025DEBA}" type="slidenum">
+              <a:rPr lang="zh-CN" altLang="en-US" smtClean="0"/>
+              <a:t>25</a:t>
             </a:fld>
             <a:endParaRPr lang="zh-CN" altLang="en-US"/>
           </a:p>
@@ -1939,7 +2194,7 @@
     </p:spTree>
     <p:extLst>
       <p:ext uri="{BB962C8B-B14F-4D97-AF65-F5344CB8AC3E}">
-        <p14:creationId xmlns:p14="http://schemas.microsoft.com/office/powerpoint/2010/main" val="22290966"/>
+        <p14:creationId xmlns:p14="http://schemas.microsoft.com/office/powerpoint/2010/main" val="2169357733"/>
       </p:ext>
     </p:extLst>
   </p:cSld>
@@ -2023,7 +2278,7 @@
     </p:spTree>
     <p:extLst>
       <p:ext uri="{BB962C8B-B14F-4D97-AF65-F5344CB8AC3E}">
-        <p14:creationId xmlns:p14="http://schemas.microsoft.com/office/powerpoint/2010/main" val="1907714230"/>
+        <p14:creationId xmlns:p14="http://schemas.microsoft.com/office/powerpoint/2010/main" val="163176033"/>
       </p:ext>
     </p:extLst>
   </p:cSld>
@@ -2077,10 +2332,6 @@
           <a:bodyPr/>
           <a:lstStyle/>
           <a:p>
-            <a:r>
-              <a:rPr lang="zh-CN" altLang="en-US" dirty="0" smtClean="0"/>
-              <a:t>本质上是要对问题和文档进行编码。不同的思考方式会导致不同的编码方式，但是如果根据人类思考问题的方式，大致可以分成下面几类。</a:t>
-            </a:r>
             <a:endParaRPr lang="zh-CN" altLang="en-US" dirty="0"/>
           </a:p>
         </p:txBody>
@@ -2111,7 +2362,7 @@
     </p:spTree>
     <p:extLst>
       <p:ext uri="{BB962C8B-B14F-4D97-AF65-F5344CB8AC3E}">
-        <p14:creationId xmlns:p14="http://schemas.microsoft.com/office/powerpoint/2010/main" val="3585082057"/>
+        <p14:creationId xmlns:p14="http://schemas.microsoft.com/office/powerpoint/2010/main" val="2187838915"/>
       </p:ext>
     </p:extLst>
   </p:cSld>
@@ -2195,7 +2446,7 @@
     </p:spTree>
     <p:extLst>
       <p:ext uri="{BB962C8B-B14F-4D97-AF65-F5344CB8AC3E}">
-        <p14:creationId xmlns:p14="http://schemas.microsoft.com/office/powerpoint/2010/main" val="1934198867"/>
+        <p14:creationId xmlns:p14="http://schemas.microsoft.com/office/powerpoint/2010/main" val="1907714230"/>
       </p:ext>
     </p:extLst>
   </p:cSld>
@@ -2249,6 +2500,10 @@
           <a:bodyPr/>
           <a:lstStyle/>
           <a:p>
+            <a:r>
+              <a:rPr lang="zh-CN" altLang="en-US" dirty="0" smtClean="0"/>
+              <a:t>本质上是要对问题和文档进行编码。不同的思考方式会导致不同的编码方式，但是如果根据人类思考问题的方式，大致可以分成下面几类。</a:t>
+            </a:r>
             <a:endParaRPr lang="zh-CN" altLang="en-US" dirty="0"/>
           </a:p>
         </p:txBody>
@@ -2279,7 +2534,7 @@
     </p:spTree>
     <p:extLst>
       <p:ext uri="{BB962C8B-B14F-4D97-AF65-F5344CB8AC3E}">
-        <p14:creationId xmlns:p14="http://schemas.microsoft.com/office/powerpoint/2010/main" val="908722208"/>
+        <p14:creationId xmlns:p14="http://schemas.microsoft.com/office/powerpoint/2010/main" val="3585082057"/>
       </p:ext>
     </p:extLst>
   </p:cSld>
@@ -2363,7 +2618,7 @@
     </p:spTree>
     <p:extLst>
       <p:ext uri="{BB962C8B-B14F-4D97-AF65-F5344CB8AC3E}">
-        <p14:creationId xmlns:p14="http://schemas.microsoft.com/office/powerpoint/2010/main" val="1582712928"/>
+        <p14:creationId xmlns:p14="http://schemas.microsoft.com/office/powerpoint/2010/main" val="1934198867"/>
       </p:ext>
     </p:extLst>
   </p:cSld>
@@ -2447,7 +2702,7 @@
     </p:spTree>
     <p:extLst>
       <p:ext uri="{BB962C8B-B14F-4D97-AF65-F5344CB8AC3E}">
-        <p14:creationId xmlns:p14="http://schemas.microsoft.com/office/powerpoint/2010/main" val="1388597165"/>
+        <p14:creationId xmlns:p14="http://schemas.microsoft.com/office/powerpoint/2010/main" val="908722208"/>
       </p:ext>
     </p:extLst>
   </p:cSld>
@@ -2588,7 +2843,7 @@
           <a:p>
             <a:fld id="{1462EEAE-D7E5-41EC-A652-847CDD68A4ED}" type="datetimeFigureOut">
               <a:rPr lang="zh-CN" altLang="en-US" smtClean="0"/>
-              <a:t>2017/3/10</a:t>
+              <a:t>2017/3/17</a:t>
             </a:fld>
             <a:endParaRPr lang="zh-CN" altLang="en-US"/>
           </a:p>
@@ -2758,7 +3013,7 @@
           <a:p>
             <a:fld id="{1462EEAE-D7E5-41EC-A652-847CDD68A4ED}" type="datetimeFigureOut">
               <a:rPr lang="zh-CN" altLang="en-US" smtClean="0"/>
-              <a:t>2017/3/10</a:t>
+              <a:t>2017/3/17</a:t>
             </a:fld>
             <a:endParaRPr lang="zh-CN" altLang="en-US"/>
           </a:p>
@@ -2938,7 +3193,7 @@
           <a:p>
             <a:fld id="{1462EEAE-D7E5-41EC-A652-847CDD68A4ED}" type="datetimeFigureOut">
               <a:rPr lang="zh-CN" altLang="en-US" smtClean="0"/>
-              <a:t>2017/3/10</a:t>
+              <a:t>2017/3/17</a:t>
             </a:fld>
             <a:endParaRPr lang="zh-CN" altLang="en-US"/>
           </a:p>
@@ -3108,7 +3363,7 @@
           <a:p>
             <a:fld id="{1462EEAE-D7E5-41EC-A652-847CDD68A4ED}" type="datetimeFigureOut">
               <a:rPr lang="zh-CN" altLang="en-US" smtClean="0"/>
-              <a:t>2017/3/10</a:t>
+              <a:t>2017/3/17</a:t>
             </a:fld>
             <a:endParaRPr lang="zh-CN" altLang="en-US"/>
           </a:p>
@@ -3354,7 +3609,7 @@
           <a:p>
             <a:fld id="{1462EEAE-D7E5-41EC-A652-847CDD68A4ED}" type="datetimeFigureOut">
               <a:rPr lang="zh-CN" altLang="en-US" smtClean="0"/>
-              <a:t>2017/3/10</a:t>
+              <a:t>2017/3/17</a:t>
             </a:fld>
             <a:endParaRPr lang="zh-CN" altLang="en-US"/>
           </a:p>
@@ -3586,7 +3841,7 @@
           <a:p>
             <a:fld id="{1462EEAE-D7E5-41EC-A652-847CDD68A4ED}" type="datetimeFigureOut">
               <a:rPr lang="zh-CN" altLang="en-US" smtClean="0"/>
-              <a:t>2017/3/10</a:t>
+              <a:t>2017/3/17</a:t>
             </a:fld>
             <a:endParaRPr lang="zh-CN" altLang="en-US"/>
           </a:p>
@@ -3953,7 +4208,7 @@
           <a:p>
             <a:fld id="{1462EEAE-D7E5-41EC-A652-847CDD68A4ED}" type="datetimeFigureOut">
               <a:rPr lang="zh-CN" altLang="en-US" smtClean="0"/>
-              <a:t>2017/3/10</a:t>
+              <a:t>2017/3/17</a:t>
             </a:fld>
             <a:endParaRPr lang="zh-CN" altLang="en-US"/>
           </a:p>
@@ -4071,7 +4326,7 @@
           <a:p>
             <a:fld id="{1462EEAE-D7E5-41EC-A652-847CDD68A4ED}" type="datetimeFigureOut">
               <a:rPr lang="zh-CN" altLang="en-US" smtClean="0"/>
-              <a:t>2017/3/10</a:t>
+              <a:t>2017/3/17</a:t>
             </a:fld>
             <a:endParaRPr lang="zh-CN" altLang="en-US"/>
           </a:p>
@@ -4166,7 +4421,7 @@
           <a:p>
             <a:fld id="{1462EEAE-D7E5-41EC-A652-847CDD68A4ED}" type="datetimeFigureOut">
               <a:rPr lang="zh-CN" altLang="en-US" smtClean="0"/>
-              <a:t>2017/3/10</a:t>
+              <a:t>2017/3/17</a:t>
             </a:fld>
             <a:endParaRPr lang="zh-CN" altLang="en-US"/>
           </a:p>
@@ -4443,7 +4698,7 @@
           <a:p>
             <a:fld id="{1462EEAE-D7E5-41EC-A652-847CDD68A4ED}" type="datetimeFigureOut">
               <a:rPr lang="zh-CN" altLang="en-US" smtClean="0"/>
-              <a:t>2017/3/10</a:t>
+              <a:t>2017/3/17</a:t>
             </a:fld>
             <a:endParaRPr lang="zh-CN" altLang="en-US"/>
           </a:p>
@@ -4696,7 +4951,7 @@
           <a:p>
             <a:fld id="{1462EEAE-D7E5-41EC-A652-847CDD68A4ED}" type="datetimeFigureOut">
               <a:rPr lang="zh-CN" altLang="en-US" smtClean="0"/>
-              <a:t>2017/3/10</a:t>
+              <a:t>2017/3/17</a:t>
             </a:fld>
             <a:endParaRPr lang="zh-CN" altLang="en-US"/>
           </a:p>
@@ -4909,7 +5164,7 @@
           <a:p>
             <a:fld id="{1462EEAE-D7E5-41EC-A652-847CDD68A4ED}" type="datetimeFigureOut">
               <a:rPr lang="zh-CN" altLang="en-US" smtClean="0"/>
-              <a:t>2017/3/10</a:t>
+              <a:t>2017/3/17</a:t>
             </a:fld>
             <a:endParaRPr lang="zh-CN" altLang="en-US"/>
           </a:p>
@@ -5326,7 +5581,7 @@
         </p:nvSpPr>
         <p:spPr>
           <a:xfrm>
-            <a:off x="819694" y="1136218"/>
+            <a:off x="862725" y="1136218"/>
             <a:ext cx="7504611" cy="2387600"/>
           </a:xfrm>
         </p:spPr>
@@ -5492,23 +5747,7 @@
                 <a:ea typeface="Cambria Math" panose="02040503050406030204" pitchFamily="18" charset="0"/>
                 <a:cs typeface="+mn-cs"/>
               </a:rPr>
-              <a:t>Attentive Reader</a:t>
-            </a:r>
-            <a:r>
-              <a:rPr lang="zh-CN" altLang="en-US" sz="3200" dirty="0">
-                <a:latin typeface="Cambria Math" panose="02040503050406030204" pitchFamily="18" charset="0"/>
-                <a:ea typeface="Cambria Math" panose="02040503050406030204" pitchFamily="18" charset="0"/>
-                <a:cs typeface="+mn-cs"/>
-              </a:rPr>
-              <a:t>和</a:t>
-            </a:r>
-            <a:r>
-              <a:rPr lang="en-US" altLang="zh-CN" sz="3200" dirty="0">
-                <a:latin typeface="Cambria Math" panose="02040503050406030204" pitchFamily="18" charset="0"/>
-                <a:ea typeface="Cambria Math" panose="02040503050406030204" pitchFamily="18" charset="0"/>
-                <a:cs typeface="+mn-cs"/>
-              </a:rPr>
-              <a:t>Stanford AR</a:t>
+              <a:t>Deep LSTM Reader</a:t>
             </a:r>
             <a:endParaRPr lang="zh-CN" altLang="en-US" sz="3200" dirty="0">
               <a:latin typeface="Cambria Math" panose="02040503050406030204" pitchFamily="18" charset="0"/>
@@ -5518,8 +5757,445 @@
           </a:p>
         </p:txBody>
       </p:sp>
-      <mc:AlternateContent xmlns:mc="http://schemas.openxmlformats.org/markup-compatibility/2006">
-        <mc:Choice xmlns:a14="http://schemas.microsoft.com/office/drawing/2010/main" Requires="a14">
+      <p:sp>
+        <p:nvSpPr>
+          <p:cNvPr id="3" name="内容占位符 2"/>
+          <p:cNvSpPr>
+            <a:spLocks noGrp="1"/>
+          </p:cNvSpPr>
+          <p:nvPr>
+            <p:ph idx="1"/>
+          </p:nvPr>
+        </p:nvSpPr>
+        <p:spPr>
+          <a:xfrm>
+            <a:off x="628650" y="1525345"/>
+            <a:ext cx="7886700" cy="4630103"/>
+          </a:xfrm>
+        </p:spPr>
+        <p:txBody>
+          <a:bodyPr>
+            <a:normAutofit/>
+          </a:bodyPr>
+          <a:lstStyle/>
+          <a:p>
+            <a:pPr marL="0" indent="0">
+              <a:buNone/>
+            </a:pPr>
+            <a:endParaRPr lang="en-US" altLang="zh-CN" sz="2000" dirty="0">
+              <a:latin typeface="微软雅黑" panose="020B0503020204020204" pitchFamily="34" charset="-122"/>
+              <a:ea typeface="微软雅黑" panose="020B0503020204020204" pitchFamily="34" charset="-122"/>
+            </a:endParaRPr>
+          </a:p>
+          <a:p>
+            <a:pPr marL="0" indent="0">
+              <a:buNone/>
+            </a:pPr>
+            <a:endParaRPr lang="en-US" altLang="zh-CN" sz="2000" dirty="0" smtClean="0">
+              <a:latin typeface="微软雅黑" panose="020B0503020204020204" pitchFamily="34" charset="-122"/>
+              <a:ea typeface="微软雅黑" panose="020B0503020204020204" pitchFamily="34" charset="-122"/>
+            </a:endParaRPr>
+          </a:p>
+          <a:p>
+            <a:pPr marL="0" indent="0">
+              <a:lnSpc>
+                <a:spcPct val="100000"/>
+              </a:lnSpc>
+              <a:buNone/>
+            </a:pPr>
+            <a:r>
+              <a:rPr lang="zh-CN" altLang="en-US" sz="2000" dirty="0">
+                <a:latin typeface="Cambria Math" panose="02040503050406030204" pitchFamily="18" charset="0"/>
+                <a:ea typeface="Cambria Math" panose="02040503050406030204" pitchFamily="18" charset="0"/>
+              </a:rPr>
+              <a:t>优点：模型结构非常简单，一般来说两层的</a:t>
+            </a:r>
+            <a:r>
+              <a:rPr lang="en-US" altLang="zh-CN" sz="2000" dirty="0">
+                <a:latin typeface="Cambria Math" panose="02040503050406030204" pitchFamily="18" charset="0"/>
+                <a:ea typeface="Cambria Math" panose="02040503050406030204" pitchFamily="18" charset="0"/>
+              </a:rPr>
+              <a:t>LSTM</a:t>
+            </a:r>
+            <a:r>
+              <a:rPr lang="zh-CN" altLang="en-US" sz="2000" dirty="0">
+                <a:latin typeface="Cambria Math" panose="02040503050406030204" pitchFamily="18" charset="0"/>
+                <a:ea typeface="Cambria Math" panose="02040503050406030204" pitchFamily="18" charset="0"/>
+              </a:rPr>
+              <a:t>就已经可以取得比较理想的效果了；</a:t>
+            </a:r>
+            <a:endParaRPr lang="en-US" altLang="zh-CN" sz="2000" dirty="0">
+              <a:latin typeface="Cambria Math" panose="02040503050406030204" pitchFamily="18" charset="0"/>
+              <a:ea typeface="Cambria Math" panose="02040503050406030204" pitchFamily="18" charset="0"/>
+            </a:endParaRPr>
+          </a:p>
+          <a:p>
+            <a:pPr marL="0" indent="0">
+              <a:lnSpc>
+                <a:spcPct val="100000"/>
+              </a:lnSpc>
+              <a:buNone/>
+            </a:pPr>
+            <a:endParaRPr lang="en-US" altLang="zh-CN" sz="2000" dirty="0">
+              <a:latin typeface="Cambria Math" panose="02040503050406030204" pitchFamily="18" charset="0"/>
+              <a:ea typeface="Cambria Math" panose="02040503050406030204" pitchFamily="18" charset="0"/>
+            </a:endParaRPr>
+          </a:p>
+          <a:p>
+            <a:pPr marL="0" indent="0">
+              <a:lnSpc>
+                <a:spcPct val="100000"/>
+              </a:lnSpc>
+              <a:buNone/>
+            </a:pPr>
+            <a:r>
+              <a:rPr lang="zh-CN" altLang="en-US" sz="2000" dirty="0">
+                <a:latin typeface="Cambria Math" panose="02040503050406030204" pitchFamily="18" charset="0"/>
+                <a:ea typeface="Cambria Math" panose="02040503050406030204" pitchFamily="18" charset="0"/>
+              </a:rPr>
+              <a:t>缺点：一般来说文章</a:t>
+            </a:r>
+            <a:r>
+              <a:rPr lang="en-US" altLang="zh-CN" sz="2000" dirty="0">
+                <a:latin typeface="Cambria Math" panose="02040503050406030204" pitchFamily="18" charset="0"/>
+                <a:ea typeface="Cambria Math" panose="02040503050406030204" pitchFamily="18" charset="0"/>
+              </a:rPr>
+              <a:t>document</a:t>
+            </a:r>
+            <a:r>
+              <a:rPr lang="zh-CN" altLang="en-US" sz="2000" dirty="0">
+                <a:latin typeface="Cambria Math" panose="02040503050406030204" pitchFamily="18" charset="0"/>
+                <a:ea typeface="Cambria Math" panose="02040503050406030204" pitchFamily="18" charset="0"/>
+              </a:rPr>
+              <a:t>的平均长度接近</a:t>
+            </a:r>
+            <a:r>
+              <a:rPr lang="en-US" altLang="zh-CN" sz="2000" dirty="0">
+                <a:latin typeface="Cambria Math" panose="02040503050406030204" pitchFamily="18" charset="0"/>
+                <a:ea typeface="Cambria Math" panose="02040503050406030204" pitchFamily="18" charset="0"/>
+              </a:rPr>
+              <a:t>800</a:t>
+            </a:r>
+            <a:r>
+              <a:rPr lang="zh-CN" altLang="en-US" sz="2000" dirty="0">
+                <a:latin typeface="Cambria Math" panose="02040503050406030204" pitchFamily="18" charset="0"/>
+                <a:ea typeface="Cambria Math" panose="02040503050406030204" pitchFamily="18" charset="0"/>
+              </a:rPr>
+              <a:t>了，只利用</a:t>
+            </a:r>
+            <a:r>
+              <a:rPr lang="en-US" altLang="zh-CN" sz="2000" dirty="0">
+                <a:latin typeface="Cambria Math" panose="02040503050406030204" pitchFamily="18" charset="0"/>
+                <a:ea typeface="Cambria Math" panose="02040503050406030204" pitchFamily="18" charset="0"/>
+              </a:rPr>
+              <a:t>LSTM</a:t>
+            </a:r>
+            <a:r>
+              <a:rPr lang="zh-CN" altLang="en-US" sz="2000" dirty="0">
+                <a:latin typeface="Cambria Math" panose="02040503050406030204" pitchFamily="18" charset="0"/>
+                <a:ea typeface="Cambria Math" panose="02040503050406030204" pitchFamily="18" charset="0"/>
+              </a:rPr>
+              <a:t>最终隐含状态会造成一些信息的丢失。</a:t>
+            </a:r>
+            <a:endParaRPr lang="en-US" altLang="zh-CN" sz="2000" dirty="0">
+              <a:latin typeface="Cambria Math" panose="02040503050406030204" pitchFamily="18" charset="0"/>
+              <a:ea typeface="Cambria Math" panose="02040503050406030204" pitchFamily="18" charset="0"/>
+            </a:endParaRPr>
+          </a:p>
+        </p:txBody>
+      </p:sp>
+    </p:spTree>
+    <p:extLst>
+      <p:ext uri="{BB962C8B-B14F-4D97-AF65-F5344CB8AC3E}">
+        <p14:creationId xmlns:p14="http://schemas.microsoft.com/office/powerpoint/2010/main" val="3542774480"/>
+      </p:ext>
+    </p:extLst>
+  </p:cSld>
+  <p:clrMapOvr>
+    <a:masterClrMapping/>
+  </p:clrMapOvr>
+  <p:timing>
+    <p:tnLst>
+      <p:par>
+        <p:cTn id="1" dur="indefinite" restart="never" nodeType="tmRoot"/>
+      </p:par>
+    </p:tnLst>
+  </p:timing>
+</p:sld>
+</file>
+
+<file path=ppt/slides/slide11.xml><?xml version="1.0" encoding="utf-8"?>
+<p:sld xmlns:a="http://schemas.openxmlformats.org/drawingml/2006/main" xmlns:r="http://schemas.openxmlformats.org/officeDocument/2006/relationships" xmlns:p="http://schemas.openxmlformats.org/presentationml/2006/main">
+  <p:cSld>
+    <p:spTree>
+      <p:nvGrpSpPr>
+        <p:cNvPr id="1" name=""/>
+        <p:cNvGrpSpPr/>
+        <p:nvPr/>
+      </p:nvGrpSpPr>
+      <p:grpSpPr>
+        <a:xfrm>
+          <a:off x="0" y="0"/>
+          <a:ext cx="0" cy="0"/>
+          <a:chOff x="0" y="0"/>
+          <a:chExt cx="0" cy="0"/>
+        </a:xfrm>
+      </p:grpSpPr>
+      <p:sp>
+        <p:nvSpPr>
+          <p:cNvPr id="2" name="标题 1"/>
+          <p:cNvSpPr>
+            <a:spLocks noGrp="1"/>
+          </p:cNvSpPr>
+          <p:nvPr>
+            <p:ph type="title"/>
+          </p:nvPr>
+        </p:nvSpPr>
+        <p:spPr>
+          <a:xfrm>
+            <a:off x="628650" y="365127"/>
+            <a:ext cx="7886700" cy="876934"/>
+          </a:xfrm>
+        </p:spPr>
+        <p:txBody>
+          <a:bodyPr>
+            <a:normAutofit/>
+          </a:bodyPr>
+          <a:lstStyle/>
+          <a:p>
+            <a:pPr algn="ctr">
+              <a:spcBef>
+                <a:spcPts val="750"/>
+              </a:spcBef>
+            </a:pPr>
+            <a:r>
+              <a:rPr lang="en-US" altLang="zh-CN" sz="3200" dirty="0">
+                <a:latin typeface="Cambria Math" panose="02040503050406030204" pitchFamily="18" charset="0"/>
+                <a:ea typeface="Cambria Math" panose="02040503050406030204" pitchFamily="18" charset="0"/>
+                <a:cs typeface="+mn-cs"/>
+              </a:rPr>
+              <a:t>Attentive Reader</a:t>
+            </a:r>
+            <a:r>
+              <a:rPr lang="zh-CN" altLang="en-US" sz="3200" dirty="0">
+                <a:latin typeface="Cambria Math" panose="02040503050406030204" pitchFamily="18" charset="0"/>
+                <a:ea typeface="Cambria Math" panose="02040503050406030204" pitchFamily="18" charset="0"/>
+                <a:cs typeface="+mn-cs"/>
+              </a:rPr>
+              <a:t>和</a:t>
+            </a:r>
+            <a:r>
+              <a:rPr lang="en-US" altLang="zh-CN" sz="3200" dirty="0">
+                <a:latin typeface="Cambria Math" panose="02040503050406030204" pitchFamily="18" charset="0"/>
+                <a:ea typeface="Cambria Math" panose="02040503050406030204" pitchFamily="18" charset="0"/>
+                <a:cs typeface="+mn-cs"/>
+              </a:rPr>
+              <a:t>Stanford AR</a:t>
+            </a:r>
+            <a:endParaRPr lang="zh-CN" altLang="en-US" sz="3200" dirty="0">
+              <a:latin typeface="Cambria Math" panose="02040503050406030204" pitchFamily="18" charset="0"/>
+              <a:ea typeface="Cambria Math" panose="02040503050406030204" pitchFamily="18" charset="0"/>
+              <a:cs typeface="+mn-cs"/>
+            </a:endParaRPr>
+          </a:p>
+        </p:txBody>
+      </p:sp>
+      <p:sp>
+        <p:nvSpPr>
+          <p:cNvPr id="3" name="内容占位符 2"/>
+          <p:cNvSpPr>
+            <a:spLocks noGrp="1"/>
+          </p:cNvSpPr>
+          <p:nvPr>
+            <p:ph idx="1"/>
+          </p:nvPr>
+        </p:nvSpPr>
+        <p:spPr>
+          <a:xfrm>
+            <a:off x="628649" y="1514588"/>
+            <a:ext cx="7886700" cy="4630103"/>
+          </a:xfrm>
+        </p:spPr>
+        <p:txBody>
+          <a:bodyPr>
+            <a:normAutofit/>
+          </a:bodyPr>
+          <a:lstStyle/>
+          <a:p>
+            <a:pPr marL="0" indent="0">
+              <a:lnSpc>
+                <a:spcPct val="100000"/>
+              </a:lnSpc>
+              <a:buFont typeface="Arial" panose="020B0604020202020204" pitchFamily="34" charset="0"/>
+              <a:buNone/>
+            </a:pPr>
+            <a:r>
+              <a:rPr lang="zh-CN" altLang="en-US" sz="1800" dirty="0">
+                <a:latin typeface="Cambria Math" panose="02040503050406030204" pitchFamily="18" charset="0"/>
+                <a:ea typeface="Cambria Math" panose="02040503050406030204" pitchFamily="18" charset="0"/>
+              </a:rPr>
+              <a:t>基本思路：</a:t>
+            </a:r>
+            <a:r>
+              <a:rPr lang="zh-CN" altLang="en-US" sz="1800" dirty="0">
+                <a:solidFill>
+                  <a:srgbClr val="7030A0"/>
+                </a:solidFill>
+                <a:latin typeface="Cambria Math" panose="02040503050406030204" pitchFamily="18" charset="0"/>
+                <a:ea typeface="Cambria Math" panose="02040503050406030204" pitchFamily="18" charset="0"/>
+              </a:rPr>
+              <a:t>开始读文章，然后开始读问题，读完问题后，通过问题去查找跟文章中相符合的部分</a:t>
+            </a:r>
+            <a:endParaRPr lang="en-US" altLang="zh-CN" sz="1800" dirty="0">
+              <a:solidFill>
+                <a:srgbClr val="7030A0"/>
+              </a:solidFill>
+              <a:latin typeface="Cambria Math" panose="02040503050406030204" pitchFamily="18" charset="0"/>
+              <a:ea typeface="Cambria Math" panose="02040503050406030204" pitchFamily="18" charset="0"/>
+            </a:endParaRPr>
+          </a:p>
+          <a:p>
+            <a:pPr marL="0" indent="0">
+              <a:buNone/>
+            </a:pPr>
+            <a:endParaRPr lang="en-US" altLang="zh-CN" sz="2000" dirty="0" smtClean="0">
+              <a:latin typeface="微软雅黑" panose="020B0503020204020204" pitchFamily="34" charset="-122"/>
+              <a:ea typeface="微软雅黑" panose="020B0503020204020204" pitchFamily="34" charset="-122"/>
+            </a:endParaRPr>
+          </a:p>
+          <a:p>
+            <a:pPr marL="0" indent="0">
+              <a:buNone/>
+            </a:pPr>
+            <a:endParaRPr lang="en-US" altLang="zh-CN" sz="2000" dirty="0" smtClean="0">
+              <a:latin typeface="微软雅黑" panose="020B0503020204020204" pitchFamily="34" charset="-122"/>
+              <a:ea typeface="微软雅黑" panose="020B0503020204020204" pitchFamily="34" charset="-122"/>
+            </a:endParaRPr>
+          </a:p>
+        </p:txBody>
+      </p:sp>
+      <p:pic>
+        <p:nvPicPr>
+          <p:cNvPr id="4" name="图片 3"/>
+          <p:cNvPicPr>
+            <a:picLocks noChangeAspect="1"/>
+          </p:cNvPicPr>
+          <p:nvPr/>
+        </p:nvPicPr>
+        <p:blipFill>
+          <a:blip r:embed="rId3"/>
+          <a:stretch>
+            <a:fillRect/>
+          </a:stretch>
+        </p:blipFill>
+        <p:spPr>
+          <a:xfrm>
+            <a:off x="1922201" y="2155020"/>
+            <a:ext cx="5299597" cy="3096658"/>
+          </a:xfrm>
+          <a:prstGeom prst="rect">
+            <a:avLst/>
+          </a:prstGeom>
+        </p:spPr>
+      </p:pic>
+    </p:spTree>
+    <p:extLst>
+      <p:ext uri="{BB962C8B-B14F-4D97-AF65-F5344CB8AC3E}">
+        <p14:creationId xmlns:p14="http://schemas.microsoft.com/office/powerpoint/2010/main" val="1692637856"/>
+      </p:ext>
+    </p:extLst>
+  </p:cSld>
+  <p:clrMapOvr>
+    <a:masterClrMapping/>
+  </p:clrMapOvr>
+  <p:timing>
+    <p:tnLst>
+      <p:par>
+        <p:cTn id="1" dur="indefinite" restart="never" nodeType="tmRoot"/>
+      </p:par>
+    </p:tnLst>
+  </p:timing>
+</p:sld>
+</file>
+
+<file path=ppt/slides/slide12.xml><?xml version="1.0" encoding="utf-8"?>
+<p:sld xmlns:a="http://schemas.openxmlformats.org/drawingml/2006/main" xmlns:r="http://schemas.openxmlformats.org/officeDocument/2006/relationships" xmlns:p="http://schemas.openxmlformats.org/presentationml/2006/main">
+  <p:cSld>
+    <p:spTree>
+      <p:nvGrpSpPr>
+        <p:cNvPr id="1" name=""/>
+        <p:cNvGrpSpPr/>
+        <p:nvPr/>
+      </p:nvGrpSpPr>
+      <p:grpSpPr>
+        <a:xfrm>
+          <a:off x="0" y="0"/>
+          <a:ext cx="0" cy="0"/>
+          <a:chOff x="0" y="0"/>
+          <a:chExt cx="0" cy="0"/>
+        </a:xfrm>
+      </p:grpSpPr>
+      <p:sp>
+        <p:nvSpPr>
+          <p:cNvPr id="2" name="标题 1"/>
+          <p:cNvSpPr>
+            <a:spLocks noGrp="1"/>
+          </p:cNvSpPr>
+          <p:nvPr>
+            <p:ph type="title"/>
+          </p:nvPr>
+        </p:nvSpPr>
+        <p:spPr>
+          <a:xfrm>
+            <a:off x="628650" y="365127"/>
+            <a:ext cx="7886700" cy="876934"/>
+          </a:xfrm>
+        </p:spPr>
+        <p:txBody>
+          <a:bodyPr>
+            <a:normAutofit/>
+          </a:bodyPr>
+          <a:lstStyle/>
+          <a:p>
+            <a:pPr algn="ctr">
+              <a:spcBef>
+                <a:spcPts val="750"/>
+              </a:spcBef>
+            </a:pPr>
+            <a:r>
+              <a:rPr lang="en-US" altLang="zh-CN" sz="3200" dirty="0">
+                <a:latin typeface="Cambria Math" panose="02040503050406030204" pitchFamily="18" charset="0"/>
+                <a:ea typeface="Cambria Math" panose="02040503050406030204" pitchFamily="18" charset="0"/>
+                <a:cs typeface="+mn-cs"/>
+              </a:rPr>
+              <a:t>Attentive Reader</a:t>
+            </a:r>
+            <a:r>
+              <a:rPr lang="zh-CN" altLang="en-US" sz="3200" dirty="0">
+                <a:latin typeface="Cambria Math" panose="02040503050406030204" pitchFamily="18" charset="0"/>
+                <a:ea typeface="Cambria Math" panose="02040503050406030204" pitchFamily="18" charset="0"/>
+                <a:cs typeface="+mn-cs"/>
+              </a:rPr>
+              <a:t>和</a:t>
+            </a:r>
+            <a:r>
+              <a:rPr lang="en-US" altLang="zh-CN" sz="3200" dirty="0">
+                <a:latin typeface="Cambria Math" panose="02040503050406030204" pitchFamily="18" charset="0"/>
+                <a:ea typeface="Cambria Math" panose="02040503050406030204" pitchFamily="18" charset="0"/>
+                <a:cs typeface="+mn-cs"/>
+              </a:rPr>
+              <a:t>Stanford AR</a:t>
+            </a:r>
+            <a:endParaRPr lang="zh-CN" altLang="en-US" sz="3200" dirty="0">
+              <a:latin typeface="Cambria Math" panose="02040503050406030204" pitchFamily="18" charset="0"/>
+              <a:ea typeface="Cambria Math" panose="02040503050406030204" pitchFamily="18" charset="0"/>
+              <a:cs typeface="+mn-cs"/>
+            </a:endParaRPr>
+          </a:p>
+        </p:txBody>
+      </p:sp>
+      <mc:AlternateContent xmlns:mc="http://schemas.openxmlformats.org/markup-compatibility/2006" xmlns:a14="http://schemas.microsoft.com/office/drawing/2010/main">
+        <mc:Choice Requires="a14">
           <p:sp>
             <p:nvSpPr>
               <p:cNvPr id="5" name="内容占位符 4"/>
@@ -5533,7 +6209,7 @@
             <p:spPr/>
             <p:txBody>
               <a:bodyPr>
-                <a:normAutofit fontScale="85000" lnSpcReduction="10000"/>
+                <a:normAutofit fontScale="77500" lnSpcReduction="20000"/>
               </a:bodyPr>
               <a:lstStyle/>
               <a:p>
@@ -5563,6 +6239,9 @@
               </a:p>
               <a:p>
                 <a:pPr marL="0" indent="0">
+                  <a:lnSpc>
+                    <a:spcPct val="120000"/>
+                  </a:lnSpc>
                   <a:buNone/>
                 </a:pPr>
                 <a14:m>
@@ -5595,7 +6274,21 @@
                     <a:latin typeface="Cambria Math" panose="02040503050406030204" pitchFamily="18" charset="0"/>
                     <a:ea typeface="Cambria Math" panose="02040503050406030204" pitchFamily="18" charset="0"/>
                   </a:rPr>
-                  <a:t>可以认为是最终的隐含状态</a:t>
+                  <a:t>可以认为是</a:t>
+                </a:r>
+                <a:r>
+                  <a:rPr lang="en-US" altLang="zh-CN" dirty="0" smtClean="0">
+                    <a:latin typeface="Cambria Math" panose="02040503050406030204" pitchFamily="18" charset="0"/>
+                    <a:ea typeface="Cambria Math" panose="02040503050406030204" pitchFamily="18" charset="0"/>
+                  </a:rPr>
+                  <a:t>RNN</a:t>
+                </a:r>
+                <a:r>
+                  <a:rPr lang="zh-CN" altLang="en-US" dirty="0" smtClean="0">
+                    <a:latin typeface="Cambria Math" panose="02040503050406030204" pitchFamily="18" charset="0"/>
+                    <a:ea typeface="Cambria Math" panose="02040503050406030204" pitchFamily="18" charset="0"/>
+                  </a:rPr>
+                  <a:t>最终的隐含状态</a:t>
                 </a:r>
                 <a:r>
                   <a:rPr lang="en-US" altLang="zh-CN" dirty="0" smtClean="0">
@@ -5745,14 +6438,7 @@
                     <a:latin typeface="Cambria Math" panose="02040503050406030204" pitchFamily="18" charset="0"/>
                     <a:ea typeface="Cambria Math" panose="02040503050406030204" pitchFamily="18" charset="0"/>
                   </a:rPr>
-                  <a:t>之间的相关性</a:t>
-                </a:r>
-                <a:r>
-                  <a:rPr lang="zh-CN" altLang="en-US" dirty="0" smtClean="0">
-                    <a:latin typeface="Cambria Math" panose="02040503050406030204" pitchFamily="18" charset="0"/>
-                    <a:ea typeface="Cambria Math" panose="02040503050406030204" pitchFamily="18" charset="0"/>
-                  </a:rPr>
-                  <a:t>的</a:t>
+                  <a:t>之间的相关性的</a:t>
                 </a:r>
                 <a:r>
                   <a:rPr lang="zh-CN" altLang="en-US" dirty="0">
@@ -5847,21 +6533,7 @@
                     <a:latin typeface="Cambria Math" panose="02040503050406030204" pitchFamily="18" charset="0"/>
                     <a:ea typeface="Cambria Math" panose="02040503050406030204" pitchFamily="18" charset="0"/>
                   </a:rPr>
-                  <a:t>中</a:t>
-                </a:r>
-                <a:r>
-                  <a:rPr lang="zh-CN" altLang="en-US" dirty="0" smtClean="0">
-                    <a:latin typeface="Cambria Math" panose="02040503050406030204" pitchFamily="18" charset="0"/>
-                    <a:ea typeface="Cambria Math" panose="02040503050406030204" pitchFamily="18" charset="0"/>
-                  </a:rPr>
-                  <a:t>，感觉只是一</a:t>
-                </a:r>
-                <a:r>
-                  <a:rPr lang="zh-CN" altLang="en-US" dirty="0" smtClean="0">
-                    <a:latin typeface="Cambria Math" panose="02040503050406030204" pitchFamily="18" charset="0"/>
-                    <a:ea typeface="Cambria Math" panose="02040503050406030204" pitchFamily="18" charset="0"/>
-                  </a:rPr>
-                  <a:t>个简单的非线性变换。</a:t>
+                  <a:t>中，感觉只是一个简单的非线性变换。</a:t>
                 </a:r>
                 <a:endParaRPr lang="en-US" altLang="zh-CN" dirty="0" smtClean="0">
                   <a:latin typeface="Cambria Math" panose="02040503050406030204" pitchFamily="18" charset="0"/>
@@ -6478,7 +7150,7 @@
             </p:txBody>
           </p:sp>
         </mc:Choice>
-        <mc:Fallback>
+        <mc:Fallback xmlns="">
           <p:sp>
             <p:nvSpPr>
               <p:cNvPr id="5" name="内容占位符 4"/>
@@ -6493,7 +7165,7 @@
               <a:blipFill rotWithShape="0">
                 <a:blip r:embed="rId3"/>
                 <a:stretch>
-                  <a:fillRect l="-618" t="-2381" b="-22689"/>
+                  <a:fillRect l="-386" t="-2241" b="-10504"/>
                 </a:stretch>
               </a:blipFill>
             </p:spPr>
@@ -6532,7 +7204,7 @@
 </p:sld>
 </file>
 
-<file path=ppt/slides/slide11.xml><?xml version="1.0" encoding="utf-8"?>
+<file path=ppt/slides/slide13.xml><?xml version="1.0" encoding="utf-8"?>
 <p:sld xmlns:a="http://schemas.openxmlformats.org/drawingml/2006/main" xmlns:r="http://schemas.openxmlformats.org/officeDocument/2006/relationships" xmlns:p="http://schemas.openxmlformats.org/presentationml/2006/main">
   <p:cSld>
     <p:spTree>
@@ -6595,8 +7267,8 @@
           </a:p>
         </p:txBody>
       </p:sp>
-      <mc:AlternateContent xmlns:mc="http://schemas.openxmlformats.org/markup-compatibility/2006">
-        <mc:Choice xmlns:a14="http://schemas.microsoft.com/office/drawing/2010/main" Requires="a14">
+      <mc:AlternateContent xmlns:mc="http://schemas.openxmlformats.org/markup-compatibility/2006" xmlns:a14="http://schemas.microsoft.com/office/drawing/2010/main">
+        <mc:Choice Requires="a14">
           <p:sp>
             <p:nvSpPr>
               <p:cNvPr id="3" name="内容占位符 2"/>
@@ -7517,7 +8189,7 @@
             </p:txBody>
           </p:sp>
         </mc:Choice>
-        <mc:Fallback>
+        <mc:Fallback xmlns="">
           <p:sp>
             <p:nvSpPr>
               <p:cNvPr id="3" name="内容占位符 2"/>
@@ -7575,7 +8247,7 @@
 </p:sld>
 </file>
 
-<file path=ppt/slides/slide12.xml><?xml version="1.0" encoding="utf-8"?>
+<file path=ppt/slides/slide14.xml><?xml version="1.0" encoding="utf-8"?>
 <p:sld xmlns:a="http://schemas.openxmlformats.org/drawingml/2006/main" xmlns:r="http://schemas.openxmlformats.org/officeDocument/2006/relationships" xmlns:p="http://schemas.openxmlformats.org/presentationml/2006/main">
   <p:cSld>
     <p:spTree>
@@ -7651,8 +8323,8 @@
           </a:p>
         </p:txBody>
       </p:sp>
-      <mc:AlternateContent xmlns:mc="http://schemas.openxmlformats.org/markup-compatibility/2006">
-        <mc:Choice xmlns:a14="http://schemas.microsoft.com/office/drawing/2010/main" Requires="a14">
+      <mc:AlternateContent xmlns:mc="http://schemas.openxmlformats.org/markup-compatibility/2006" xmlns:a14="http://schemas.microsoft.com/office/drawing/2010/main">
+        <mc:Choice Requires="a14">
           <p:sp>
             <p:nvSpPr>
               <p:cNvPr id="3" name="内容占位符 2"/>
@@ -8245,21 +8917,7 @@
                     <a:latin typeface="Cambria Math" panose="02040503050406030204" pitchFamily="18" charset="0"/>
                     <a:ea typeface="Cambria Math" panose="02040503050406030204" pitchFamily="18" charset="0"/>
                   </a:rPr>
-                  <a:t>相当于转化矩阵，把特征空间映射</a:t>
-                </a:r>
-                <a:r>
-                  <a:rPr lang="zh-CN" altLang="en-US" sz="2000" dirty="0" smtClean="0">
-                    <a:latin typeface="Cambria Math" panose="02040503050406030204" pitchFamily="18" charset="0"/>
-                    <a:ea typeface="Cambria Math" panose="02040503050406030204" pitchFamily="18" charset="0"/>
-                  </a:rPr>
-                  <a:t>到实体的概率空间</a:t>
-                </a:r>
-                <a:r>
-                  <a:rPr lang="zh-CN" altLang="en-US" sz="2000" dirty="0" smtClean="0">
-                    <a:latin typeface="Cambria Math" panose="02040503050406030204" pitchFamily="18" charset="0"/>
-                    <a:ea typeface="Cambria Math" panose="02040503050406030204" pitchFamily="18" charset="0"/>
-                  </a:rPr>
-                  <a:t>上。</a:t>
+                  <a:t>相当于转化矩阵，把特征空间映射到实体的概率空间上。</a:t>
                 </a:r>
                 <a:endParaRPr lang="en-US" altLang="zh-CN" sz="2000" dirty="0" smtClean="0">
                   <a:latin typeface="Cambria Math" panose="02040503050406030204" pitchFamily="18" charset="0"/>
@@ -8436,7 +9094,7 @@
             </p:txBody>
           </p:sp>
         </mc:Choice>
-        <mc:Fallback>
+        <mc:Fallback xmlns="">
           <p:sp>
             <p:nvSpPr>
               <p:cNvPr id="3" name="内容占位符 2"/>
@@ -8494,7 +9152,7 @@
 </p:sld>
 </file>
 
-<file path=ppt/slides/slide13.xml><?xml version="1.0" encoding="utf-8"?>
+<file path=ppt/slides/slide15.xml><?xml version="1.0" encoding="utf-8"?>
 <p:sld xmlns:a="http://schemas.openxmlformats.org/drawingml/2006/main" xmlns:r="http://schemas.openxmlformats.org/officeDocument/2006/relationships" xmlns:p="http://schemas.openxmlformats.org/presentationml/2006/main">
   <p:cSld>
     <p:spTree>
@@ -8808,7 +9466,7 @@
 </p:sld>
 </file>
 
-<file path=ppt/slides/slide14.xml><?xml version="1.0" encoding="utf-8"?>
+<file path=ppt/slides/slide16.xml><?xml version="1.0" encoding="utf-8"?>
 <p:sld xmlns:a="http://schemas.openxmlformats.org/drawingml/2006/main" xmlns:r="http://schemas.openxmlformats.org/officeDocument/2006/relationships" xmlns:p="http://schemas.openxmlformats.org/presentationml/2006/main">
   <p:cSld>
     <p:spTree>
@@ -9012,7 +9670,7 @@
 </p:sld>
 </file>
 
-<file path=ppt/slides/slide15.xml><?xml version="1.0" encoding="utf-8"?>
+<file path=ppt/slides/slide17.xml><?xml version="1.0" encoding="utf-8"?>
 <p:sld xmlns:a="http://schemas.openxmlformats.org/drawingml/2006/main" xmlns:r="http://schemas.openxmlformats.org/officeDocument/2006/relationships" xmlns:p="http://schemas.openxmlformats.org/presentationml/2006/main">
   <p:cSld>
     <p:spTree>
@@ -9109,7 +9767,7 @@
               <a:buNone/>
             </a:pPr>
             <a:r>
-              <a:rPr lang="en-US" altLang="zh-CN" sz="2000" dirty="0" smtClean="0">
+              <a:rPr lang="en-US" altLang="zh-CN" sz="1800" dirty="0" smtClean="0">
                 <a:latin typeface="Cambria Math" panose="02040503050406030204" pitchFamily="18" charset="0"/>
                 <a:ea typeface="Cambria Math" panose="02040503050406030204" pitchFamily="18" charset="0"/>
               </a:rPr>
@@ -9124,69 +9782,69 @@
               <a:buNone/>
             </a:pPr>
             <a:r>
-              <a:rPr lang="en-US" altLang="zh-CN" sz="2000" dirty="0" smtClean="0">
+              <a:rPr lang="en-US" altLang="zh-CN" sz="1800" dirty="0" smtClean="0">
                 <a:latin typeface="Cambria Math" panose="02040503050406030204" pitchFamily="18" charset="0"/>
                 <a:ea typeface="Cambria Math" panose="02040503050406030204" pitchFamily="18" charset="0"/>
               </a:rPr>
               <a:t>1</a:t>
             </a:r>
             <a:r>
-              <a:rPr lang="zh-CN" altLang="en-US" sz="2000" dirty="0" smtClean="0">
+              <a:rPr lang="zh-CN" altLang="en-US" sz="1800" dirty="0" smtClean="0">
                 <a:latin typeface="Cambria Math" panose="02040503050406030204" pitchFamily="18" charset="0"/>
                 <a:ea typeface="Cambria Math" panose="02040503050406030204" pitchFamily="18" charset="0"/>
               </a:rPr>
               <a:t>：首先计算量方面，</a:t>
             </a:r>
             <a:r>
-              <a:rPr lang="en-US" altLang="zh-CN" sz="2000" dirty="0">
+              <a:rPr lang="en-US" altLang="zh-CN" sz="1800" dirty="0">
                 <a:latin typeface="Cambria Math" panose="02040503050406030204" pitchFamily="18" charset="0"/>
                 <a:ea typeface="Cambria Math" panose="02040503050406030204" pitchFamily="18" charset="0"/>
               </a:rPr>
               <a:t> Impatient  </a:t>
             </a:r>
             <a:r>
-              <a:rPr lang="en-US" altLang="zh-CN" sz="2000" dirty="0" smtClean="0">
+              <a:rPr lang="en-US" altLang="zh-CN" sz="1800" dirty="0" smtClean="0">
                 <a:latin typeface="Cambria Math" panose="02040503050406030204" pitchFamily="18" charset="0"/>
                 <a:ea typeface="Cambria Math" panose="02040503050406030204" pitchFamily="18" charset="0"/>
               </a:rPr>
               <a:t>Reader</a:t>
             </a:r>
             <a:r>
-              <a:rPr lang="zh-CN" altLang="en-US" sz="2000" dirty="0" smtClean="0">
+              <a:rPr lang="zh-CN" altLang="en-US" sz="1800" dirty="0" smtClean="0">
                 <a:latin typeface="Cambria Math" panose="02040503050406030204" pitchFamily="18" charset="0"/>
                 <a:ea typeface="Cambria Math" panose="02040503050406030204" pitchFamily="18" charset="0"/>
               </a:rPr>
               <a:t>需要在每个字上</a:t>
             </a:r>
             <a:r>
-              <a:rPr lang="en-US" altLang="zh-CN" sz="2000" dirty="0" smtClean="0">
+              <a:rPr lang="en-US" altLang="zh-CN" sz="1800" dirty="0" smtClean="0">
                 <a:latin typeface="Cambria Math" panose="02040503050406030204" pitchFamily="18" charset="0"/>
                 <a:ea typeface="Cambria Math" panose="02040503050406030204" pitchFamily="18" charset="0"/>
               </a:rPr>
               <a:t>attention</a:t>
             </a:r>
             <a:r>
-              <a:rPr lang="zh-CN" altLang="en-US" sz="2000" dirty="0" smtClean="0">
+              <a:rPr lang="zh-CN" altLang="en-US" sz="1800" dirty="0" smtClean="0">
                 <a:latin typeface="Cambria Math" panose="02040503050406030204" pitchFamily="18" charset="0"/>
                 <a:ea typeface="Cambria Math" panose="02040503050406030204" pitchFamily="18" charset="0"/>
               </a:rPr>
               <a:t>，同时需要一个</a:t>
             </a:r>
             <a:r>
-              <a:rPr lang="en-US" altLang="zh-CN" sz="2000" dirty="0" smtClean="0">
+              <a:rPr lang="en-US" altLang="zh-CN" sz="1800" dirty="0" smtClean="0">
                 <a:latin typeface="Cambria Math" panose="02040503050406030204" pitchFamily="18" charset="0"/>
                 <a:ea typeface="Cambria Math" panose="02040503050406030204" pitchFamily="18" charset="0"/>
               </a:rPr>
               <a:t>RNN</a:t>
             </a:r>
             <a:r>
-              <a:rPr lang="zh-CN" altLang="en-US" sz="2000" dirty="0" smtClean="0">
+              <a:rPr lang="zh-CN" altLang="en-US" sz="1800" dirty="0" smtClean="0">
                 <a:latin typeface="Cambria Math" panose="02040503050406030204" pitchFamily="18" charset="0"/>
                 <a:ea typeface="Cambria Math" panose="02040503050406030204" pitchFamily="18" charset="0"/>
               </a:rPr>
               <a:t>来编码在每个字上的信息，所以计算量上大幅度增加</a:t>
             </a:r>
-            <a:endParaRPr lang="en-US" altLang="zh-CN" sz="2000" dirty="0" smtClean="0">
+            <a:endParaRPr lang="en-US" altLang="zh-CN" sz="1800" dirty="0" smtClean="0">
               <a:latin typeface="Cambria Math" panose="02040503050406030204" pitchFamily="18" charset="0"/>
               <a:ea typeface="Cambria Math" panose="02040503050406030204" pitchFamily="18" charset="0"/>
             </a:endParaRPr>
@@ -9199,62 +9857,62 @@
               <a:buNone/>
             </a:pPr>
             <a:r>
-              <a:rPr lang="en-US" altLang="zh-CN" sz="2000" dirty="0" smtClean="0">
+              <a:rPr lang="en-US" altLang="zh-CN" sz="1800" dirty="0" smtClean="0">
                 <a:latin typeface="Cambria Math" panose="02040503050406030204" pitchFamily="18" charset="0"/>
                 <a:ea typeface="Cambria Math" panose="02040503050406030204" pitchFamily="18" charset="0"/>
               </a:rPr>
               <a:t>2</a:t>
             </a:r>
             <a:r>
-              <a:rPr lang="zh-CN" altLang="en-US" sz="2000" dirty="0" smtClean="0">
+              <a:rPr lang="zh-CN" altLang="en-US" sz="1800" dirty="0" smtClean="0">
                 <a:latin typeface="Cambria Math" panose="02040503050406030204" pitchFamily="18" charset="0"/>
                 <a:ea typeface="Cambria Math" panose="02040503050406030204" pitchFamily="18" charset="0"/>
               </a:rPr>
               <a:t>：实际效果方面（</a:t>
             </a:r>
             <a:r>
-              <a:rPr lang="en-US" altLang="zh-CN" sz="2000" dirty="0" smtClean="0">
+              <a:rPr lang="en-US" altLang="zh-CN" sz="1800" dirty="0" smtClean="0">
                 <a:latin typeface="Cambria Math" panose="02040503050406030204" pitchFamily="18" charset="0"/>
                 <a:ea typeface="Cambria Math" panose="02040503050406030204" pitchFamily="18" charset="0"/>
               </a:rPr>
               <a:t>CNN/daily mail</a:t>
             </a:r>
             <a:r>
-              <a:rPr lang="zh-CN" altLang="en-US" sz="2000" dirty="0" smtClean="0">
+              <a:rPr lang="zh-CN" altLang="en-US" sz="1800" dirty="0" smtClean="0">
                 <a:latin typeface="Cambria Math" panose="02040503050406030204" pitchFamily="18" charset="0"/>
                 <a:ea typeface="Cambria Math" panose="02040503050406030204" pitchFamily="18" charset="0"/>
               </a:rPr>
               <a:t>），</a:t>
             </a:r>
             <a:r>
-              <a:rPr lang="en-US" altLang="zh-CN" sz="2000" dirty="0" smtClean="0">
+              <a:rPr lang="en-US" altLang="zh-CN" sz="1800" dirty="0" smtClean="0">
                 <a:latin typeface="Cambria Math" panose="02040503050406030204" pitchFamily="18" charset="0"/>
                 <a:ea typeface="Cambria Math" panose="02040503050406030204" pitchFamily="18" charset="0"/>
               </a:rPr>
               <a:t>Attentive Reader</a:t>
             </a:r>
             <a:r>
-              <a:rPr lang="zh-CN" altLang="en-US" sz="2000" dirty="0" smtClean="0">
+              <a:rPr lang="zh-CN" altLang="en-US" sz="1800" dirty="0" smtClean="0">
                 <a:latin typeface="Cambria Math" panose="02040503050406030204" pitchFamily="18" charset="0"/>
                 <a:ea typeface="Cambria Math" panose="02040503050406030204" pitchFamily="18" charset="0"/>
               </a:rPr>
               <a:t>跟</a:t>
             </a:r>
             <a:r>
-              <a:rPr lang="en-US" altLang="zh-CN" sz="2000" dirty="0" smtClean="0">
+              <a:rPr lang="en-US" altLang="zh-CN" sz="1800" dirty="0" smtClean="0">
                 <a:latin typeface="Cambria Math" panose="02040503050406030204" pitchFamily="18" charset="0"/>
                 <a:ea typeface="Cambria Math" panose="02040503050406030204" pitchFamily="18" charset="0"/>
               </a:rPr>
               <a:t>Impatient Reader</a:t>
             </a:r>
             <a:r>
-              <a:rPr lang="zh-CN" altLang="en-US" sz="2000" dirty="0" smtClean="0">
+              <a:rPr lang="zh-CN" altLang="en-US" sz="1800" dirty="0" smtClean="0">
                 <a:latin typeface="Cambria Math" panose="02040503050406030204" pitchFamily="18" charset="0"/>
                 <a:ea typeface="Cambria Math" panose="02040503050406030204" pitchFamily="18" charset="0"/>
               </a:rPr>
               <a:t>效果基本一致。</a:t>
             </a:r>
-            <a:endParaRPr lang="en-US" altLang="zh-CN" sz="2000" dirty="0" smtClean="0">
+            <a:endParaRPr lang="en-US" altLang="zh-CN" sz="1800" dirty="0" smtClean="0">
               <a:latin typeface="Cambria Math" panose="02040503050406030204" pitchFamily="18" charset="0"/>
               <a:ea typeface="Cambria Math" panose="02040503050406030204" pitchFamily="18" charset="0"/>
             </a:endParaRPr>
@@ -9266,7 +9924,7 @@
               </a:lnSpc>
               <a:buNone/>
             </a:pPr>
-            <a:endParaRPr lang="en-US" altLang="zh-CN" sz="2000" dirty="0">
+            <a:endParaRPr lang="en-US" altLang="zh-CN" sz="1800" dirty="0">
               <a:latin typeface="Cambria Math" panose="02040503050406030204" pitchFamily="18" charset="0"/>
               <a:ea typeface="Cambria Math" panose="02040503050406030204" pitchFamily="18" charset="0"/>
             </a:endParaRPr>
@@ -9279,97 +9937,97 @@
               <a:buNone/>
             </a:pPr>
             <a:r>
-              <a:rPr lang="zh-CN" altLang="en-US" sz="2000" dirty="0" smtClean="0">
-                <a:latin typeface="Cambria Math" panose="02040503050406030204" pitchFamily="18" charset="0"/>
-                <a:ea typeface="Cambria Math" panose="02040503050406030204" pitchFamily="18" charset="0"/>
-              </a:rPr>
-              <a:t>讨论：大部分时候问题的句子是相对较短的，（</a:t>
-            </a:r>
-            <a:r>
-              <a:rPr lang="en-US" altLang="zh-CN" sz="2000" dirty="0" smtClean="0">
-                <a:latin typeface="Cambria Math" panose="02040503050406030204" pitchFamily="18" charset="0"/>
-                <a:ea typeface="Cambria Math" panose="02040503050406030204" pitchFamily="18" charset="0"/>
-              </a:rPr>
-              <a:t>&lt;100</a:t>
-            </a:r>
-            <a:r>
-              <a:rPr lang="zh-CN" altLang="en-US" sz="2000" dirty="0" smtClean="0">
+              <a:rPr lang="zh-CN" altLang="en-US" sz="1800" dirty="0" smtClean="0">
+                <a:latin typeface="Cambria Math" panose="02040503050406030204" pitchFamily="18" charset="0"/>
+                <a:ea typeface="Cambria Math" panose="02040503050406030204" pitchFamily="18" charset="0"/>
+              </a:rPr>
+              <a:t>讨论：大部分时候问题的句子是相对较短的，（大部分</a:t>
+            </a:r>
+            <a:r>
+              <a:rPr lang="en-US" altLang="zh-CN" sz="1800" dirty="0" smtClean="0">
+                <a:latin typeface="Cambria Math" panose="02040503050406030204" pitchFamily="18" charset="0"/>
+                <a:ea typeface="Cambria Math" panose="02040503050406030204" pitchFamily="18" charset="0"/>
+              </a:rPr>
+              <a:t>&lt;50</a:t>
+            </a:r>
+            <a:r>
+              <a:rPr lang="zh-CN" altLang="en-US" sz="1800" dirty="0" smtClean="0">
                 <a:latin typeface="Cambria Math" panose="02040503050406030204" pitchFamily="18" charset="0"/>
                 <a:ea typeface="Cambria Math" panose="02040503050406030204" pitchFamily="18" charset="0"/>
               </a:rPr>
               <a:t>个单词）通过选取合适的隐含节点数，</a:t>
             </a:r>
             <a:r>
-              <a:rPr lang="en-US" altLang="zh-CN" sz="2000" dirty="0" smtClean="0">
+              <a:rPr lang="en-US" altLang="zh-CN" sz="1800" dirty="0" smtClean="0">
                 <a:latin typeface="Cambria Math" panose="02040503050406030204" pitchFamily="18" charset="0"/>
                 <a:ea typeface="Cambria Math" panose="02040503050406030204" pitchFamily="18" charset="0"/>
               </a:rPr>
               <a:t>LSTM</a:t>
             </a:r>
             <a:r>
-              <a:rPr lang="zh-CN" altLang="en-US" sz="2000" dirty="0" smtClean="0">
-                <a:latin typeface="Cambria Math" panose="02040503050406030204" pitchFamily="18" charset="0"/>
-                <a:ea typeface="Cambria Math" panose="02040503050406030204" pitchFamily="18" charset="0"/>
-              </a:rPr>
-              <a:t>完全是有可能将问题的信息编码到一个固定向量的，所以</a:t>
-            </a:r>
-            <a:r>
-              <a:rPr lang="en-US" altLang="zh-CN" sz="2000" dirty="0" smtClean="0">
+              <a:rPr lang="zh-CN" altLang="en-US" sz="1800" dirty="0" smtClean="0">
+                <a:latin typeface="Cambria Math" panose="02040503050406030204" pitchFamily="18" charset="0"/>
+                <a:ea typeface="Cambria Math" panose="02040503050406030204" pitchFamily="18" charset="0"/>
+              </a:rPr>
+              <a:t>完全是有可能将问题的信息编码到一个固定长度向量的，所以</a:t>
+            </a:r>
+            <a:r>
+              <a:rPr lang="en-US" altLang="zh-CN" sz="1800" dirty="0" smtClean="0">
                 <a:latin typeface="Cambria Math" panose="02040503050406030204" pitchFamily="18" charset="0"/>
                 <a:ea typeface="Cambria Math" panose="02040503050406030204" pitchFamily="18" charset="0"/>
               </a:rPr>
               <a:t>Attentive Reader</a:t>
             </a:r>
             <a:r>
-              <a:rPr lang="zh-CN" altLang="en-US" sz="2000" dirty="0" smtClean="0">
+              <a:rPr lang="zh-CN" altLang="en-US" sz="1800" dirty="0" smtClean="0">
                 <a:latin typeface="Cambria Math" panose="02040503050406030204" pitchFamily="18" charset="0"/>
                 <a:ea typeface="Cambria Math" panose="02040503050406030204" pitchFamily="18" charset="0"/>
               </a:rPr>
               <a:t>模型的能力是可以得到保证的。就当前的阅读理解问题来说，个人认为</a:t>
             </a:r>
             <a:r>
-              <a:rPr lang="en-US" altLang="zh-CN" sz="2000" dirty="0" smtClean="0">
+              <a:rPr lang="en-US" altLang="zh-CN" sz="1800" dirty="0" smtClean="0">
                 <a:latin typeface="Cambria Math" panose="02040503050406030204" pitchFamily="18" charset="0"/>
                 <a:ea typeface="Cambria Math" panose="02040503050406030204" pitchFamily="18" charset="0"/>
               </a:rPr>
               <a:t>Attentive Reader</a:t>
             </a:r>
             <a:r>
-              <a:rPr lang="zh-CN" altLang="en-US" sz="2000" dirty="0" smtClean="0">
+              <a:rPr lang="zh-CN" altLang="en-US" sz="1800" dirty="0" smtClean="0">
                 <a:latin typeface="Cambria Math" panose="02040503050406030204" pitchFamily="18" charset="0"/>
                 <a:ea typeface="Cambria Math" panose="02040503050406030204" pitchFamily="18" charset="0"/>
               </a:rPr>
               <a:t>要优异</a:t>
             </a:r>
             <a:r>
-              <a:rPr lang="zh-CN" altLang="en-US" sz="2000" dirty="0">
+              <a:rPr lang="zh-CN" altLang="en-US" sz="1800" dirty="0">
                 <a:latin typeface="Cambria Math" panose="02040503050406030204" pitchFamily="18" charset="0"/>
                 <a:ea typeface="Cambria Math" panose="02040503050406030204" pitchFamily="18" charset="0"/>
               </a:rPr>
               <a:t>点。但是</a:t>
             </a:r>
             <a:r>
-              <a:rPr lang="en-US" altLang="zh-CN" sz="2000" dirty="0">
+              <a:rPr lang="en-US" altLang="zh-CN" sz="1800" dirty="0">
                 <a:latin typeface="Cambria Math" panose="02040503050406030204" pitchFamily="18" charset="0"/>
                 <a:ea typeface="Cambria Math" panose="02040503050406030204" pitchFamily="18" charset="0"/>
               </a:rPr>
               <a:t>Impatient Reader</a:t>
             </a:r>
             <a:r>
-              <a:rPr lang="zh-CN" altLang="en-US" sz="2000" dirty="0">
+              <a:rPr lang="zh-CN" altLang="en-US" sz="1800" dirty="0">
                 <a:latin typeface="Cambria Math" panose="02040503050406030204" pitchFamily="18" charset="0"/>
                 <a:ea typeface="Cambria Math" panose="02040503050406030204" pitchFamily="18" charset="0"/>
               </a:rPr>
               <a:t>模型体现</a:t>
             </a:r>
             <a:r>
-              <a:rPr lang="zh-CN" altLang="en-US" sz="2000" dirty="0" smtClean="0">
+              <a:rPr lang="zh-CN" altLang="en-US" sz="1800" dirty="0" smtClean="0">
                 <a:latin typeface="Cambria Math" panose="02040503050406030204" pitchFamily="18" charset="0"/>
                 <a:ea typeface="Cambria Math" panose="02040503050406030204" pitchFamily="18" charset="0"/>
               </a:rPr>
               <a:t>了对信息流合理控制。</a:t>
             </a:r>
-            <a:endParaRPr lang="en-US" altLang="zh-CN" sz="2000" dirty="0" smtClean="0">
+            <a:endParaRPr lang="en-US" altLang="zh-CN" sz="1800" dirty="0" smtClean="0">
               <a:latin typeface="Cambria Math" panose="02040503050406030204" pitchFamily="18" charset="0"/>
               <a:ea typeface="Cambria Math" panose="02040503050406030204" pitchFamily="18" charset="0"/>
             </a:endParaRPr>
@@ -9396,7 +10054,7 @@
 </p:sld>
 </file>
 
-<file path=ppt/slides/slide16.xml><?xml version="1.0" encoding="utf-8"?>
+<file path=ppt/slides/slide18.xml><?xml version="1.0" encoding="utf-8"?>
 <p:sld xmlns:a="http://schemas.openxmlformats.org/drawingml/2006/main" xmlns:r="http://schemas.openxmlformats.org/officeDocument/2006/relationships" xmlns:p="http://schemas.openxmlformats.org/presentationml/2006/main">
   <p:cSld>
     <p:spTree>
@@ -9485,14 +10143,14 @@
               <a:buNone/>
             </a:pPr>
             <a:r>
-              <a:rPr lang="zh-CN" altLang="en-US" sz="2000" dirty="0" smtClean="0">
+              <a:rPr lang="zh-CN" altLang="en-US" sz="1800" dirty="0" smtClean="0">
                 <a:latin typeface="Cambria Math" panose="02040503050406030204" pitchFamily="18" charset="0"/>
                 <a:ea typeface="Cambria Math" panose="02040503050406030204" pitchFamily="18" charset="0"/>
               </a:rPr>
               <a:t>基本思路：</a:t>
             </a:r>
             <a:r>
-              <a:rPr lang="zh-CN" altLang="en-US" sz="2000" dirty="0">
+              <a:rPr lang="zh-CN" altLang="en-US" sz="1800" dirty="0">
                 <a:solidFill>
                   <a:srgbClr val="7030A0"/>
                 </a:solidFill>
@@ -9502,7 +10160,7 @@
               <a:t>开始时候，人对于题目和文章一无所知。然后人开始读文章和题目，读完后有了一些新的感悟，发现这部分感悟还不够回答问题，所以又读了一遍文章和题目，又获得一些新的感悟</a:t>
             </a:r>
             <a:r>
-              <a:rPr lang="zh-CN" altLang="en-US" sz="2000" dirty="0" smtClean="0">
+              <a:rPr lang="zh-CN" altLang="en-US" sz="1800" dirty="0" smtClean="0">
                 <a:solidFill>
                   <a:srgbClr val="7030A0"/>
                 </a:solidFill>
@@ -9512,7 +10170,7 @@
               <a:t>，通过这样的迭代每一次感悟，</a:t>
             </a:r>
             <a:r>
-              <a:rPr lang="zh-CN" altLang="en-US" sz="2000" dirty="0">
+              <a:rPr lang="zh-CN" altLang="en-US" sz="1800" dirty="0">
                 <a:solidFill>
                   <a:srgbClr val="7030A0"/>
                 </a:solidFill>
@@ -9522,7 +10180,7 @@
               <a:t>然后累积</a:t>
             </a:r>
             <a:r>
-              <a:rPr lang="zh-CN" altLang="en-US" sz="2000" dirty="0" smtClean="0">
+              <a:rPr lang="zh-CN" altLang="en-US" sz="1800" dirty="0" smtClean="0">
                 <a:solidFill>
                   <a:srgbClr val="7030A0"/>
                 </a:solidFill>
@@ -9532,7 +10190,7 @@
               <a:t>每次的</a:t>
             </a:r>
             <a:r>
-              <a:rPr lang="zh-CN" altLang="en-US" sz="2000" dirty="0">
+              <a:rPr lang="zh-CN" altLang="en-US" sz="1800" dirty="0">
                 <a:solidFill>
                   <a:srgbClr val="7030A0"/>
                 </a:solidFill>
@@ -9542,7 +10200,7 @@
               <a:t>感悟</a:t>
             </a:r>
             <a:r>
-              <a:rPr lang="zh-CN" altLang="en-US" sz="2000" dirty="0" smtClean="0">
+              <a:rPr lang="zh-CN" altLang="en-US" sz="1800" dirty="0" smtClean="0">
                 <a:solidFill>
                   <a:srgbClr val="7030A0"/>
                 </a:solidFill>
@@ -9551,7 +10209,7 @@
               </a:rPr>
               <a:t>信息。</a:t>
             </a:r>
-            <a:endParaRPr lang="en-US" altLang="zh-CN" sz="2000" dirty="0" smtClean="0">
+            <a:endParaRPr lang="en-US" altLang="zh-CN" sz="1800" dirty="0" smtClean="0">
               <a:solidFill>
                 <a:srgbClr val="7030A0"/>
               </a:solidFill>
@@ -9577,7 +10235,7 @@
         </p:blipFill>
         <p:spPr>
           <a:xfrm>
-            <a:off x="1592131" y="2840054"/>
+            <a:off x="1496881" y="2716229"/>
             <a:ext cx="6609398" cy="3315394"/>
           </a:xfrm>
           <a:prstGeom prst="rect">
@@ -9605,7 +10263,7 @@
 </p:sld>
 </file>
 
-<file path=ppt/slides/slide17.xml><?xml version="1.0" encoding="utf-8"?>
+<file path=ppt/slides/slide19.xml><?xml version="1.0" encoding="utf-8"?>
 <p:sld xmlns:a="http://schemas.openxmlformats.org/drawingml/2006/main" xmlns:r="http://schemas.openxmlformats.org/officeDocument/2006/relationships" xmlns:p="http://schemas.openxmlformats.org/presentationml/2006/main">
   <p:cSld>
     <p:spTree>
@@ -9708,27 +10366,27 @@
                   <a:buNone/>
                 </a:pPr>
                 <a:r>
-                  <a:rPr lang="zh-CN" altLang="en-US" sz="2000" dirty="0" smtClean="0">
+                  <a:rPr lang="zh-CN" altLang="en-US" sz="1800" dirty="0" smtClean="0">
                     <a:latin typeface="Cambria Math" panose="02040503050406030204" pitchFamily="18" charset="0"/>
                     <a:ea typeface="Cambria Math" panose="02040503050406030204" pitchFamily="18" charset="0"/>
                   </a:rPr>
                   <a:t>问题</a:t>
                 </a:r>
                 <a:r>
-                  <a:rPr lang="en-US" altLang="zh-CN" sz="2000" dirty="0" smtClean="0">
+                  <a:rPr lang="en-US" altLang="zh-CN" sz="1800" dirty="0" smtClean="0">
                     <a:latin typeface="Cambria Math" panose="02040503050406030204" pitchFamily="18" charset="0"/>
                     <a:ea typeface="Cambria Math" panose="02040503050406030204" pitchFamily="18" charset="0"/>
                   </a:rPr>
                   <a:t>attention</a:t>
                 </a:r>
                 <a:r>
-                  <a:rPr lang="zh-CN" altLang="en-US" sz="2000" dirty="0" smtClean="0">
+                  <a:rPr lang="zh-CN" altLang="en-US" sz="1800" dirty="0" smtClean="0">
                     <a:latin typeface="Cambria Math" panose="02040503050406030204" pitchFamily="18" charset="0"/>
                     <a:ea typeface="Cambria Math" panose="02040503050406030204" pitchFamily="18" charset="0"/>
                   </a:rPr>
                   <a:t>：</a:t>
                 </a:r>
-                <a:endParaRPr lang="en-US" altLang="zh-CN" sz="2000" i="1" dirty="0" smtClean="0">
+                <a:endParaRPr lang="en-US" altLang="zh-CN" sz="1800" i="1" dirty="0" smtClean="0">
                   <a:latin typeface="Cambria Math" panose="02040503050406030204" pitchFamily="18" charset="0"/>
                   <a:ea typeface="Cambria Math" panose="02040503050406030204" pitchFamily="18" charset="0"/>
                 </a:endParaRPr>
@@ -9749,7 +10407,7 @@
                       <m:sSub>
                         <m:sSubPr>
                           <m:ctrlPr>
-                            <a:rPr lang="en-US" altLang="zh-CN" sz="2000" i="1" smtClean="0">
+                            <a:rPr lang="en-US" altLang="zh-CN" sz="1800" i="1" smtClean="0">
                               <a:latin typeface="Cambria Math" panose="02040503050406030204" pitchFamily="18" charset="0"/>
                               <a:ea typeface="Cambria Math" panose="02040503050406030204" pitchFamily="18" charset="0"/>
                             </a:rPr>
@@ -9757,7 +10415,7 @@
                         </m:sSubPr>
                         <m:e>
                           <m:r>
-                            <a:rPr lang="en-US" altLang="zh-CN" sz="2000" b="0" i="1" smtClean="0">
+                            <a:rPr lang="en-US" altLang="zh-CN" sz="1800" b="0" i="1" smtClean="0">
                               <a:latin typeface="Cambria Math" panose="02040503050406030204" pitchFamily="18" charset="0"/>
                               <a:ea typeface="Cambria Math" panose="02040503050406030204" pitchFamily="18" charset="0"/>
                             </a:rPr>
@@ -9766,7 +10424,7 @@
                         </m:e>
                         <m:sub>
                           <m:r>
-                            <a:rPr lang="en-US" altLang="zh-CN" sz="2000" b="0" i="1" smtClean="0">
+                            <a:rPr lang="en-US" altLang="zh-CN" sz="1800" b="0" i="1" smtClean="0">
                               <a:latin typeface="Cambria Math" panose="02040503050406030204" pitchFamily="18" charset="0"/>
                               <a:ea typeface="Cambria Math" panose="02040503050406030204" pitchFamily="18" charset="0"/>
                             </a:rPr>
@@ -9775,14 +10433,14 @@
                         </m:sub>
                       </m:sSub>
                       <m:r>
-                        <a:rPr lang="en-US" altLang="zh-CN" sz="2000" b="0" i="1" smtClean="0">
+                        <a:rPr lang="en-US" altLang="zh-CN" sz="1800" b="0" i="1" smtClean="0">
                           <a:latin typeface="Cambria Math" panose="02040503050406030204" pitchFamily="18" charset="0"/>
                           <a:ea typeface="Cambria Math" panose="02040503050406030204" pitchFamily="18" charset="0"/>
                         </a:rPr>
                         <m:t>=</m:t>
                       </m:r>
                       <m:r>
-                        <a:rPr lang="en-US" altLang="zh-CN" sz="2000" i="1">
+                        <a:rPr lang="en-US" altLang="zh-CN" sz="1800" i="1">
                           <a:latin typeface="Cambria Math" panose="02040503050406030204" pitchFamily="18" charset="0"/>
                           <a:ea typeface="Cambria Math" panose="02040503050406030204" pitchFamily="18" charset="0"/>
                         </a:rPr>
@@ -9791,7 +10449,7 @@
                       <m:sSub>
                         <m:sSubPr>
                           <m:ctrlPr>
-                            <a:rPr lang="en-US" altLang="zh-CN" sz="2000" i="1" smtClean="0">
+                            <a:rPr lang="en-US" altLang="zh-CN" sz="1800" i="1" smtClean="0">
                               <a:latin typeface="Cambria Math" panose="02040503050406030204" pitchFamily="18" charset="0"/>
                               <a:ea typeface="Cambria Math" panose="02040503050406030204" pitchFamily="18" charset="0"/>
                             </a:rPr>
@@ -9799,7 +10457,7 @@
                         </m:sSubPr>
                         <m:e>
                           <m:r>
-                            <a:rPr lang="en-US" altLang="zh-CN" sz="2000" b="0" i="1" smtClean="0">
+                            <a:rPr lang="en-US" altLang="zh-CN" sz="1800" b="0" i="1" smtClean="0">
                               <a:latin typeface="Cambria Math" panose="02040503050406030204" pitchFamily="18" charset="0"/>
                               <a:ea typeface="Cambria Math" panose="02040503050406030204" pitchFamily="18" charset="0"/>
                             </a:rPr>
@@ -9808,7 +10466,7 @@
                         </m:e>
                         <m:sub>
                           <m:r>
-                            <a:rPr lang="en-US" altLang="zh-CN" sz="2000" b="0" i="1" smtClean="0">
+                            <a:rPr lang="en-US" altLang="zh-CN" sz="1800" b="0" i="1" smtClean="0">
                               <a:latin typeface="Cambria Math" panose="02040503050406030204" pitchFamily="18" charset="0"/>
                               <a:ea typeface="Cambria Math" panose="02040503050406030204" pitchFamily="18" charset="0"/>
                             </a:rPr>
@@ -9817,7 +10475,7 @@
                         </m:sub>
                       </m:sSub>
                       <m:r>
-                        <a:rPr lang="en-US" altLang="zh-CN" sz="2000" b="0" i="1" smtClean="0">
+                        <a:rPr lang="en-US" altLang="zh-CN" sz="1800" b="0" i="1" smtClean="0">
                           <a:latin typeface="Cambria Math" panose="02040503050406030204" pitchFamily="18" charset="0"/>
                           <a:ea typeface="Cambria Math" panose="02040503050406030204" pitchFamily="18" charset="0"/>
                         </a:rPr>
@@ -9826,7 +10484,7 @@
                       <m:sSubSup>
                         <m:sSubSupPr>
                           <m:ctrlPr>
-                            <a:rPr lang="en-US" altLang="zh-CN" sz="2000" i="1" smtClean="0">
+                            <a:rPr lang="en-US" altLang="zh-CN" sz="1800" i="1" smtClean="0">
                               <a:latin typeface="Cambria Math" panose="02040503050406030204" pitchFamily="18" charset="0"/>
                               <a:ea typeface="Cambria Math" panose="02040503050406030204" pitchFamily="18" charset="0"/>
                             </a:rPr>
@@ -9834,7 +10492,7 @@
                         </m:sSubSupPr>
                         <m:e>
                           <m:r>
-                            <a:rPr lang="en-US" altLang="zh-CN" sz="2000" b="0" i="1" smtClean="0">
+                            <a:rPr lang="en-US" altLang="zh-CN" sz="1800" b="0" i="1" smtClean="0">
                               <a:latin typeface="Cambria Math" panose="02040503050406030204" pitchFamily="18" charset="0"/>
                               <a:ea typeface="Cambria Math" panose="02040503050406030204" pitchFamily="18" charset="0"/>
                             </a:rPr>
@@ -9843,7 +10501,7 @@
                         </m:e>
                         <m:sub>
                           <m:r>
-                            <a:rPr lang="en-US" altLang="zh-CN" sz="2000" b="0" i="1" smtClean="0">
+                            <a:rPr lang="en-US" altLang="zh-CN" sz="1800" b="0" i="1" smtClean="0">
                               <a:latin typeface="Cambria Math" panose="02040503050406030204" pitchFamily="18" charset="0"/>
                               <a:ea typeface="Cambria Math" panose="02040503050406030204" pitchFamily="18" charset="0"/>
                             </a:rPr>
@@ -9852,7 +10510,7 @@
                         </m:sub>
                         <m:sup>
                           <m:r>
-                            <a:rPr lang="en-US" altLang="zh-CN" sz="2000" b="0" i="1" smtClean="0">
+                            <a:rPr lang="en-US" altLang="zh-CN" sz="1800" b="0" i="1" smtClean="0">
                               <a:latin typeface="Cambria Math" panose="02040503050406030204" pitchFamily="18" charset="0"/>
                               <a:ea typeface="Cambria Math" panose="02040503050406030204" pitchFamily="18" charset="0"/>
                             </a:rPr>
@@ -9863,7 +10521,7 @@
                       <m:d>
                         <m:dPr>
                           <m:ctrlPr>
-                            <a:rPr lang="en-US" altLang="zh-CN" sz="2000" b="0" i="1" smtClean="0">
+                            <a:rPr lang="en-US" altLang="zh-CN" sz="1800" b="0" i="1" smtClean="0">
                               <a:latin typeface="Cambria Math" panose="02040503050406030204" pitchFamily="18" charset="0"/>
                               <a:ea typeface="Cambria Math" panose="02040503050406030204" pitchFamily="18" charset="0"/>
                             </a:rPr>
@@ -9871,7 +10529,7 @@
                         </m:dPr>
                         <m:e>
                           <m:r>
-                            <a:rPr lang="en-US" altLang="zh-CN" sz="2000" b="0" i="1" smtClean="0">
+                            <a:rPr lang="en-US" altLang="zh-CN" sz="1800" b="0" i="1" smtClean="0">
                               <a:latin typeface="Cambria Math" panose="02040503050406030204" pitchFamily="18" charset="0"/>
                               <a:ea typeface="Cambria Math" panose="02040503050406030204" pitchFamily="18" charset="0"/>
                             </a:rPr>
@@ -9880,7 +10538,7 @@
                           <m:sSub>
                             <m:sSubPr>
                               <m:ctrlPr>
-                                <a:rPr lang="en-US" altLang="zh-CN" sz="2000" b="0" i="1" smtClean="0">
+                                <a:rPr lang="en-US" altLang="zh-CN" sz="1800" b="0" i="1" smtClean="0">
                                   <a:latin typeface="Cambria Math" panose="02040503050406030204" pitchFamily="18" charset="0"/>
                                   <a:ea typeface="Cambria Math" panose="02040503050406030204" pitchFamily="18" charset="0"/>
                                 </a:rPr>
@@ -9888,7 +10546,7 @@
                             </m:sSubPr>
                             <m:e>
                               <m:r>
-                                <a:rPr lang="en-US" altLang="zh-CN" sz="2000" b="0" i="1" smtClean="0">
+                                <a:rPr lang="en-US" altLang="zh-CN" sz="1800" b="0" i="1" smtClean="0">
                                   <a:latin typeface="Cambria Math" panose="02040503050406030204" pitchFamily="18" charset="0"/>
                                   <a:ea typeface="Cambria Math" panose="02040503050406030204" pitchFamily="18" charset="0"/>
                                 </a:rPr>
@@ -9897,30 +10555,30 @@
                             </m:e>
                             <m:sub>
                               <m:r>
-                                <a:rPr lang="en-US" altLang="zh-CN" sz="2000" i="1">
+                                <a:rPr lang="en-US" altLang="zh-CN" sz="1800" i="1">
                                   <a:latin typeface="Cambria Math" panose="02040503050406030204" pitchFamily="18" charset="0"/>
                                   <a:ea typeface="Cambria Math" panose="02040503050406030204" pitchFamily="18" charset="0"/>
                                 </a:rPr>
                                 <m:t>𝑡</m:t>
                               </m:r>
                               <m:r>
-                                <a:rPr lang="en-US" altLang="zh-CN" sz="2000" i="1">
+                                <a:rPr lang="en-US" altLang="zh-CN" sz="1800" i="1">
                                   <a:latin typeface="Cambria Math" panose="02040503050406030204" pitchFamily="18" charset="0"/>
                                   <a:ea typeface="Cambria Math" panose="02040503050406030204" pitchFamily="18" charset="0"/>
                                 </a:rPr>
-                                <m:t>-1</m:t>
+                                <m:t>−1</m:t>
                               </m:r>
                             </m:sub>
                           </m:sSub>
                           <m:r>
-                            <a:rPr lang="en-US" altLang="zh-CN" sz="2000" b="0" i="1" smtClean="0">
+                            <a:rPr lang="en-US" altLang="zh-CN" sz="1800" b="0" i="1" smtClean="0">
                               <a:latin typeface="Cambria Math" panose="02040503050406030204" pitchFamily="18" charset="0"/>
                               <a:ea typeface="Cambria Math" panose="02040503050406030204" pitchFamily="18" charset="0"/>
                             </a:rPr>
                             <m:t>+</m:t>
                           </m:r>
                           <m:r>
-                            <a:rPr lang="en-US" altLang="zh-CN" sz="2000" b="0" i="1" smtClean="0">
+                            <a:rPr lang="en-US" altLang="zh-CN" sz="1800" b="0" i="1" smtClean="0">
                               <a:latin typeface="Cambria Math" panose="02040503050406030204" pitchFamily="18" charset="0"/>
                               <a:ea typeface="Cambria Math" panose="02040503050406030204" pitchFamily="18" charset="0"/>
                             </a:rPr>
@@ -9929,7 +10587,7 @@
                         </m:e>
                       </m:d>
                       <m:r>
-                        <a:rPr lang="en-US" altLang="zh-CN" sz="2000" b="0" i="1" smtClean="0">
+                        <a:rPr lang="en-US" altLang="zh-CN" sz="1800" b="0" i="1" smtClean="0">
                           <a:latin typeface="Cambria Math" panose="02040503050406030204" pitchFamily="18" charset="0"/>
                           <a:ea typeface="Cambria Math" panose="02040503050406030204" pitchFamily="18" charset="0"/>
                         </a:rPr>
@@ -9938,7 +10596,7 @@
                     </m:oMath>
                   </m:oMathPara>
                 </a14:m>
-                <a:endParaRPr lang="en-US" altLang="zh-CN" sz="2000" i="1" dirty="0" smtClean="0">
+                <a:endParaRPr lang="en-US" altLang="zh-CN" sz="1800" i="1" dirty="0" smtClean="0">
                   <a:latin typeface="Cambria Math" panose="02040503050406030204" pitchFamily="18" charset="0"/>
                   <a:ea typeface="Cambria Math" panose="02040503050406030204" pitchFamily="18" charset="0"/>
                 </a:endParaRPr>
@@ -9957,7 +10615,7 @@
                     </m:oMathParaPr>
                     <m:oMath xmlns:m="http://schemas.openxmlformats.org/officeDocument/2006/math">
                       <m:r>
-                        <a:rPr lang="en-US" altLang="zh-CN" sz="2000" i="1" dirty="0">
+                        <a:rPr lang="en-US" altLang="zh-CN" sz="1800" i="1" dirty="0">
                           <a:latin typeface="Cambria Math" panose="02040503050406030204" pitchFamily="18" charset="0"/>
                           <a:ea typeface="Cambria Math" panose="02040503050406030204" pitchFamily="18" charset="0"/>
                         </a:rPr>
@@ -9966,7 +10624,7 @@
                       <m:d>
                         <m:dPr>
                           <m:ctrlPr>
-                            <a:rPr lang="en-US" altLang="zh-CN" sz="2000" b="0" i="1" dirty="0" smtClean="0">
+                            <a:rPr lang="en-US" altLang="zh-CN" sz="1800" b="0" i="1" dirty="0" smtClean="0">
                               <a:latin typeface="Cambria Math" panose="02040503050406030204" pitchFamily="18" charset="0"/>
                               <a:ea typeface="Cambria Math" panose="02040503050406030204" pitchFamily="18" charset="0"/>
                             </a:rPr>
@@ -9974,7 +10632,7 @@
                         </m:dPr>
                         <m:e>
                           <m:r>
-                            <a:rPr lang="en-US" altLang="zh-CN" sz="2000" b="0" i="1" dirty="0" smtClean="0">
+                            <a:rPr lang="en-US" altLang="zh-CN" sz="1800" b="0" i="1" dirty="0" smtClean="0">
                               <a:latin typeface="Cambria Math" panose="02040503050406030204" pitchFamily="18" charset="0"/>
                               <a:ea typeface="Cambria Math" panose="02040503050406030204" pitchFamily="18" charset="0"/>
                             </a:rPr>
@@ -9983,7 +10641,7 @@
                         </m:e>
                       </m:d>
                       <m:r>
-                        <a:rPr lang="en-US" altLang="zh-CN" sz="2000" b="0" i="1" dirty="0" smtClean="0">
+                        <a:rPr lang="en-US" altLang="zh-CN" sz="1800" b="0" i="1" dirty="0" smtClean="0">
                           <a:latin typeface="Cambria Math" panose="02040503050406030204" pitchFamily="18" charset="0"/>
                           <a:ea typeface="Cambria Math" panose="02040503050406030204" pitchFamily="18" charset="0"/>
                         </a:rPr>
@@ -9995,7 +10653,7 @@
                           <m:limLoc m:val="subSup"/>
                           <m:supHide m:val="on"/>
                           <m:ctrlPr>
-                            <a:rPr lang="en-US" altLang="zh-CN" sz="2000" b="0" i="1" dirty="0" smtClean="0">
+                            <a:rPr lang="en-US" altLang="zh-CN" sz="1800" b="0" i="1" dirty="0" smtClean="0">
                               <a:latin typeface="Cambria Math" panose="02040503050406030204" pitchFamily="18" charset="0"/>
                               <a:ea typeface="Cambria Math" panose="02040503050406030204" pitchFamily="18" charset="0"/>
                             </a:rPr>
@@ -10006,7 +10664,7 @@
                             <m:rPr>
                               <m:brk m:alnAt="9"/>
                             </m:rPr>
-                            <a:rPr lang="en-US" altLang="zh-CN" sz="2000" b="0" i="1" dirty="0" smtClean="0">
+                            <a:rPr lang="en-US" altLang="zh-CN" sz="1800" b="0" i="1" dirty="0" smtClean="0">
                               <a:latin typeface="Cambria Math" panose="02040503050406030204" pitchFamily="18" charset="0"/>
                               <a:ea typeface="Cambria Math" panose="02040503050406030204" pitchFamily="18" charset="0"/>
                             </a:rPr>
@@ -10018,7 +10676,7 @@
                           <m:sSub>
                             <m:sSubPr>
                               <m:ctrlPr>
-                                <a:rPr lang="en-US" altLang="zh-CN" sz="2000" b="0" i="1" dirty="0" smtClean="0">
+                                <a:rPr lang="en-US" altLang="zh-CN" sz="1800" b="0" i="1" dirty="0" smtClean="0">
                                   <a:latin typeface="Cambria Math" panose="02040503050406030204" pitchFamily="18" charset="0"/>
                                   <a:ea typeface="Cambria Math" panose="02040503050406030204" pitchFamily="18" charset="0"/>
                                 </a:rPr>
@@ -10026,7 +10684,7 @@
                             </m:sSubPr>
                             <m:e>
                               <m:r>
-                                <a:rPr lang="en-US" altLang="zh-CN" sz="2000" b="0" i="1" dirty="0" smtClean="0">
+                                <a:rPr lang="en-US" altLang="zh-CN" sz="1800" b="0" i="1" dirty="0" smtClean="0">
                                   <a:latin typeface="Cambria Math" panose="02040503050406030204" pitchFamily="18" charset="0"/>
                                   <a:ea typeface="Cambria Math" panose="02040503050406030204" pitchFamily="18" charset="0"/>
                                 </a:rPr>
@@ -10035,7 +10693,7 @@
                             </m:e>
                             <m:sub>
                               <m:r>
-                                <a:rPr lang="en-US" altLang="zh-CN" sz="2000" b="0" i="1" dirty="0" smtClean="0">
+                                <a:rPr lang="en-US" altLang="zh-CN" sz="1800" b="0" i="1" dirty="0" smtClean="0">
                                   <a:latin typeface="Cambria Math" panose="02040503050406030204" pitchFamily="18" charset="0"/>
                                   <a:ea typeface="Cambria Math" panose="02040503050406030204" pitchFamily="18" charset="0"/>
                                 </a:rPr>
@@ -10046,7 +10704,7 @@
                           <m:sSub>
                             <m:sSubPr>
                               <m:ctrlPr>
-                                <a:rPr lang="en-US" altLang="zh-CN" sz="2000" b="0" i="1" dirty="0" smtClean="0">
+                                <a:rPr lang="en-US" altLang="zh-CN" sz="1800" b="0" i="1" dirty="0" smtClean="0">
                                   <a:latin typeface="Cambria Math" panose="02040503050406030204" pitchFamily="18" charset="0"/>
                                   <a:ea typeface="Cambria Math" panose="02040503050406030204" pitchFamily="18" charset="0"/>
                                 </a:rPr>
@@ -10054,7 +10712,7 @@
                             </m:sSubPr>
                             <m:e>
                               <m:r>
-                                <a:rPr lang="en-US" altLang="zh-CN" sz="2000" b="0" i="1" dirty="0" smtClean="0">
+                                <a:rPr lang="en-US" altLang="zh-CN" sz="1800" b="0" i="1" dirty="0" smtClean="0">
                                   <a:latin typeface="Cambria Math" panose="02040503050406030204" pitchFamily="18" charset="0"/>
                                   <a:ea typeface="Cambria Math" panose="02040503050406030204" pitchFamily="18" charset="0"/>
                                 </a:rPr>
@@ -10063,7 +10721,7 @@
                             </m:e>
                             <m:sub>
                               <m:r>
-                                <a:rPr lang="en-US" altLang="zh-CN" sz="2000" b="0" i="1" dirty="0" smtClean="0">
+                                <a:rPr lang="en-US" altLang="zh-CN" sz="1800" b="0" i="1" dirty="0" smtClean="0">
                                   <a:latin typeface="Cambria Math" panose="02040503050406030204" pitchFamily="18" charset="0"/>
                                   <a:ea typeface="Cambria Math" panose="02040503050406030204" pitchFamily="18" charset="0"/>
                                 </a:rPr>
@@ -10076,7 +10734,7 @@
                     </m:oMath>
                   </m:oMathPara>
                 </a14:m>
-                <a:endParaRPr lang="en-US" altLang="zh-CN" sz="2000" i="1" dirty="0">
+                <a:endParaRPr lang="en-US" altLang="zh-CN" sz="1800" i="1" dirty="0">
                   <a:latin typeface="Cambria Math" panose="02040503050406030204" pitchFamily="18" charset="0"/>
                   <a:ea typeface="Cambria Math" panose="02040503050406030204" pitchFamily="18" charset="0"/>
                 </a:endParaRPr>
@@ -10089,27 +10747,27 @@
                   <a:buNone/>
                 </a:pPr>
                 <a:r>
-                  <a:rPr lang="zh-CN" altLang="en-US" sz="2000" dirty="0" smtClean="0">
+                  <a:rPr lang="zh-CN" altLang="en-US" sz="1800" dirty="0" smtClean="0">
                     <a:latin typeface="Cambria Math" panose="02040503050406030204" pitchFamily="18" charset="0"/>
                     <a:ea typeface="Cambria Math" panose="02040503050406030204" pitchFamily="18" charset="0"/>
                   </a:rPr>
                   <a:t>文章</a:t>
                 </a:r>
                 <a:r>
-                  <a:rPr lang="en-US" altLang="zh-CN" sz="2000" dirty="0" smtClean="0">
+                  <a:rPr lang="en-US" altLang="zh-CN" sz="1800" dirty="0" smtClean="0">
                     <a:latin typeface="Cambria Math" panose="02040503050406030204" pitchFamily="18" charset="0"/>
                     <a:ea typeface="Cambria Math" panose="02040503050406030204" pitchFamily="18" charset="0"/>
                   </a:rPr>
                   <a:t>attention</a:t>
                 </a:r>
                 <a:r>
-                  <a:rPr lang="zh-CN" altLang="en-US" sz="2000" dirty="0" smtClean="0">
+                  <a:rPr lang="zh-CN" altLang="en-US" sz="1800" dirty="0" smtClean="0">
                     <a:latin typeface="Cambria Math" panose="02040503050406030204" pitchFamily="18" charset="0"/>
                     <a:ea typeface="Cambria Math" panose="02040503050406030204" pitchFamily="18" charset="0"/>
                   </a:rPr>
                   <a:t>：</a:t>
                 </a:r>
-                <a:endParaRPr lang="en-US" altLang="zh-CN" sz="2000" dirty="0" smtClean="0">
+                <a:endParaRPr lang="en-US" altLang="zh-CN" sz="1800" dirty="0" smtClean="0">
                   <a:latin typeface="Cambria Math" panose="02040503050406030204" pitchFamily="18" charset="0"/>
                   <a:ea typeface="Cambria Math" panose="02040503050406030204" pitchFamily="18" charset="0"/>
                 </a:endParaRPr>
@@ -10130,7 +10788,7 @@
                       <m:sSub>
                         <m:sSubPr>
                           <m:ctrlPr>
-                            <a:rPr lang="en-US" altLang="zh-CN" sz="2000" i="1">
+                            <a:rPr lang="en-US" altLang="zh-CN" sz="1800" i="1">
                               <a:latin typeface="Cambria Math" panose="02040503050406030204" pitchFamily="18" charset="0"/>
                               <a:ea typeface="Cambria Math" panose="02040503050406030204" pitchFamily="18" charset="0"/>
                             </a:rPr>
@@ -10138,7 +10796,7 @@
                         </m:sSubPr>
                         <m:e>
                           <m:r>
-                            <a:rPr lang="en-US" altLang="zh-CN" sz="2000" i="1">
+                            <a:rPr lang="en-US" altLang="zh-CN" sz="1800" i="1">
                               <a:latin typeface="Cambria Math" panose="02040503050406030204" pitchFamily="18" charset="0"/>
                               <a:ea typeface="Cambria Math" panose="02040503050406030204" pitchFamily="18" charset="0"/>
                             </a:rPr>
@@ -10147,7 +10805,7 @@
                         </m:e>
                         <m:sub>
                           <m:r>
-                            <a:rPr lang="en-US" altLang="zh-CN" sz="2000" i="1">
+                            <a:rPr lang="en-US" altLang="zh-CN" sz="1800" i="1">
                               <a:latin typeface="Cambria Math" panose="02040503050406030204" pitchFamily="18" charset="0"/>
                               <a:ea typeface="Cambria Math" panose="02040503050406030204" pitchFamily="18" charset="0"/>
                             </a:rPr>
@@ -10156,14 +10814,14 @@
                         </m:sub>
                       </m:sSub>
                       <m:r>
-                        <a:rPr lang="en-US" altLang="zh-CN" sz="2000" i="1">
+                        <a:rPr lang="en-US" altLang="zh-CN" sz="1800" i="1">
                           <a:latin typeface="Cambria Math" panose="02040503050406030204" pitchFamily="18" charset="0"/>
                           <a:ea typeface="Cambria Math" panose="02040503050406030204" pitchFamily="18" charset="0"/>
                         </a:rPr>
                         <m:t>=</m:t>
                       </m:r>
                       <m:r>
-                        <a:rPr lang="en-US" altLang="zh-CN" sz="2000" i="1">
+                        <a:rPr lang="en-US" altLang="zh-CN" sz="1800" i="1">
                           <a:latin typeface="Cambria Math" panose="02040503050406030204" pitchFamily="18" charset="0"/>
                           <a:ea typeface="Cambria Math" panose="02040503050406030204" pitchFamily="18" charset="0"/>
                         </a:rPr>
@@ -10172,7 +10830,7 @@
                       <m:sSub>
                         <m:sSubPr>
                           <m:ctrlPr>
-                            <a:rPr lang="en-US" altLang="zh-CN" sz="2000" i="1">
+                            <a:rPr lang="en-US" altLang="zh-CN" sz="1800" i="1">
                               <a:latin typeface="Cambria Math" panose="02040503050406030204" pitchFamily="18" charset="0"/>
                               <a:ea typeface="Cambria Math" panose="02040503050406030204" pitchFamily="18" charset="0"/>
                             </a:rPr>
@@ -10180,7 +10838,7 @@
                         </m:sSubPr>
                         <m:e>
                           <m:r>
-                            <a:rPr lang="en-US" altLang="zh-CN" sz="2000" i="1">
+                            <a:rPr lang="en-US" altLang="zh-CN" sz="1800" i="1">
                               <a:latin typeface="Cambria Math" panose="02040503050406030204" pitchFamily="18" charset="0"/>
                               <a:ea typeface="Cambria Math" panose="02040503050406030204" pitchFamily="18" charset="0"/>
                             </a:rPr>
@@ -10189,7 +10847,7 @@
                         </m:e>
                         <m:sub>
                           <m:r>
-                            <a:rPr lang="en-US" altLang="zh-CN" sz="2000" i="1">
+                            <a:rPr lang="en-US" altLang="zh-CN" sz="1800" i="1">
                               <a:latin typeface="Cambria Math" panose="02040503050406030204" pitchFamily="18" charset="0"/>
                               <a:ea typeface="Cambria Math" panose="02040503050406030204" pitchFamily="18" charset="0"/>
                             </a:rPr>
@@ -10198,7 +10856,7 @@
                         </m:sub>
                       </m:sSub>
                       <m:r>
-                        <a:rPr lang="en-US" altLang="zh-CN" sz="2000" i="1">
+                        <a:rPr lang="en-US" altLang="zh-CN" sz="1800" i="1">
                           <a:latin typeface="Cambria Math" panose="02040503050406030204" pitchFamily="18" charset="0"/>
                           <a:ea typeface="Cambria Math" panose="02040503050406030204" pitchFamily="18" charset="0"/>
                         </a:rPr>
@@ -10207,7 +10865,7 @@
                       <m:sSubSup>
                         <m:sSubSupPr>
                           <m:ctrlPr>
-                            <a:rPr lang="en-US" altLang="zh-CN" sz="2000" i="1">
+                            <a:rPr lang="en-US" altLang="zh-CN" sz="1800" i="1">
                               <a:latin typeface="Cambria Math" panose="02040503050406030204" pitchFamily="18" charset="0"/>
                               <a:ea typeface="Cambria Math" panose="02040503050406030204" pitchFamily="18" charset="0"/>
                             </a:rPr>
@@ -10215,7 +10873,7 @@
                         </m:sSubSupPr>
                         <m:e>
                           <m:r>
-                            <a:rPr lang="en-US" altLang="zh-CN" sz="2000" b="0" i="1" smtClean="0">
+                            <a:rPr lang="en-US" altLang="zh-CN" sz="1800" b="0" i="1" smtClean="0">
                               <a:latin typeface="Cambria Math" panose="02040503050406030204" pitchFamily="18" charset="0"/>
                               <a:ea typeface="Cambria Math" panose="02040503050406030204" pitchFamily="18" charset="0"/>
                             </a:rPr>
@@ -10224,7 +10882,7 @@
                         </m:e>
                         <m:sub>
                           <m:r>
-                            <a:rPr lang="en-US" altLang="zh-CN" sz="2000" i="1">
+                            <a:rPr lang="en-US" altLang="zh-CN" sz="1800" i="1">
                               <a:latin typeface="Cambria Math" panose="02040503050406030204" pitchFamily="18" charset="0"/>
                               <a:ea typeface="Cambria Math" panose="02040503050406030204" pitchFamily="18" charset="0"/>
                             </a:rPr>
@@ -10233,7 +10891,7 @@
                         </m:sub>
                         <m:sup>
                           <m:r>
-                            <a:rPr lang="en-US" altLang="zh-CN" sz="2000" i="1">
+                            <a:rPr lang="en-US" altLang="zh-CN" sz="1800" i="1">
                               <a:latin typeface="Cambria Math" panose="02040503050406030204" pitchFamily="18" charset="0"/>
                               <a:ea typeface="Cambria Math" panose="02040503050406030204" pitchFamily="18" charset="0"/>
                             </a:rPr>
@@ -10244,7 +10902,7 @@
                       <m:d>
                         <m:dPr>
                           <m:ctrlPr>
-                            <a:rPr lang="en-US" altLang="zh-CN" sz="2000" i="1">
+                            <a:rPr lang="en-US" altLang="zh-CN" sz="1800" i="1">
                               <a:latin typeface="Cambria Math" panose="02040503050406030204" pitchFamily="18" charset="0"/>
                               <a:ea typeface="Cambria Math" panose="02040503050406030204" pitchFamily="18" charset="0"/>
                             </a:rPr>
@@ -10252,14 +10910,14 @@
                         </m:dPr>
                         <m:e>
                           <m:r>
-                            <a:rPr lang="en-US" altLang="zh-CN" sz="2000" b="0" i="1" smtClean="0">
+                            <a:rPr lang="en-US" altLang="zh-CN" sz="1800" b="0" i="1" smtClean="0">
                               <a:latin typeface="Cambria Math" panose="02040503050406030204" pitchFamily="18" charset="0"/>
                               <a:ea typeface="Cambria Math" panose="02040503050406030204" pitchFamily="18" charset="0"/>
                             </a:rPr>
                             <m:t>𝐵</m:t>
                           </m:r>
                           <m:r>
-                            <a:rPr lang="en-US" altLang="zh-CN" sz="2000" b="0" i="1" smtClean="0">
+                            <a:rPr lang="en-US" altLang="zh-CN" sz="1800" b="0" i="1" smtClean="0">
                               <a:latin typeface="Cambria Math" panose="02040503050406030204" pitchFamily="18" charset="0"/>
                               <a:ea typeface="Cambria Math" panose="02040503050406030204" pitchFamily="18" charset="0"/>
                             </a:rPr>
@@ -10268,7 +10926,7 @@
                           <m:sSub>
                             <m:sSubPr>
                               <m:ctrlPr>
-                                <a:rPr lang="en-US" altLang="zh-CN" sz="2000" i="1">
+                                <a:rPr lang="en-US" altLang="zh-CN" sz="1800" i="1">
                                   <a:latin typeface="Cambria Math" panose="02040503050406030204" pitchFamily="18" charset="0"/>
                                   <a:ea typeface="Cambria Math" panose="02040503050406030204" pitchFamily="18" charset="0"/>
                                 </a:rPr>
@@ -10276,7 +10934,7 @@
                             </m:sSubPr>
                             <m:e>
                               <m:r>
-                                <a:rPr lang="en-US" altLang="zh-CN" sz="2000" i="1">
+                                <a:rPr lang="en-US" altLang="zh-CN" sz="1800" i="1">
                                   <a:latin typeface="Cambria Math" panose="02040503050406030204" pitchFamily="18" charset="0"/>
                                   <a:ea typeface="Cambria Math" panose="02040503050406030204" pitchFamily="18" charset="0"/>
                                 </a:rPr>
@@ -10285,14 +10943,14 @@
                             </m:e>
                             <m:sub>
                               <m:r>
-                                <a:rPr lang="en-US" altLang="zh-CN" sz="2000" i="1">
+                                <a:rPr lang="en-US" altLang="zh-CN" sz="1800" i="1">
                                   <a:latin typeface="Cambria Math" panose="02040503050406030204" pitchFamily="18" charset="0"/>
                                   <a:ea typeface="Cambria Math" panose="02040503050406030204" pitchFamily="18" charset="0"/>
                                 </a:rPr>
                                 <m:t>𝑡</m:t>
                               </m:r>
                               <m:r>
-                                <a:rPr lang="en-US" altLang="zh-CN" sz="2000" i="1">
+                                <a:rPr lang="en-US" altLang="zh-CN" sz="1800" i="1">
                                   <a:latin typeface="Cambria Math" panose="02040503050406030204" pitchFamily="18" charset="0"/>
                                   <a:ea typeface="Cambria Math" panose="02040503050406030204" pitchFamily="18" charset="0"/>
                                 </a:rPr>
@@ -10301,42 +10959,42 @@
                             </m:sub>
                           </m:sSub>
                           <m:r>
-                            <a:rPr lang="en-US" altLang="zh-CN" sz="2000" b="0" i="1" smtClean="0">
+                            <a:rPr lang="en-US" altLang="zh-CN" sz="1800" b="0" i="1" smtClean="0">
                               <a:latin typeface="Cambria Math" panose="02040503050406030204" pitchFamily="18" charset="0"/>
                               <a:ea typeface="Cambria Math" panose="02040503050406030204" pitchFamily="18" charset="0"/>
                             </a:rPr>
                             <m:t>,</m:t>
                           </m:r>
                           <m:r>
-                            <a:rPr lang="en-US" altLang="zh-CN" sz="2000" b="0" i="1" smtClean="0">
+                            <a:rPr lang="en-US" altLang="zh-CN" sz="1800" b="0" i="1" smtClean="0">
                               <a:latin typeface="Cambria Math" panose="02040503050406030204" pitchFamily="18" charset="0"/>
                               <a:ea typeface="Cambria Math" panose="02040503050406030204" pitchFamily="18" charset="0"/>
                             </a:rPr>
                             <m:t>𝑞</m:t>
                           </m:r>
                           <m:r>
-                            <a:rPr lang="en-US" altLang="zh-CN" sz="2000" b="0" i="1" smtClean="0">
+                            <a:rPr lang="en-US" altLang="zh-CN" sz="1800" b="0" i="1" smtClean="0">
                               <a:latin typeface="Cambria Math" panose="02040503050406030204" pitchFamily="18" charset="0"/>
                               <a:ea typeface="Cambria Math" panose="02040503050406030204" pitchFamily="18" charset="0"/>
                             </a:rPr>
                             <m:t>(</m:t>
                           </m:r>
                           <m:r>
-                            <a:rPr lang="en-US" altLang="zh-CN" sz="2000" b="0" i="1" smtClean="0">
+                            <a:rPr lang="en-US" altLang="zh-CN" sz="1800" b="0" i="1" smtClean="0">
                               <a:latin typeface="Cambria Math" panose="02040503050406030204" pitchFamily="18" charset="0"/>
                               <a:ea typeface="Cambria Math" panose="02040503050406030204" pitchFamily="18" charset="0"/>
                             </a:rPr>
                             <m:t>𝑡</m:t>
                           </m:r>
                           <m:r>
-                            <a:rPr lang="en-US" altLang="zh-CN" sz="2000" b="0" i="1" smtClean="0">
+                            <a:rPr lang="en-US" altLang="zh-CN" sz="1800" b="0" i="1" smtClean="0">
                               <a:latin typeface="Cambria Math" panose="02040503050406030204" pitchFamily="18" charset="0"/>
                               <a:ea typeface="Cambria Math" panose="02040503050406030204" pitchFamily="18" charset="0"/>
                             </a:rPr>
                             <m:t>)]+</m:t>
                           </m:r>
                           <m:r>
-                            <a:rPr lang="en-US" altLang="zh-CN" sz="2000" i="1">
+                            <a:rPr lang="en-US" altLang="zh-CN" sz="1800" i="1">
                               <a:latin typeface="Cambria Math" panose="02040503050406030204" pitchFamily="18" charset="0"/>
                               <a:ea typeface="Cambria Math" panose="02040503050406030204" pitchFamily="18" charset="0"/>
                             </a:rPr>
@@ -10345,7 +11003,7 @@
                         </m:e>
                       </m:d>
                       <m:r>
-                        <a:rPr lang="en-US" altLang="zh-CN" sz="2000" i="1">
+                        <a:rPr lang="en-US" altLang="zh-CN" sz="1800" i="1">
                           <a:latin typeface="Cambria Math" panose="02040503050406030204" pitchFamily="18" charset="0"/>
                           <a:ea typeface="Cambria Math" panose="02040503050406030204" pitchFamily="18" charset="0"/>
                         </a:rPr>
@@ -10354,7 +11012,7 @@
                     </m:oMath>
                   </m:oMathPara>
                 </a14:m>
-                <a:endParaRPr lang="en-US" altLang="zh-CN" sz="2000" i="1" dirty="0">
+                <a:endParaRPr lang="en-US" altLang="zh-CN" sz="1800" i="1" dirty="0">
                   <a:latin typeface="Cambria Math" panose="02040503050406030204" pitchFamily="18" charset="0"/>
                   <a:ea typeface="Cambria Math" panose="02040503050406030204" pitchFamily="18" charset="0"/>
                 </a:endParaRPr>
@@ -10373,7 +11031,7 @@
                     </m:oMathParaPr>
                     <m:oMath xmlns:m="http://schemas.openxmlformats.org/officeDocument/2006/math">
                       <m:r>
-                        <a:rPr lang="en-US" altLang="zh-CN" sz="2000" i="1" dirty="0">
+                        <a:rPr lang="en-US" altLang="zh-CN" sz="1800" i="1" dirty="0">
                           <a:latin typeface="Cambria Math" panose="02040503050406030204" pitchFamily="18" charset="0"/>
                           <a:ea typeface="Cambria Math" panose="02040503050406030204" pitchFamily="18" charset="0"/>
                         </a:rPr>
@@ -10382,7 +11040,7 @@
                       <m:d>
                         <m:dPr>
                           <m:ctrlPr>
-                            <a:rPr lang="en-US" altLang="zh-CN" sz="2000" i="1" dirty="0">
+                            <a:rPr lang="en-US" altLang="zh-CN" sz="1800" i="1" dirty="0">
                               <a:latin typeface="Cambria Math" panose="02040503050406030204" pitchFamily="18" charset="0"/>
                               <a:ea typeface="Cambria Math" panose="02040503050406030204" pitchFamily="18" charset="0"/>
                             </a:rPr>
@@ -10390,7 +11048,7 @@
                         </m:dPr>
                         <m:e>
                           <m:r>
-                            <a:rPr lang="en-US" altLang="zh-CN" sz="2000" i="1" dirty="0">
+                            <a:rPr lang="en-US" altLang="zh-CN" sz="1800" i="1" dirty="0">
                               <a:latin typeface="Cambria Math" panose="02040503050406030204" pitchFamily="18" charset="0"/>
                               <a:ea typeface="Cambria Math" panose="02040503050406030204" pitchFamily="18" charset="0"/>
                             </a:rPr>
@@ -10399,7 +11057,7 @@
                         </m:e>
                       </m:d>
                       <m:r>
-                        <a:rPr lang="en-US" altLang="zh-CN" sz="2000" i="1" dirty="0">
+                        <a:rPr lang="en-US" altLang="zh-CN" sz="1800" i="1" dirty="0">
                           <a:latin typeface="Cambria Math" panose="02040503050406030204" pitchFamily="18" charset="0"/>
                           <a:ea typeface="Cambria Math" panose="02040503050406030204" pitchFamily="18" charset="0"/>
                         </a:rPr>
@@ -10411,7 +11069,7 @@
                           <m:limLoc m:val="subSup"/>
                           <m:supHide m:val="on"/>
                           <m:ctrlPr>
-                            <a:rPr lang="en-US" altLang="zh-CN" sz="2000" i="1" dirty="0">
+                            <a:rPr lang="en-US" altLang="zh-CN" sz="1800" i="1" dirty="0">
                               <a:latin typeface="Cambria Math" panose="02040503050406030204" pitchFamily="18" charset="0"/>
                               <a:ea typeface="Cambria Math" panose="02040503050406030204" pitchFamily="18" charset="0"/>
                             </a:rPr>
@@ -10422,7 +11080,7 @@
                             <m:rPr>
                               <m:brk m:alnAt="9"/>
                             </m:rPr>
-                            <a:rPr lang="en-US" altLang="zh-CN" sz="2000" i="1" dirty="0">
+                            <a:rPr lang="en-US" altLang="zh-CN" sz="1800" i="1" dirty="0">
                               <a:latin typeface="Cambria Math" panose="02040503050406030204" pitchFamily="18" charset="0"/>
                               <a:ea typeface="Cambria Math" panose="02040503050406030204" pitchFamily="18" charset="0"/>
                             </a:rPr>
@@ -10434,7 +11092,7 @@
                           <m:sSub>
                             <m:sSubPr>
                               <m:ctrlPr>
-                                <a:rPr lang="en-US" altLang="zh-CN" sz="2000" i="1" dirty="0">
+                                <a:rPr lang="en-US" altLang="zh-CN" sz="1800" i="1" dirty="0">
                                   <a:latin typeface="Cambria Math" panose="02040503050406030204" pitchFamily="18" charset="0"/>
                                   <a:ea typeface="Cambria Math" panose="02040503050406030204" pitchFamily="18" charset="0"/>
                                 </a:rPr>
@@ -10442,7 +11100,7 @@
                             </m:sSubPr>
                             <m:e>
                               <m:r>
-                                <a:rPr lang="en-US" altLang="zh-CN" sz="2000" i="1" dirty="0">
+                                <a:rPr lang="en-US" altLang="zh-CN" sz="1800" i="1" dirty="0">
                                   <a:latin typeface="Cambria Math" panose="02040503050406030204" pitchFamily="18" charset="0"/>
                                   <a:ea typeface="Cambria Math" panose="02040503050406030204" pitchFamily="18" charset="0"/>
                                 </a:rPr>
@@ -10451,7 +11109,7 @@
                             </m:e>
                             <m:sub>
                               <m:r>
-                                <a:rPr lang="en-US" altLang="zh-CN" sz="2000" i="1" dirty="0">
+                                <a:rPr lang="en-US" altLang="zh-CN" sz="1800" i="1" dirty="0">
                                   <a:latin typeface="Cambria Math" panose="02040503050406030204" pitchFamily="18" charset="0"/>
                                   <a:ea typeface="Cambria Math" panose="02040503050406030204" pitchFamily="18" charset="0"/>
                                 </a:rPr>
@@ -10462,7 +11120,7 @@
                           <m:sSub>
                             <m:sSubPr>
                               <m:ctrlPr>
-                                <a:rPr lang="en-US" altLang="zh-CN" sz="2000" i="1" dirty="0">
+                                <a:rPr lang="en-US" altLang="zh-CN" sz="1800" i="1" dirty="0">
                                   <a:latin typeface="Cambria Math" panose="02040503050406030204" pitchFamily="18" charset="0"/>
                                   <a:ea typeface="Cambria Math" panose="02040503050406030204" pitchFamily="18" charset="0"/>
                                 </a:rPr>
@@ -10470,7 +11128,7 @@
                             </m:sSubPr>
                             <m:e>
                               <m:r>
-                                <a:rPr lang="en-US" altLang="zh-CN" sz="2000" b="0" i="1" dirty="0" smtClean="0">
+                                <a:rPr lang="en-US" altLang="zh-CN" sz="1800" b="0" i="1" dirty="0" smtClean="0">
                                   <a:latin typeface="Cambria Math" panose="02040503050406030204" pitchFamily="18" charset="0"/>
                                   <a:ea typeface="Cambria Math" panose="02040503050406030204" pitchFamily="18" charset="0"/>
                                 </a:rPr>
@@ -10479,7 +11137,7 @@
                             </m:e>
                             <m:sub>
                               <m:r>
-                                <a:rPr lang="en-US" altLang="zh-CN" sz="2000" i="1" dirty="0">
+                                <a:rPr lang="en-US" altLang="zh-CN" sz="1800" i="1" dirty="0">
                                   <a:latin typeface="Cambria Math" panose="02040503050406030204" pitchFamily="18" charset="0"/>
                                   <a:ea typeface="Cambria Math" panose="02040503050406030204" pitchFamily="18" charset="0"/>
                                 </a:rPr>
@@ -10492,7 +11150,7 @@
                     </m:oMath>
                   </m:oMathPara>
                 </a14:m>
-                <a:endParaRPr lang="en-US" altLang="zh-CN" sz="2000" i="1" dirty="0">
+                <a:endParaRPr lang="en-US" altLang="zh-CN" sz="1800" i="1" dirty="0">
                   <a:latin typeface="Cambria Math" panose="02040503050406030204" pitchFamily="18" charset="0"/>
                   <a:ea typeface="Cambria Math" panose="02040503050406030204" pitchFamily="18" charset="0"/>
                 </a:endParaRPr>
@@ -10505,34 +11163,27 @@
                   <a:buNone/>
                 </a:pPr>
                 <a:r>
-                  <a:rPr lang="zh-CN" altLang="en-US" sz="2000" dirty="0" smtClean="0">
+                  <a:rPr lang="zh-CN" altLang="en-US" sz="1800" dirty="0" smtClean="0">
                     <a:latin typeface="Cambria Math" panose="02040503050406030204" pitchFamily="18" charset="0"/>
                     <a:ea typeface="Cambria Math" panose="02040503050406030204" pitchFamily="18" charset="0"/>
                   </a:rPr>
-                  <a:t>累积信息</a:t>
+                  <a:t>累积信息，一般就是一个</a:t>
                 </a:r>
                 <a:r>
-                  <a:rPr lang="zh-CN" altLang="en-US" sz="2000" dirty="0" smtClean="0">
-                    <a:latin typeface="Cambria Math" panose="02040503050406030204" pitchFamily="18" charset="0"/>
-                    <a:ea typeface="Cambria Math" panose="02040503050406030204" pitchFamily="18" charset="0"/>
-                  </a:rPr>
-                  <a:t>，一般就是一个</a:t>
-                </a:r>
-                <a:r>
-                  <a:rPr lang="en-US" altLang="zh-CN" sz="2000" dirty="0" smtClean="0">
+                  <a:rPr lang="en-US" altLang="zh-CN" sz="1800" dirty="0" smtClean="0">
                     <a:latin typeface="Cambria Math" panose="02040503050406030204" pitchFamily="18" charset="0"/>
                     <a:ea typeface="Cambria Math" panose="02040503050406030204" pitchFamily="18" charset="0"/>
                   </a:rPr>
                   <a:t>RNN</a:t>
                 </a:r>
                 <a:r>
-                  <a:rPr lang="zh-CN" altLang="en-US" sz="2000" dirty="0" smtClean="0">
+                  <a:rPr lang="zh-CN" altLang="en-US" sz="1800" dirty="0" smtClean="0">
                     <a:latin typeface="Cambria Math" panose="02040503050406030204" pitchFamily="18" charset="0"/>
                     <a:ea typeface="Cambria Math" panose="02040503050406030204" pitchFamily="18" charset="0"/>
                   </a:rPr>
                   <a:t>：</a:t>
                 </a:r>
-                <a:endParaRPr lang="en-US" altLang="zh-CN" sz="2000" dirty="0" smtClean="0">
+                <a:endParaRPr lang="en-US" altLang="zh-CN" sz="1800" dirty="0" smtClean="0">
                   <a:latin typeface="Cambria Math" panose="02040503050406030204" pitchFamily="18" charset="0"/>
                   <a:ea typeface="Cambria Math" panose="02040503050406030204" pitchFamily="18" charset="0"/>
                 </a:endParaRPr>
@@ -10553,7 +11204,7 @@
                       <m:sSub>
                         <m:sSubPr>
                           <m:ctrlPr>
-                            <a:rPr lang="en-US" altLang="zh-CN" sz="2000" i="1" dirty="0">
+                            <a:rPr lang="en-US" altLang="zh-CN" sz="1800" i="1" dirty="0">
                               <a:latin typeface="Cambria Math" panose="02040503050406030204" pitchFamily="18" charset="0"/>
                               <a:ea typeface="Cambria Math" panose="02040503050406030204" pitchFamily="18" charset="0"/>
                             </a:rPr>
@@ -10561,7 +11212,7 @@
                         </m:sSubPr>
                         <m:e>
                           <m:r>
-                            <a:rPr lang="en-US" altLang="zh-CN" sz="2000" i="1" dirty="0">
+                            <a:rPr lang="en-US" altLang="zh-CN" sz="1800" i="1" dirty="0">
                               <a:latin typeface="Cambria Math" panose="02040503050406030204" pitchFamily="18" charset="0"/>
                               <a:ea typeface="Cambria Math" panose="02040503050406030204" pitchFamily="18" charset="0"/>
                             </a:rPr>
@@ -10570,7 +11221,7 @@
                         </m:e>
                         <m:sub>
                           <m:r>
-                            <a:rPr lang="en-US" altLang="zh-CN" sz="2000" i="1" dirty="0">
+                            <a:rPr lang="en-US" altLang="zh-CN" sz="1800" i="1" dirty="0">
                               <a:latin typeface="Cambria Math" panose="02040503050406030204" pitchFamily="18" charset="0"/>
                               <a:ea typeface="Cambria Math" panose="02040503050406030204" pitchFamily="18" charset="0"/>
                             </a:rPr>
@@ -10579,21 +11230,21 @@
                         </m:sub>
                       </m:sSub>
                       <m:r>
-                        <a:rPr lang="en-US" altLang="zh-CN" sz="2000" b="0" i="1" dirty="0" smtClean="0">
+                        <a:rPr lang="en-US" altLang="zh-CN" sz="1800" b="0" i="1" dirty="0" smtClean="0">
                           <a:latin typeface="Cambria Math" panose="02040503050406030204" pitchFamily="18" charset="0"/>
                           <a:ea typeface="Cambria Math" panose="02040503050406030204" pitchFamily="18" charset="0"/>
                         </a:rPr>
                         <m:t>=</m:t>
                       </m:r>
                       <m:r>
-                        <a:rPr lang="en-US" altLang="zh-CN" sz="2000" b="0" i="1" dirty="0" smtClean="0">
+                        <a:rPr lang="en-US" altLang="zh-CN" sz="1800" b="0" i="1" dirty="0" smtClean="0">
                           <a:latin typeface="Cambria Math" panose="02040503050406030204" pitchFamily="18" charset="0"/>
                           <a:ea typeface="Cambria Math" panose="02040503050406030204" pitchFamily="18" charset="0"/>
                         </a:rPr>
                         <m:t>𝑓</m:t>
                       </m:r>
                       <m:r>
-                        <a:rPr lang="en-US" altLang="zh-CN" sz="2000" b="0" i="1" dirty="0" smtClean="0">
+                        <a:rPr lang="en-US" altLang="zh-CN" sz="1800" b="0" i="1" dirty="0" smtClean="0">
                           <a:latin typeface="Cambria Math" panose="02040503050406030204" pitchFamily="18" charset="0"/>
                           <a:ea typeface="Cambria Math" panose="02040503050406030204" pitchFamily="18" charset="0"/>
                         </a:rPr>
@@ -10604,7 +11255,7 @@
                           <m:begChr m:val="["/>
                           <m:endChr m:val="]"/>
                           <m:ctrlPr>
-                            <a:rPr lang="en-US" altLang="zh-CN" sz="2000" b="0" i="1" dirty="0" smtClean="0">
+                            <a:rPr lang="en-US" altLang="zh-CN" sz="1800" b="0" i="1" dirty="0" smtClean="0">
                               <a:latin typeface="Cambria Math" panose="02040503050406030204" pitchFamily="18" charset="0"/>
                               <a:ea typeface="Cambria Math" panose="02040503050406030204" pitchFamily="18" charset="0"/>
                             </a:rPr>
@@ -10612,7 +11263,7 @@
                         </m:dPr>
                         <m:e>
                           <m:r>
-                            <a:rPr lang="en-US" altLang="zh-CN" sz="2000" b="0" i="1" dirty="0" smtClean="0">
+                            <a:rPr lang="en-US" altLang="zh-CN" sz="1800" b="0" i="1" dirty="0" smtClean="0">
                               <a:latin typeface="Cambria Math" panose="02040503050406030204" pitchFamily="18" charset="0"/>
                               <a:ea typeface="Cambria Math" panose="02040503050406030204" pitchFamily="18" charset="0"/>
                             </a:rPr>
@@ -10621,7 +11272,7 @@
                           <m:d>
                             <m:dPr>
                               <m:ctrlPr>
-                                <a:rPr lang="en-US" altLang="zh-CN" sz="2000" b="0" i="1" dirty="0" smtClean="0">
+                                <a:rPr lang="en-US" altLang="zh-CN" sz="1800" b="0" i="1" dirty="0" smtClean="0">
                                   <a:latin typeface="Cambria Math" panose="02040503050406030204" pitchFamily="18" charset="0"/>
                                   <a:ea typeface="Cambria Math" panose="02040503050406030204" pitchFamily="18" charset="0"/>
                                 </a:rPr>
@@ -10629,7 +11280,7 @@
                             </m:dPr>
                             <m:e>
                               <m:r>
-                                <a:rPr lang="en-US" altLang="zh-CN" sz="2000" b="0" i="1" dirty="0" smtClean="0">
+                                <a:rPr lang="en-US" altLang="zh-CN" sz="1800" b="0" i="1" dirty="0" smtClean="0">
                                   <a:latin typeface="Cambria Math" panose="02040503050406030204" pitchFamily="18" charset="0"/>
                                   <a:ea typeface="Cambria Math" panose="02040503050406030204" pitchFamily="18" charset="0"/>
                                 </a:rPr>
@@ -10638,14 +11289,14 @@
                             </m:e>
                           </m:d>
                           <m:r>
-                            <a:rPr lang="en-US" altLang="zh-CN" sz="2000" b="0" i="1" dirty="0" smtClean="0">
+                            <a:rPr lang="en-US" altLang="zh-CN" sz="1800" b="0" i="1" dirty="0" smtClean="0">
                               <a:latin typeface="Cambria Math" panose="02040503050406030204" pitchFamily="18" charset="0"/>
                               <a:ea typeface="Cambria Math" panose="02040503050406030204" pitchFamily="18" charset="0"/>
                             </a:rPr>
                             <m:t>,</m:t>
                           </m:r>
                           <m:r>
-                            <a:rPr lang="en-US" altLang="zh-CN" sz="2000" b="0" i="1" dirty="0" smtClean="0">
+                            <a:rPr lang="en-US" altLang="zh-CN" sz="1800" b="0" i="1" dirty="0" smtClean="0">
                               <a:latin typeface="Cambria Math" panose="02040503050406030204" pitchFamily="18" charset="0"/>
                               <a:ea typeface="Cambria Math" panose="02040503050406030204" pitchFamily="18" charset="0"/>
                             </a:rPr>
@@ -10654,7 +11305,7 @@
                           <m:d>
                             <m:dPr>
                               <m:ctrlPr>
-                                <a:rPr lang="en-US" altLang="zh-CN" sz="2000" b="0" i="1" dirty="0" smtClean="0">
+                                <a:rPr lang="en-US" altLang="zh-CN" sz="1800" b="0" i="1" dirty="0" smtClean="0">
                                   <a:latin typeface="Cambria Math" panose="02040503050406030204" pitchFamily="18" charset="0"/>
                                   <a:ea typeface="Cambria Math" panose="02040503050406030204" pitchFamily="18" charset="0"/>
                                 </a:rPr>
@@ -10662,7 +11313,7 @@
                             </m:dPr>
                             <m:e>
                               <m:r>
-                                <a:rPr lang="en-US" altLang="zh-CN" sz="2000" b="0" i="1" dirty="0" smtClean="0">
+                                <a:rPr lang="en-US" altLang="zh-CN" sz="1800" b="0" i="1" dirty="0" smtClean="0">
                                   <a:latin typeface="Cambria Math" panose="02040503050406030204" pitchFamily="18" charset="0"/>
                                   <a:ea typeface="Cambria Math" panose="02040503050406030204" pitchFamily="18" charset="0"/>
                                 </a:rPr>
@@ -10673,7 +11324,7 @@
                         </m:e>
                       </m:d>
                       <m:r>
-                        <a:rPr lang="en-US" altLang="zh-CN" sz="2000" b="0" i="1" dirty="0" smtClean="0">
+                        <a:rPr lang="en-US" altLang="zh-CN" sz="1800" b="0" i="1" dirty="0" smtClean="0">
                           <a:latin typeface="Cambria Math" panose="02040503050406030204" pitchFamily="18" charset="0"/>
                           <a:ea typeface="Cambria Math" panose="02040503050406030204" pitchFamily="18" charset="0"/>
                         </a:rPr>
@@ -10682,7 +11333,7 @@
                       <m:sSub>
                         <m:sSubPr>
                           <m:ctrlPr>
-                            <a:rPr lang="en-US" altLang="zh-CN" sz="2000" b="0" i="1" dirty="0" smtClean="0">
+                            <a:rPr lang="en-US" altLang="zh-CN" sz="1800" b="0" i="1" dirty="0" smtClean="0">
                               <a:latin typeface="Cambria Math" panose="02040503050406030204" pitchFamily="18" charset="0"/>
                               <a:ea typeface="Cambria Math" panose="02040503050406030204" pitchFamily="18" charset="0"/>
                             </a:rPr>
@@ -10690,7 +11341,7 @@
                         </m:sSubPr>
                         <m:e>
                           <m:r>
-                            <a:rPr lang="en-US" altLang="zh-CN" sz="2000" b="0" i="1" dirty="0" smtClean="0">
+                            <a:rPr lang="en-US" altLang="zh-CN" sz="1800" b="0" i="1" dirty="0" smtClean="0">
                               <a:latin typeface="Cambria Math" panose="02040503050406030204" pitchFamily="18" charset="0"/>
                               <a:ea typeface="Cambria Math" panose="02040503050406030204" pitchFamily="18" charset="0"/>
                             </a:rPr>
@@ -10699,23 +11350,23 @@
                         </m:e>
                         <m:sub>
                           <m:r>
-                            <a:rPr lang="en-US" altLang="zh-CN" sz="2000" i="1" dirty="0">
+                            <a:rPr lang="en-US" altLang="zh-CN" sz="1800" i="1" dirty="0">
                               <a:latin typeface="Cambria Math" panose="02040503050406030204" pitchFamily="18" charset="0"/>
                               <a:ea typeface="Cambria Math" panose="02040503050406030204" pitchFamily="18" charset="0"/>
                             </a:rPr>
                             <m:t>𝑡</m:t>
                           </m:r>
                           <m:r>
-                            <a:rPr lang="en-US" altLang="zh-CN" sz="2000" i="1" dirty="0">
+                            <a:rPr lang="en-US" altLang="zh-CN" sz="1800" i="1" dirty="0">
                               <a:latin typeface="Cambria Math" panose="02040503050406030204" pitchFamily="18" charset="0"/>
                               <a:ea typeface="Cambria Math" panose="02040503050406030204" pitchFamily="18" charset="0"/>
                             </a:rPr>
-                            <m:t>-1</m:t>
+                            <m:t>−1</m:t>
                           </m:r>
                         </m:sub>
                       </m:sSub>
                       <m:r>
-                        <a:rPr lang="en-US" altLang="zh-CN" sz="2000" b="0" i="1" dirty="0" smtClean="0">
+                        <a:rPr lang="en-US" altLang="zh-CN" sz="1800" b="0" i="1" dirty="0" smtClean="0">
                           <a:latin typeface="Cambria Math" panose="02040503050406030204" pitchFamily="18" charset="0"/>
                           <a:ea typeface="Cambria Math" panose="02040503050406030204" pitchFamily="18" charset="0"/>
                         </a:rPr>
@@ -10724,7 +11375,7 @@
                     </m:oMath>
                   </m:oMathPara>
                 </a14:m>
-                <a:endParaRPr lang="en-US" altLang="zh-CN" sz="2000" i="1" dirty="0" smtClean="0">
+                <a:endParaRPr lang="en-US" altLang="zh-CN" sz="1800" i="1" dirty="0" smtClean="0">
                   <a:latin typeface="Cambria Math" panose="02040503050406030204" pitchFamily="18" charset="0"/>
                   <a:ea typeface="Cambria Math" panose="02040503050406030204" pitchFamily="18" charset="0"/>
                 </a:endParaRPr>
@@ -10737,14 +11388,14 @@
                   <a:buNone/>
                 </a:pPr>
                 <a:r>
-                  <a:rPr lang="zh-CN" altLang="en-US" sz="2000" dirty="0">
+                  <a:rPr lang="zh-CN" altLang="en-US" sz="1800" dirty="0">
                     <a:latin typeface="Cambria Math" panose="02040503050406030204" pitchFamily="18" charset="0"/>
                     <a:ea typeface="Cambria Math" panose="02040503050406030204" pitchFamily="18" charset="0"/>
                   </a:rPr>
                   <a:t>注意</a:t>
                 </a:r>
                 <a:r>
-                  <a:rPr lang="zh-CN" altLang="en-US" sz="2000" dirty="0" smtClean="0">
+                  <a:rPr lang="zh-CN" altLang="en-US" sz="1800" dirty="0" smtClean="0">
                     <a:latin typeface="Cambria Math" panose="02040503050406030204" pitchFamily="18" charset="0"/>
                     <a:ea typeface="Cambria Math" panose="02040503050406030204" pitchFamily="18" charset="0"/>
                   </a:rPr>
@@ -10755,7 +11406,7 @@
                     <m:sSub>
                       <m:sSubPr>
                         <m:ctrlPr>
-                          <a:rPr lang="en-US" altLang="zh-CN" sz="2000" i="1" dirty="0">
+                          <a:rPr lang="en-US" altLang="zh-CN" sz="1800" i="1" dirty="0">
                             <a:latin typeface="Cambria Math" panose="02040503050406030204" pitchFamily="18" charset="0"/>
                             <a:ea typeface="Cambria Math" panose="02040503050406030204" pitchFamily="18" charset="0"/>
                           </a:rPr>
@@ -10763,7 +11414,7 @@
                       </m:sSubPr>
                       <m:e>
                         <m:r>
-                          <a:rPr lang="en-US" altLang="zh-CN" sz="2000" i="1" dirty="0">
+                          <a:rPr lang="en-US" altLang="zh-CN" sz="1800" i="1" dirty="0">
                             <a:latin typeface="Cambria Math" panose="02040503050406030204" pitchFamily="18" charset="0"/>
                             <a:ea typeface="Cambria Math" panose="02040503050406030204" pitchFamily="18" charset="0"/>
                           </a:rPr>
@@ -10772,7 +11423,7 @@
                       </m:e>
                       <m:sub>
                         <m:r>
-                          <a:rPr lang="en-US" altLang="zh-CN" sz="2000" i="1" dirty="0">
+                          <a:rPr lang="en-US" altLang="zh-CN" sz="1800" i="1" dirty="0">
                             <a:latin typeface="Cambria Math" panose="02040503050406030204" pitchFamily="18" charset="0"/>
                             <a:ea typeface="Cambria Math" panose="02040503050406030204" pitchFamily="18" charset="0"/>
                           </a:rPr>
@@ -10783,13 +11434,38 @@
                   </m:oMath>
                 </a14:m>
                 <a:r>
-                  <a:rPr lang="zh-CN" altLang="en-US" sz="2000" dirty="0" smtClean="0">
+                  <a:rPr lang="zh-CN" altLang="en-US" sz="1800" dirty="0" smtClean="0">
                     <a:latin typeface="Cambria Math" panose="02040503050406030204" pitchFamily="18" charset="0"/>
                     <a:ea typeface="Cambria Math" panose="02040503050406030204" pitchFamily="18" charset="0"/>
                   </a:rPr>
-                  <a:t>其实就相当于最终累积的信息。</a:t>
+                  <a:t>其实就相当于最终累积的</a:t>
                 </a:r>
-                <a:endParaRPr lang="en-US" altLang="zh-CN" sz="2000" dirty="0" smtClean="0">
+                <a:r>
+                  <a:rPr lang="zh-CN" altLang="en-US" sz="1800" dirty="0" smtClean="0">
+                    <a:latin typeface="Cambria Math" panose="02040503050406030204" pitchFamily="18" charset="0"/>
+                    <a:ea typeface="Cambria Math" panose="02040503050406030204" pitchFamily="18" charset="0"/>
+                  </a:rPr>
+                  <a:t>信息，</a:t>
+                </a:r>
+                <a14:m>
+                  <m:oMath xmlns:m="http://schemas.openxmlformats.org/officeDocument/2006/math">
+                    <m:r>
+                      <a:rPr lang="en-US" altLang="zh-CN" sz="1800" i="1" dirty="0" smtClean="0">
+                        <a:latin typeface="Cambria Math" panose="02040503050406030204" pitchFamily="18" charset="0"/>
+                        <a:ea typeface="Cambria Math" panose="02040503050406030204" pitchFamily="18" charset="0"/>
+                      </a:rPr>
+                      <m:t>𝑡</m:t>
+                    </m:r>
+                  </m:oMath>
+                </a14:m>
+                <a:r>
+                  <a:rPr lang="zh-CN" altLang="en-US" sz="1800" dirty="0" smtClean="0">
+                    <a:latin typeface="Cambria Math" panose="02040503050406030204" pitchFamily="18" charset="0"/>
+                    <a:ea typeface="Cambria Math" panose="02040503050406030204" pitchFamily="18" charset="0"/>
+                  </a:rPr>
+                  <a:t>代表着迭代的次数。</a:t>
+                </a:r>
+                <a:endParaRPr lang="en-US" altLang="zh-CN" sz="1800" dirty="0" smtClean="0">
                   <a:latin typeface="Cambria Math" panose="02040503050406030204" pitchFamily="18" charset="0"/>
                   <a:ea typeface="Cambria Math" panose="02040503050406030204" pitchFamily="18" charset="0"/>
                 </a:endParaRPr>
@@ -10816,7 +11492,7 @@
               <a:blipFill rotWithShape="0">
                 <a:blip r:embed="rId3"/>
                 <a:stretch>
-                  <a:fillRect l="-773"/>
+                  <a:fillRect l="-618"/>
                 </a:stretch>
               </a:blipFill>
             </p:spPr>
@@ -10855,7 +11531,238 @@
 </p:sld>
 </file>
 
-<file path=ppt/slides/slide18.xml><?xml version="1.0" encoding="utf-8"?>
+<file path=ppt/slides/slide2.xml><?xml version="1.0" encoding="utf-8"?>
+<p:sld xmlns:a="http://schemas.openxmlformats.org/drawingml/2006/main" xmlns:r="http://schemas.openxmlformats.org/officeDocument/2006/relationships" xmlns:p="http://schemas.openxmlformats.org/presentationml/2006/main">
+  <p:cSld>
+    <p:spTree>
+      <p:nvGrpSpPr>
+        <p:cNvPr id="1" name=""/>
+        <p:cNvGrpSpPr/>
+        <p:nvPr/>
+      </p:nvGrpSpPr>
+      <p:grpSpPr>
+        <a:xfrm>
+          <a:off x="0" y="0"/>
+          <a:ext cx="0" cy="0"/>
+          <a:chOff x="0" y="0"/>
+          <a:chExt cx="0" cy="0"/>
+        </a:xfrm>
+      </p:grpSpPr>
+      <p:sp>
+        <p:nvSpPr>
+          <p:cNvPr id="2" name="标题 1"/>
+          <p:cNvSpPr>
+            <a:spLocks noGrp="1"/>
+          </p:cNvSpPr>
+          <p:nvPr>
+            <p:ph type="title"/>
+          </p:nvPr>
+        </p:nvSpPr>
+        <p:spPr>
+          <a:xfrm>
+            <a:off x="628650" y="365127"/>
+            <a:ext cx="7886700" cy="876934"/>
+          </a:xfrm>
+        </p:spPr>
+        <p:txBody>
+          <a:bodyPr>
+            <a:normAutofit/>
+          </a:bodyPr>
+          <a:lstStyle/>
+          <a:p>
+            <a:pPr algn="ctr">
+              <a:spcBef>
+                <a:spcPts val="750"/>
+              </a:spcBef>
+            </a:pPr>
+            <a:r>
+              <a:rPr lang="zh-CN" altLang="en-US" sz="3200" dirty="0">
+                <a:latin typeface="Cambria Math" panose="02040503050406030204" pitchFamily="18" charset="0"/>
+                <a:ea typeface="Cambria Math" panose="02040503050406030204" pitchFamily="18" charset="0"/>
+                <a:cs typeface="+mn-cs"/>
+              </a:rPr>
+              <a:t>什么是阅读理解</a:t>
+            </a:r>
+          </a:p>
+        </p:txBody>
+      </p:sp>
+      <p:sp>
+        <p:nvSpPr>
+          <p:cNvPr id="3" name="内容占位符 2"/>
+          <p:cNvSpPr>
+            <a:spLocks noGrp="1"/>
+          </p:cNvSpPr>
+          <p:nvPr>
+            <p:ph idx="1"/>
+          </p:nvPr>
+        </p:nvSpPr>
+        <p:spPr>
+          <a:xfrm>
+            <a:off x="628650" y="1546860"/>
+            <a:ext cx="7886700" cy="4630103"/>
+          </a:xfrm>
+        </p:spPr>
+        <p:txBody>
+          <a:bodyPr>
+            <a:normAutofit/>
+          </a:bodyPr>
+          <a:lstStyle/>
+          <a:p>
+            <a:pPr marL="0" indent="0">
+              <a:buNone/>
+            </a:pPr>
+            <a:r>
+              <a:rPr lang="en-US" altLang="zh-CN" sz="2400" dirty="0">
+                <a:latin typeface="Cambria Math" panose="02040503050406030204" pitchFamily="18" charset="0"/>
+                <a:ea typeface="Cambria Math" panose="02040503050406030204" pitchFamily="18" charset="0"/>
+              </a:rPr>
+              <a:t>Cloze-style </a:t>
+            </a:r>
+            <a:r>
+              <a:rPr lang="zh-CN" altLang="en-US" sz="2400" dirty="0">
+                <a:latin typeface="Cambria Math" panose="02040503050406030204" pitchFamily="18" charset="0"/>
+                <a:ea typeface="Cambria Math" panose="02040503050406030204" pitchFamily="18" charset="0"/>
+              </a:rPr>
+              <a:t>阅读理解</a:t>
+            </a:r>
+            <a:endParaRPr lang="en-US" altLang="zh-CN" sz="2400" dirty="0">
+              <a:latin typeface="Cambria Math" panose="02040503050406030204" pitchFamily="18" charset="0"/>
+              <a:ea typeface="Cambria Math" panose="02040503050406030204" pitchFamily="18" charset="0"/>
+            </a:endParaRPr>
+          </a:p>
+        </p:txBody>
+      </p:sp>
+      <p:pic>
+        <p:nvPicPr>
+          <p:cNvPr id="7" name="图片 6"/>
+          <p:cNvPicPr>
+            <a:picLocks noChangeAspect="1"/>
+          </p:cNvPicPr>
+          <p:nvPr/>
+        </p:nvPicPr>
+        <p:blipFill>
+          <a:blip r:embed="rId3">
+            <a:extLst>
+              <a:ext uri="{28A0092B-C50C-407E-A947-70E740481C1C}">
+                <a14:useLocalDpi xmlns:a14="http://schemas.microsoft.com/office/drawing/2010/main" val="0"/>
+              </a:ext>
+            </a:extLst>
+          </a:blip>
+          <a:stretch>
+            <a:fillRect/>
+          </a:stretch>
+        </p:blipFill>
+        <p:spPr>
+          <a:xfrm>
+            <a:off x="768499" y="2098363"/>
+            <a:ext cx="4308366" cy="3527095"/>
+          </a:xfrm>
+          <a:prstGeom prst="rect">
+            <a:avLst/>
+          </a:prstGeom>
+        </p:spPr>
+      </p:pic>
+      <p:sp>
+        <p:nvSpPr>
+          <p:cNvPr id="8" name="文本框 7"/>
+          <p:cNvSpPr txBox="1"/>
+          <p:nvPr/>
+        </p:nvSpPr>
+        <p:spPr>
+          <a:xfrm>
+            <a:off x="5313533" y="3123246"/>
+            <a:ext cx="3201817" cy="2133918"/>
+          </a:xfrm>
+          <a:prstGeom prst="rect">
+            <a:avLst/>
+          </a:prstGeom>
+          <a:noFill/>
+        </p:spPr>
+        <p:txBody>
+          <a:bodyPr wrap="square" rtlCol="0">
+            <a:spAutoFit/>
+          </a:bodyPr>
+          <a:lstStyle/>
+          <a:p>
+            <a:pPr marL="342900" indent="-342900" defTabSz="685800">
+              <a:spcBef>
+                <a:spcPts val="750"/>
+              </a:spcBef>
+              <a:buFont typeface="+mj-lt"/>
+              <a:buAutoNum type="arabicPeriod"/>
+            </a:pPr>
+            <a:r>
+              <a:rPr lang="zh-CN" altLang="en-US" dirty="0">
+                <a:latin typeface="Cambria Math" panose="02040503050406030204" pitchFamily="18" charset="0"/>
+                <a:ea typeface="Cambria Math" panose="02040503050406030204" pitchFamily="18" charset="0"/>
+              </a:rPr>
+              <a:t>问题是对短文的总结，而不是仅仅从短文中摘录一句话形成的。</a:t>
+            </a:r>
+            <a:endParaRPr lang="en-US" altLang="zh-CN" dirty="0">
+              <a:latin typeface="Cambria Math" panose="02040503050406030204" pitchFamily="18" charset="0"/>
+              <a:ea typeface="Cambria Math" panose="02040503050406030204" pitchFamily="18" charset="0"/>
+            </a:endParaRPr>
+          </a:p>
+          <a:p>
+            <a:pPr marL="342900" indent="-342900" defTabSz="685800">
+              <a:spcBef>
+                <a:spcPts val="750"/>
+              </a:spcBef>
+              <a:buFont typeface="+mj-lt"/>
+              <a:buAutoNum type="arabicPeriod"/>
+            </a:pPr>
+            <a:r>
+              <a:rPr lang="en-US" altLang="zh-CN" dirty="0">
+                <a:latin typeface="Cambria Math" panose="02040503050406030204" pitchFamily="18" charset="0"/>
+                <a:ea typeface="Cambria Math" panose="02040503050406030204" pitchFamily="18" charset="0"/>
+              </a:rPr>
+              <a:t>Cloze-style</a:t>
+            </a:r>
+            <a:r>
+              <a:rPr lang="zh-CN" altLang="en-US" dirty="0">
+                <a:latin typeface="Cambria Math" panose="02040503050406030204" pitchFamily="18" charset="0"/>
+                <a:ea typeface="Cambria Math" panose="02040503050406030204" pitchFamily="18" charset="0"/>
+              </a:rPr>
+              <a:t>形式的表达，保证了问题的答案一定会出现在短文中， 答案是短文中的某个</a:t>
+            </a:r>
+            <a:r>
+              <a:rPr lang="zh-CN" altLang="en-US" dirty="0" smtClean="0">
+                <a:latin typeface="Cambria Math" panose="02040503050406030204" pitchFamily="18" charset="0"/>
+                <a:ea typeface="Cambria Math" panose="02040503050406030204" pitchFamily="18" charset="0"/>
+              </a:rPr>
+              <a:t>实体</a:t>
+            </a:r>
+            <a:r>
+              <a:rPr lang="zh-CN" altLang="en-US" dirty="0">
+                <a:latin typeface="微软雅黑" panose="020B0503020204020204" pitchFamily="34" charset="-122"/>
+                <a:ea typeface="微软雅黑" panose="020B0503020204020204" pitchFamily="34" charset="-122"/>
+              </a:rPr>
+              <a:t>。</a:t>
+            </a:r>
+          </a:p>
+        </p:txBody>
+      </p:sp>
+    </p:spTree>
+    <p:extLst>
+      <p:ext uri="{BB962C8B-B14F-4D97-AF65-F5344CB8AC3E}">
+        <p14:creationId xmlns:p14="http://schemas.microsoft.com/office/powerpoint/2010/main" val="447046048"/>
+      </p:ext>
+    </p:extLst>
+  </p:cSld>
+  <p:clrMapOvr>
+    <a:masterClrMapping/>
+  </p:clrMapOvr>
+  <p:timing>
+    <p:tnLst>
+      <p:par>
+        <p:cTn id="1" dur="indefinite" restart="never" nodeType="tmRoot"/>
+      </p:par>
+    </p:tnLst>
+  </p:timing>
+</p:sld>
+</file>
+
+<file path=ppt/slides/slide20.xml><?xml version="1.0" encoding="utf-8"?>
 <p:sld xmlns:a="http://schemas.openxmlformats.org/drawingml/2006/main" xmlns:r="http://schemas.openxmlformats.org/officeDocument/2006/relationships" xmlns:p="http://schemas.openxmlformats.org/presentationml/2006/main">
   <p:cSld>
     <p:spTree>
@@ -10935,7 +11842,7 @@
             </p:spPr>
             <p:txBody>
               <a:bodyPr>
-                <a:normAutofit/>
+                <a:noAutofit/>
               </a:bodyPr>
               <a:lstStyle/>
               <a:p>
@@ -10946,13 +11853,13 @@
                   <a:buNone/>
                 </a:pPr>
                 <a:r>
-                  <a:rPr lang="zh-CN" altLang="en-US" sz="2000" dirty="0" smtClean="0">
+                  <a:rPr lang="zh-CN" altLang="en-US" sz="1800" dirty="0" smtClean="0">
                     <a:latin typeface="Cambria Math" panose="02040503050406030204" pitchFamily="18" charset="0"/>
                     <a:ea typeface="Cambria Math" panose="02040503050406030204" pitchFamily="18" charset="0"/>
                   </a:rPr>
                   <a:t>进一步控制信息，加入门的结构。</a:t>
                 </a:r>
-                <a:endParaRPr lang="en-US" altLang="zh-CN" sz="2000" dirty="0" smtClean="0">
+                <a:endParaRPr lang="en-US" altLang="zh-CN" sz="1800" dirty="0" smtClean="0">
                   <a:latin typeface="Cambria Math" panose="02040503050406030204" pitchFamily="18" charset="0"/>
                   <a:ea typeface="Cambria Math" panose="02040503050406030204" pitchFamily="18" charset="0"/>
                 </a:endParaRPr>
@@ -10965,13 +11872,13 @@
                   <a:buNone/>
                 </a:pPr>
                 <a:r>
-                  <a:rPr lang="zh-CN" altLang="en-US" sz="2000" dirty="0" smtClean="0">
+                  <a:rPr lang="zh-CN" altLang="en-US" sz="1800" dirty="0" smtClean="0">
                     <a:latin typeface="Cambria Math" panose="02040503050406030204" pitchFamily="18" charset="0"/>
                     <a:ea typeface="Cambria Math" panose="02040503050406030204" pitchFamily="18" charset="0"/>
                   </a:rPr>
                   <a:t>主要考虑到的是每次感悟到的信息可能对于最终预测答案是没用的，加入门结构，调整每次信息。</a:t>
                 </a:r>
-                <a:endParaRPr lang="en-US" altLang="zh-CN" sz="2000" dirty="0">
+                <a:endParaRPr lang="en-US" altLang="zh-CN" sz="1800" dirty="0">
                   <a:latin typeface="Cambria Math" panose="02040503050406030204" pitchFamily="18" charset="0"/>
                   <a:ea typeface="Cambria Math" panose="02040503050406030204" pitchFamily="18" charset="0"/>
                 </a:endParaRPr>
@@ -10984,7 +11891,7 @@
                   <a:buNone/>
                 </a:pPr>
                 <a:r>
-                  <a:rPr lang="zh-CN" altLang="en-US" sz="2000" dirty="0" smtClean="0">
+                  <a:rPr lang="zh-CN" altLang="en-US" sz="1800" dirty="0" smtClean="0">
                     <a:latin typeface="Cambria Math" panose="02040503050406030204" pitchFamily="18" charset="0"/>
                     <a:ea typeface="Cambria Math" panose="02040503050406030204" pitchFamily="18" charset="0"/>
                   </a:rPr>
@@ -10993,7 +11900,7 @@
                 <a14:m>
                   <m:oMath xmlns:m="http://schemas.openxmlformats.org/officeDocument/2006/math">
                     <m:r>
-                      <a:rPr lang="en-US" altLang="zh-CN" sz="2000" i="1" dirty="0" smtClean="0">
+                      <a:rPr lang="en-US" altLang="zh-CN" sz="1800" i="1" dirty="0" smtClean="0">
                         <a:latin typeface="Cambria Math" panose="02040503050406030204" pitchFamily="18" charset="0"/>
                         <a:ea typeface="Cambria Math" panose="02040503050406030204" pitchFamily="18" charset="0"/>
                       </a:rPr>
@@ -11002,79 +11909,93 @@
                   </m:oMath>
                 </a14:m>
                 <a:r>
-                  <a:rPr lang="zh-CN" altLang="en-US" sz="2000" dirty="0" smtClean="0">
+                  <a:rPr lang="zh-CN" altLang="en-US" sz="1800" dirty="0" smtClean="0">
                     <a:latin typeface="Cambria Math" panose="02040503050406030204" pitchFamily="18" charset="0"/>
                     <a:ea typeface="Cambria Math" panose="02040503050406030204" pitchFamily="18" charset="0"/>
                   </a:rPr>
                   <a:t>可以是一个两层的</a:t>
                 </a:r>
                 <a:r>
-                  <a:rPr lang="en-US" altLang="zh-CN" sz="2000" dirty="0" smtClean="0">
+                  <a:rPr lang="en-US" altLang="zh-CN" sz="1800" dirty="0" smtClean="0">
                     <a:latin typeface="Cambria Math" panose="02040503050406030204" pitchFamily="18" charset="0"/>
                     <a:ea typeface="Cambria Math" panose="02040503050406030204" pitchFamily="18" charset="0"/>
                   </a:rPr>
                   <a:t>MLP</a:t>
                 </a:r>
                 <a:r>
-                  <a:rPr lang="zh-CN" altLang="en-US" sz="2000" dirty="0" smtClean="0">
+                  <a:rPr lang="zh-CN" altLang="en-US" sz="1800" dirty="0" smtClean="0">
                     <a:latin typeface="Cambria Math" panose="02040503050406030204" pitchFamily="18" charset="0"/>
                     <a:ea typeface="Cambria Math" panose="02040503050406030204" pitchFamily="18" charset="0"/>
                   </a:rPr>
-                  <a:t>，相当于做一个线性的转化，使得最终的维数和</a:t>
+                  <a:t>（最终的激活函数选择</a:t>
+                </a:r>
+                <a:r>
+                  <a:rPr lang="en-US" altLang="zh-CN" sz="1800" dirty="0" smtClean="0">
+                    <a:latin typeface="Cambria Math" panose="02040503050406030204" pitchFamily="18" charset="0"/>
+                    <a:ea typeface="Cambria Math" panose="02040503050406030204" pitchFamily="18" charset="0"/>
+                  </a:rPr>
+                  <a:t>sigmoid</a:t>
+                </a:r>
+                <a:r>
+                  <a:rPr lang="zh-CN" altLang="en-US" sz="1800" dirty="0" smtClean="0">
+                    <a:latin typeface="Cambria Math" panose="02040503050406030204" pitchFamily="18" charset="0"/>
+                    <a:ea typeface="Cambria Math" panose="02040503050406030204" pitchFamily="18" charset="0"/>
+                  </a:rPr>
+                  <a:t>），相当于做一个线性的转化，使得最终的维数和</a:t>
                 </a:r>
                 <a14:m>
                   <m:oMath xmlns:m="http://schemas.openxmlformats.org/officeDocument/2006/math">
                     <m:r>
-                      <a:rPr lang="en-US" altLang="zh-CN" sz="2000" i="1" dirty="0" smtClean="0">
+                      <a:rPr lang="en-US" altLang="zh-CN" sz="1800" i="1" dirty="0" smtClean="0">
                         <a:latin typeface="Cambria Math" panose="02040503050406030204" pitchFamily="18" charset="0"/>
                         <a:ea typeface="Cambria Math" panose="02040503050406030204" pitchFamily="18" charset="0"/>
                       </a:rPr>
                       <m:t>𝑞</m:t>
                     </m:r>
                     <m:r>
-                      <a:rPr lang="en-US" altLang="zh-CN" sz="2000" i="1" dirty="0" smtClean="0">
+                      <a:rPr lang="en-US" altLang="zh-CN" sz="1800" i="1" dirty="0" smtClean="0">
                         <a:latin typeface="Cambria Math" panose="02040503050406030204" pitchFamily="18" charset="0"/>
                         <a:ea typeface="Cambria Math" panose="02040503050406030204" pitchFamily="18" charset="0"/>
                       </a:rPr>
                       <m:t>(</m:t>
                     </m:r>
                     <m:r>
-                      <a:rPr lang="en-US" altLang="zh-CN" sz="2000" i="1" dirty="0" smtClean="0">
+                      <a:rPr lang="en-US" altLang="zh-CN" sz="1800" i="1" dirty="0" smtClean="0">
                         <a:latin typeface="Cambria Math" panose="02040503050406030204" pitchFamily="18" charset="0"/>
                         <a:ea typeface="Cambria Math" panose="02040503050406030204" pitchFamily="18" charset="0"/>
                       </a:rPr>
                       <m:t>𝑡</m:t>
                     </m:r>
                     <m:r>
-                      <a:rPr lang="en-US" altLang="zh-CN" sz="2000" i="1" dirty="0" smtClean="0">
+                      <a:rPr lang="en-US" altLang="zh-CN" sz="1800" i="1" dirty="0" smtClean="0">
                         <a:latin typeface="Cambria Math" panose="02040503050406030204" pitchFamily="18" charset="0"/>
                         <a:ea typeface="Cambria Math" panose="02040503050406030204" pitchFamily="18" charset="0"/>
                       </a:rPr>
                       <m:t>),</m:t>
                     </m:r>
                     <m:r>
-                      <a:rPr lang="en-US" altLang="zh-CN" sz="2000" i="1" dirty="0" smtClean="0">
+                      <a:rPr lang="en-US" altLang="zh-CN" sz="1800" i="1" dirty="0" smtClean="0">
                         <a:latin typeface="Cambria Math" panose="02040503050406030204" pitchFamily="18" charset="0"/>
                         <a:ea typeface="Cambria Math" panose="02040503050406030204" pitchFamily="18" charset="0"/>
                       </a:rPr>
                       <m:t>𝑝</m:t>
                     </m:r>
                     <m:r>
-                      <a:rPr lang="en-US" altLang="zh-CN" sz="2000" i="1" dirty="0" smtClean="0">
+                      <a:rPr lang="en-US" altLang="zh-CN" sz="1800" i="1" dirty="0" smtClean="0">
                         <a:latin typeface="Cambria Math" panose="02040503050406030204" pitchFamily="18" charset="0"/>
                         <a:ea typeface="Cambria Math" panose="02040503050406030204" pitchFamily="18" charset="0"/>
                       </a:rPr>
                       <m:t>(</m:t>
                     </m:r>
                     <m:r>
-                      <a:rPr lang="en-US" altLang="zh-CN" sz="2000" i="1" dirty="0" smtClean="0">
+                      <a:rPr lang="en-US" altLang="zh-CN" sz="1800" i="1" dirty="0" smtClean="0">
                         <a:latin typeface="Cambria Math" panose="02040503050406030204" pitchFamily="18" charset="0"/>
                         <a:ea typeface="Cambria Math" panose="02040503050406030204" pitchFamily="18" charset="0"/>
                       </a:rPr>
                       <m:t>𝑡</m:t>
                     </m:r>
                     <m:r>
-                      <a:rPr lang="en-US" altLang="zh-CN" sz="2000" i="1" dirty="0" smtClean="0">
+                      <a:rPr lang="en-US" altLang="zh-CN" sz="1800" i="1" dirty="0" smtClean="0">
                         <a:latin typeface="Cambria Math" panose="02040503050406030204" pitchFamily="18" charset="0"/>
                         <a:ea typeface="Cambria Math" panose="02040503050406030204" pitchFamily="18" charset="0"/>
                       </a:rPr>
@@ -11083,13 +12004,13 @@
                   </m:oMath>
                 </a14:m>
                 <a:r>
-                  <a:rPr lang="zh-CN" altLang="en-US" sz="2000" dirty="0" smtClean="0">
+                  <a:rPr lang="zh-CN" altLang="en-US" sz="1800" dirty="0" smtClean="0">
                     <a:latin typeface="Cambria Math" panose="02040503050406030204" pitchFamily="18" charset="0"/>
                     <a:ea typeface="Cambria Math" panose="02040503050406030204" pitchFamily="18" charset="0"/>
                   </a:rPr>
                   <a:t>是一致的。</a:t>
                 </a:r>
-                <a:endParaRPr lang="en-US" altLang="zh-CN" sz="2000" dirty="0" smtClean="0">
+                <a:endParaRPr lang="en-US" altLang="zh-CN" sz="1800" dirty="0" smtClean="0">
                   <a:latin typeface="Cambria Math" panose="02040503050406030204" pitchFamily="18" charset="0"/>
                   <a:ea typeface="Cambria Math" panose="02040503050406030204" pitchFamily="18" charset="0"/>
                 </a:endParaRPr>
@@ -11108,28 +12029,28 @@
                     </m:oMathParaPr>
                     <m:oMath xmlns:m="http://schemas.openxmlformats.org/officeDocument/2006/math">
                       <m:r>
-                        <a:rPr lang="en-US" altLang="zh-CN" sz="2000" i="1" dirty="0" smtClean="0">
+                        <a:rPr lang="en-US" altLang="zh-CN" sz="1800" i="1" dirty="0" smtClean="0">
                           <a:latin typeface="Cambria Math" panose="02040503050406030204" pitchFamily="18" charset="0"/>
                           <a:ea typeface="Cambria Math" panose="02040503050406030204" pitchFamily="18" charset="0"/>
                         </a:rPr>
                         <m:t>𝑔𝑎𝑡𝑒</m:t>
                       </m:r>
                       <m:r>
-                        <a:rPr lang="en-US" altLang="zh-CN" sz="2000" b="0" i="1" dirty="0" smtClean="0">
+                        <a:rPr lang="en-US" altLang="zh-CN" sz="1800" b="0" i="1" dirty="0" smtClean="0">
                           <a:latin typeface="Cambria Math" panose="02040503050406030204" pitchFamily="18" charset="0"/>
                           <a:ea typeface="Cambria Math" panose="02040503050406030204" pitchFamily="18" charset="0"/>
                         </a:rPr>
                         <m:t>=</m:t>
                       </m:r>
                       <m:r>
-                        <a:rPr lang="en-US" altLang="zh-CN" sz="2000" b="0" i="1" dirty="0" smtClean="0">
+                        <a:rPr lang="en-US" altLang="zh-CN" sz="1800" b="0" i="1" dirty="0" smtClean="0">
                           <a:latin typeface="Cambria Math" panose="02040503050406030204" pitchFamily="18" charset="0"/>
                           <a:ea typeface="Cambria Math" panose="02040503050406030204" pitchFamily="18" charset="0"/>
                         </a:rPr>
                         <m:t>𝑔</m:t>
                       </m:r>
                       <m:r>
-                        <a:rPr lang="en-US" altLang="zh-CN" sz="2000" b="0" i="1" dirty="0" smtClean="0">
+                        <a:rPr lang="en-US" altLang="zh-CN" sz="1800" b="0" i="1" dirty="0" smtClean="0">
                           <a:latin typeface="Cambria Math" panose="02040503050406030204" pitchFamily="18" charset="0"/>
                           <a:ea typeface="Cambria Math" panose="02040503050406030204" pitchFamily="18" charset="0"/>
                         </a:rPr>
@@ -11138,7 +12059,7 @@
                       <m:sSub>
                         <m:sSubPr>
                           <m:ctrlPr>
-                            <a:rPr lang="en-US" altLang="zh-CN" sz="2000" i="1" dirty="0">
+                            <a:rPr lang="en-US" altLang="zh-CN" sz="1800" i="1" dirty="0">
                               <a:latin typeface="Cambria Math" panose="02040503050406030204" pitchFamily="18" charset="0"/>
                               <a:ea typeface="Cambria Math" panose="02040503050406030204" pitchFamily="18" charset="0"/>
                             </a:rPr>
@@ -11146,7 +12067,7 @@
                         </m:sSubPr>
                         <m:e>
                           <m:r>
-                            <a:rPr lang="en-US" altLang="zh-CN" sz="2000" i="1" dirty="0">
+                            <a:rPr lang="en-US" altLang="zh-CN" sz="1800" i="1" dirty="0">
                               <a:latin typeface="Cambria Math" panose="02040503050406030204" pitchFamily="18" charset="0"/>
                               <a:ea typeface="Cambria Math" panose="02040503050406030204" pitchFamily="18" charset="0"/>
                             </a:rPr>
@@ -11155,14 +12076,14 @@
                         </m:e>
                         <m:sub>
                           <m:r>
-                            <a:rPr lang="en-US" altLang="zh-CN" sz="2000" i="1" dirty="0">
+                            <a:rPr lang="en-US" altLang="zh-CN" sz="1800" i="1" dirty="0">
                               <a:latin typeface="Cambria Math" panose="02040503050406030204" pitchFamily="18" charset="0"/>
                               <a:ea typeface="Cambria Math" panose="02040503050406030204" pitchFamily="18" charset="0"/>
                             </a:rPr>
                             <m:t>𝑡</m:t>
                           </m:r>
                           <m:r>
-                            <a:rPr lang="en-US" altLang="zh-CN" sz="2000" i="1" dirty="0">
+                            <a:rPr lang="en-US" altLang="zh-CN" sz="1800" i="1" dirty="0">
                               <a:latin typeface="Cambria Math" panose="02040503050406030204" pitchFamily="18" charset="0"/>
                               <a:ea typeface="Cambria Math" panose="02040503050406030204" pitchFamily="18" charset="0"/>
                             </a:rPr>
@@ -11171,14 +12092,14 @@
                         </m:sub>
                       </m:sSub>
                       <m:r>
-                        <a:rPr lang="en-US" altLang="zh-CN" sz="2000" b="0" i="1" dirty="0" smtClean="0">
+                        <a:rPr lang="en-US" altLang="zh-CN" sz="1800" b="0" i="1" dirty="0" smtClean="0">
                           <a:latin typeface="Cambria Math" panose="02040503050406030204" pitchFamily="18" charset="0"/>
                           <a:ea typeface="Cambria Math" panose="02040503050406030204" pitchFamily="18" charset="0"/>
                         </a:rPr>
                         <m:t>,</m:t>
                       </m:r>
                       <m:r>
-                        <a:rPr lang="en-US" altLang="zh-CN" sz="2000" i="1" dirty="0">
+                        <a:rPr lang="en-US" altLang="zh-CN" sz="1800" i="1" dirty="0">
                           <a:latin typeface="Cambria Math" panose="02040503050406030204" pitchFamily="18" charset="0"/>
                           <a:ea typeface="Cambria Math" panose="02040503050406030204" pitchFamily="18" charset="0"/>
                         </a:rPr>
@@ -11187,7 +12108,7 @@
                       <m:d>
                         <m:dPr>
                           <m:ctrlPr>
-                            <a:rPr lang="en-US" altLang="zh-CN" sz="2000" i="1" dirty="0">
+                            <a:rPr lang="en-US" altLang="zh-CN" sz="1800" i="1" dirty="0">
                               <a:latin typeface="Cambria Math" panose="02040503050406030204" pitchFamily="18" charset="0"/>
                               <a:ea typeface="Cambria Math" panose="02040503050406030204" pitchFamily="18" charset="0"/>
                             </a:rPr>
@@ -11195,7 +12116,7 @@
                         </m:dPr>
                         <m:e>
                           <m:r>
-                            <a:rPr lang="en-US" altLang="zh-CN" sz="2000" i="1" dirty="0">
+                            <a:rPr lang="en-US" altLang="zh-CN" sz="1800" i="1" dirty="0">
                               <a:latin typeface="Cambria Math" panose="02040503050406030204" pitchFamily="18" charset="0"/>
                               <a:ea typeface="Cambria Math" panose="02040503050406030204" pitchFamily="18" charset="0"/>
                             </a:rPr>
@@ -11204,14 +12125,14 @@
                         </m:e>
                       </m:d>
                       <m:r>
-                        <a:rPr lang="en-US" altLang="zh-CN" sz="2000" b="0" i="1" dirty="0" smtClean="0">
+                        <a:rPr lang="en-US" altLang="zh-CN" sz="1800" b="0" i="1" dirty="0" smtClean="0">
                           <a:latin typeface="Cambria Math" panose="02040503050406030204" pitchFamily="18" charset="0"/>
                           <a:ea typeface="Cambria Math" panose="02040503050406030204" pitchFamily="18" charset="0"/>
                         </a:rPr>
                         <m:t>,</m:t>
                       </m:r>
                       <m:r>
-                        <a:rPr lang="en-US" altLang="zh-CN" sz="2000" b="0" i="1" dirty="0" smtClean="0">
+                        <a:rPr lang="en-US" altLang="zh-CN" sz="1800" b="0" i="1" dirty="0" smtClean="0">
                           <a:latin typeface="Cambria Math" panose="02040503050406030204" pitchFamily="18" charset="0"/>
                           <a:ea typeface="Cambria Math" panose="02040503050406030204" pitchFamily="18" charset="0"/>
                         </a:rPr>
@@ -11220,7 +12141,7 @@
                       <m:d>
                         <m:dPr>
                           <m:ctrlPr>
-                            <a:rPr lang="en-US" altLang="zh-CN" sz="2000" b="0" i="1" dirty="0" smtClean="0">
+                            <a:rPr lang="en-US" altLang="zh-CN" sz="1800" b="0" i="1" dirty="0" smtClean="0">
                               <a:latin typeface="Cambria Math" panose="02040503050406030204" pitchFamily="18" charset="0"/>
                               <a:ea typeface="Cambria Math" panose="02040503050406030204" pitchFamily="18" charset="0"/>
                             </a:rPr>
@@ -11228,7 +12149,7 @@
                         </m:dPr>
                         <m:e>
                           <m:r>
-                            <a:rPr lang="en-US" altLang="zh-CN" sz="2000" b="0" i="1" dirty="0" smtClean="0">
+                            <a:rPr lang="en-US" altLang="zh-CN" sz="1800" b="0" i="1" dirty="0" smtClean="0">
                               <a:latin typeface="Cambria Math" panose="02040503050406030204" pitchFamily="18" charset="0"/>
                               <a:ea typeface="Cambria Math" panose="02040503050406030204" pitchFamily="18" charset="0"/>
                             </a:rPr>
@@ -11237,14 +12158,14 @@
                         </m:e>
                       </m:d>
                       <m:r>
-                        <a:rPr lang="en-US" altLang="zh-CN" sz="2000" b="0" i="1" dirty="0" smtClean="0">
+                        <a:rPr lang="en-US" altLang="zh-CN" sz="1800" b="0" i="1" dirty="0" smtClean="0">
                           <a:latin typeface="Cambria Math" panose="02040503050406030204" pitchFamily="18" charset="0"/>
                           <a:ea typeface="Cambria Math" panose="02040503050406030204" pitchFamily="18" charset="0"/>
                         </a:rPr>
                         <m:t>,</m:t>
                       </m:r>
                       <m:r>
-                        <a:rPr lang="en-US" altLang="zh-CN" sz="2000" b="0" i="1" dirty="0" smtClean="0">
+                        <a:rPr lang="en-US" altLang="zh-CN" sz="1800" b="0" i="1" dirty="0" smtClean="0">
                           <a:latin typeface="Cambria Math" panose="02040503050406030204" pitchFamily="18" charset="0"/>
                           <a:ea typeface="Cambria Math" panose="02040503050406030204" pitchFamily="18" charset="0"/>
                         </a:rPr>
@@ -11253,7 +12174,7 @@
                       <m:d>
                         <m:dPr>
                           <m:ctrlPr>
-                            <a:rPr lang="en-US" altLang="zh-CN" sz="2000" b="0" i="1" dirty="0" smtClean="0">
+                            <a:rPr lang="en-US" altLang="zh-CN" sz="1800" b="0" i="1" dirty="0" smtClean="0">
                               <a:latin typeface="Cambria Math" panose="02040503050406030204" pitchFamily="18" charset="0"/>
                               <a:ea typeface="Cambria Math" panose="02040503050406030204" pitchFamily="18" charset="0"/>
                             </a:rPr>
@@ -11261,7 +12182,7 @@
                         </m:dPr>
                         <m:e>
                           <m:r>
-                            <a:rPr lang="en-US" altLang="zh-CN" sz="2000" b="0" i="1" dirty="0" smtClean="0">
+                            <a:rPr lang="en-US" altLang="zh-CN" sz="1800" b="0" i="1" dirty="0" smtClean="0">
                               <a:latin typeface="Cambria Math" panose="02040503050406030204" pitchFamily="18" charset="0"/>
                               <a:ea typeface="Cambria Math" panose="02040503050406030204" pitchFamily="18" charset="0"/>
                             </a:rPr>
@@ -11270,35 +12191,35 @@
                         </m:e>
                       </m:d>
                       <m:r>
-                        <a:rPr lang="en-US" altLang="zh-CN" sz="2000" b="0" i="1" dirty="0" smtClean="0">
+                        <a:rPr lang="en-US" altLang="zh-CN" sz="1800" b="0" i="1" dirty="0" smtClean="0">
                           <a:latin typeface="Cambria Math" panose="02040503050406030204" pitchFamily="18" charset="0"/>
                           <a:ea typeface="Cambria Math" panose="02040503050406030204" pitchFamily="18" charset="0"/>
                         </a:rPr>
                         <m:t>∗</m:t>
                       </m:r>
                       <m:r>
-                        <a:rPr lang="en-US" altLang="zh-CN" sz="2000" b="0" i="1" dirty="0" smtClean="0">
+                        <a:rPr lang="en-US" altLang="zh-CN" sz="1800" b="0" i="1" dirty="0" smtClean="0">
                           <a:latin typeface="Cambria Math" panose="02040503050406030204" pitchFamily="18" charset="0"/>
                           <a:ea typeface="Cambria Math" panose="02040503050406030204" pitchFamily="18" charset="0"/>
                         </a:rPr>
                         <m:t>𝑝</m:t>
                       </m:r>
                       <m:r>
-                        <a:rPr lang="en-US" altLang="zh-CN" sz="2000" b="0" i="1" dirty="0" smtClean="0">
+                        <a:rPr lang="en-US" altLang="zh-CN" sz="1800" b="0" i="1" dirty="0" smtClean="0">
                           <a:latin typeface="Cambria Math" panose="02040503050406030204" pitchFamily="18" charset="0"/>
                           <a:ea typeface="Cambria Math" panose="02040503050406030204" pitchFamily="18" charset="0"/>
                         </a:rPr>
                         <m:t>(</m:t>
                       </m:r>
                       <m:r>
-                        <a:rPr lang="en-US" altLang="zh-CN" sz="2000" b="0" i="1" dirty="0" smtClean="0">
+                        <a:rPr lang="en-US" altLang="zh-CN" sz="1800" b="0" i="1" dirty="0" smtClean="0">
                           <a:latin typeface="Cambria Math" panose="02040503050406030204" pitchFamily="18" charset="0"/>
                           <a:ea typeface="Cambria Math" panose="02040503050406030204" pitchFamily="18" charset="0"/>
                         </a:rPr>
                         <m:t>𝑡</m:t>
                       </m:r>
                       <m:r>
-                        <a:rPr lang="en-US" altLang="zh-CN" sz="2000" b="0" i="1" dirty="0" smtClean="0">
+                        <a:rPr lang="en-US" altLang="zh-CN" sz="1800" b="0" i="1" dirty="0" smtClean="0">
                           <a:latin typeface="Cambria Math" panose="02040503050406030204" pitchFamily="18" charset="0"/>
                           <a:ea typeface="Cambria Math" panose="02040503050406030204" pitchFamily="18" charset="0"/>
                         </a:rPr>
@@ -11307,7 +12228,7 @@
                     </m:oMath>
                   </m:oMathPara>
                 </a14:m>
-                <a:endParaRPr lang="en-US" altLang="zh-CN" sz="2000" i="1" dirty="0" smtClean="0">
+                <a:endParaRPr lang="en-US" altLang="zh-CN" sz="1800" i="1" dirty="0" smtClean="0">
                   <a:latin typeface="Cambria Math" panose="02040503050406030204" pitchFamily="18" charset="0"/>
                   <a:ea typeface="Cambria Math" panose="02040503050406030204" pitchFamily="18" charset="0"/>
                 </a:endParaRPr>
@@ -11320,20 +12241,27 @@
                   <a:buNone/>
                 </a:pPr>
                 <a:r>
-                  <a:rPr lang="zh-CN" altLang="en-US" sz="2000" dirty="0">
+                  <a:rPr lang="zh-CN" altLang="en-US" sz="1800" dirty="0">
                     <a:latin typeface="Cambria Math" panose="02040503050406030204" pitchFamily="18" charset="0"/>
                     <a:ea typeface="Cambria Math" panose="02040503050406030204" pitchFamily="18" charset="0"/>
                   </a:rPr>
                   <a:t>最终</a:t>
                 </a:r>
                 <a:r>
-                  <a:rPr lang="zh-CN" altLang="en-US" sz="2000" dirty="0" smtClean="0">
+                  <a:rPr lang="zh-CN" altLang="en-US" sz="1800" dirty="0" smtClean="0">
                     <a:latin typeface="Cambria Math" panose="02040503050406030204" pitchFamily="18" charset="0"/>
                     <a:ea typeface="Cambria Math" panose="02040503050406030204" pitchFamily="18" charset="0"/>
                   </a:rPr>
-                  <a:t>的信息累积函数如下</a:t>
+                  <a:t>的信息累积函数</a:t>
                 </a:r>
-                <a:endParaRPr lang="en-US" altLang="zh-CN" sz="2000" dirty="0" smtClean="0">
+                <a:r>
+                  <a:rPr lang="zh-CN" altLang="en-US" sz="1800" dirty="0" smtClean="0">
+                    <a:latin typeface="Cambria Math" panose="02040503050406030204" pitchFamily="18" charset="0"/>
+                    <a:ea typeface="Cambria Math" panose="02040503050406030204" pitchFamily="18" charset="0"/>
+                  </a:rPr>
+                  <a:t>如下</a:t>
+                </a:r>
+                <a:endParaRPr lang="en-US" altLang="zh-CN" sz="1800" dirty="0" smtClean="0">
                   <a:latin typeface="Cambria Math" panose="02040503050406030204" pitchFamily="18" charset="0"/>
                   <a:ea typeface="Cambria Math" panose="02040503050406030204" pitchFamily="18" charset="0"/>
                 </a:endParaRPr>
@@ -11354,7 +12282,7 @@
                       <m:sSub>
                         <m:sSubPr>
                           <m:ctrlPr>
-                            <a:rPr lang="en-US" altLang="zh-CN" sz="2000" i="1" dirty="0">
+                            <a:rPr lang="en-US" altLang="zh-CN" sz="1800" i="1" dirty="0">
                               <a:latin typeface="Cambria Math" panose="02040503050406030204" pitchFamily="18" charset="0"/>
                               <a:ea typeface="Cambria Math" panose="02040503050406030204" pitchFamily="18" charset="0"/>
                             </a:rPr>
@@ -11362,7 +12290,7 @@
                         </m:sSubPr>
                         <m:e>
                           <m:r>
-                            <a:rPr lang="en-US" altLang="zh-CN" sz="2000" i="1" dirty="0">
+                            <a:rPr lang="en-US" altLang="zh-CN" sz="1800" i="1" dirty="0">
                               <a:latin typeface="Cambria Math" panose="02040503050406030204" pitchFamily="18" charset="0"/>
                               <a:ea typeface="Cambria Math" panose="02040503050406030204" pitchFamily="18" charset="0"/>
                             </a:rPr>
@@ -11371,7 +12299,7 @@
                         </m:e>
                         <m:sub>
                           <m:r>
-                            <a:rPr lang="en-US" altLang="zh-CN" sz="2000" i="1" dirty="0">
+                            <a:rPr lang="en-US" altLang="zh-CN" sz="1800" i="1" dirty="0">
                               <a:latin typeface="Cambria Math" panose="02040503050406030204" pitchFamily="18" charset="0"/>
                               <a:ea typeface="Cambria Math" panose="02040503050406030204" pitchFamily="18" charset="0"/>
                             </a:rPr>
@@ -11380,21 +12308,21 @@
                         </m:sub>
                       </m:sSub>
                       <m:r>
-                        <a:rPr lang="en-US" altLang="zh-CN" sz="2000" b="0" i="1" dirty="0" smtClean="0">
+                        <a:rPr lang="en-US" altLang="zh-CN" sz="1800" b="0" i="1" dirty="0" smtClean="0">
                           <a:latin typeface="Cambria Math" panose="02040503050406030204" pitchFamily="18" charset="0"/>
                           <a:ea typeface="Cambria Math" panose="02040503050406030204" pitchFamily="18" charset="0"/>
                         </a:rPr>
                         <m:t>=</m:t>
                       </m:r>
                       <m:r>
-                        <a:rPr lang="en-US" altLang="zh-CN" sz="2000" b="0" i="1" dirty="0" smtClean="0">
+                        <a:rPr lang="en-US" altLang="zh-CN" sz="1800" b="0" i="1" dirty="0" smtClean="0">
                           <a:latin typeface="Cambria Math" panose="02040503050406030204" pitchFamily="18" charset="0"/>
                           <a:ea typeface="Cambria Math" panose="02040503050406030204" pitchFamily="18" charset="0"/>
                         </a:rPr>
                         <m:t>𝑓</m:t>
                       </m:r>
                       <m:r>
-                        <a:rPr lang="en-US" altLang="zh-CN" sz="2000" b="0" i="1" dirty="0" smtClean="0">
+                        <a:rPr lang="en-US" altLang="zh-CN" sz="1800" b="0" i="1" dirty="0" smtClean="0">
                           <a:latin typeface="Cambria Math" panose="02040503050406030204" pitchFamily="18" charset="0"/>
                           <a:ea typeface="Cambria Math" panose="02040503050406030204" pitchFamily="18" charset="0"/>
                         </a:rPr>
@@ -11405,7 +12333,7 @@
                           <m:begChr m:val="["/>
                           <m:endChr m:val="]"/>
                           <m:ctrlPr>
-                            <a:rPr lang="en-US" altLang="zh-CN" sz="2000" b="0" i="1" dirty="0" smtClean="0">
+                            <a:rPr lang="en-US" altLang="zh-CN" sz="1800" b="0" i="1" dirty="0" smtClean="0">
                               <a:latin typeface="Cambria Math" panose="02040503050406030204" pitchFamily="18" charset="0"/>
                               <a:ea typeface="Cambria Math" panose="02040503050406030204" pitchFamily="18" charset="0"/>
                             </a:rPr>
@@ -11413,21 +12341,21 @@
                         </m:dPr>
                         <m:e>
                           <m:r>
-                            <a:rPr lang="en-US" altLang="zh-CN" sz="2000" b="0" i="1" dirty="0" smtClean="0">
+                            <a:rPr lang="en-US" altLang="zh-CN" sz="1800" b="0" i="1" dirty="0" smtClean="0">
                               <a:latin typeface="Cambria Math" panose="02040503050406030204" pitchFamily="18" charset="0"/>
                               <a:ea typeface="Cambria Math" panose="02040503050406030204" pitchFamily="18" charset="0"/>
                             </a:rPr>
                             <m:t>𝑔𝑎𝑡𝑒</m:t>
                           </m:r>
                           <m:r>
-                            <a:rPr lang="en-US" altLang="zh-CN" sz="2000" b="0" i="1" dirty="0" smtClean="0">
+                            <a:rPr lang="en-US" altLang="zh-CN" sz="1800" b="0" i="1" dirty="0" smtClean="0">
                               <a:latin typeface="Cambria Math" panose="02040503050406030204" pitchFamily="18" charset="0"/>
                               <a:ea typeface="Cambria Math" panose="02040503050406030204" pitchFamily="18" charset="0"/>
                             </a:rPr>
                             <m:t>∗</m:t>
                           </m:r>
                           <m:r>
-                            <a:rPr lang="en-US" altLang="zh-CN" sz="2000" b="0" i="1" dirty="0" smtClean="0">
+                            <a:rPr lang="en-US" altLang="zh-CN" sz="1800" b="0" i="1" dirty="0" smtClean="0">
                               <a:latin typeface="Cambria Math" panose="02040503050406030204" pitchFamily="18" charset="0"/>
                               <a:ea typeface="Cambria Math" panose="02040503050406030204" pitchFamily="18" charset="0"/>
                             </a:rPr>
@@ -11436,7 +12364,7 @@
                           <m:d>
                             <m:dPr>
                               <m:ctrlPr>
-                                <a:rPr lang="en-US" altLang="zh-CN" sz="2000" b="0" i="1" dirty="0" smtClean="0">
+                                <a:rPr lang="en-US" altLang="zh-CN" sz="1800" b="0" i="1" dirty="0" smtClean="0">
                                   <a:latin typeface="Cambria Math" panose="02040503050406030204" pitchFamily="18" charset="0"/>
                                   <a:ea typeface="Cambria Math" panose="02040503050406030204" pitchFamily="18" charset="0"/>
                                 </a:rPr>
@@ -11444,7 +12372,7 @@
                             </m:dPr>
                             <m:e>
                               <m:r>
-                                <a:rPr lang="en-US" altLang="zh-CN" sz="2000" b="0" i="1" dirty="0" smtClean="0">
+                                <a:rPr lang="en-US" altLang="zh-CN" sz="1800" b="0" i="1" dirty="0" smtClean="0">
                                   <a:latin typeface="Cambria Math" panose="02040503050406030204" pitchFamily="18" charset="0"/>
                                   <a:ea typeface="Cambria Math" panose="02040503050406030204" pitchFamily="18" charset="0"/>
                                 </a:rPr>
@@ -11453,28 +12381,28 @@
                             </m:e>
                           </m:d>
                           <m:r>
-                            <a:rPr lang="en-US" altLang="zh-CN" sz="2000" b="0" i="1" dirty="0" smtClean="0">
+                            <a:rPr lang="en-US" altLang="zh-CN" sz="1800" b="0" i="1" dirty="0" smtClean="0">
                               <a:latin typeface="Cambria Math" panose="02040503050406030204" pitchFamily="18" charset="0"/>
                               <a:ea typeface="Cambria Math" panose="02040503050406030204" pitchFamily="18" charset="0"/>
                             </a:rPr>
                             <m:t>,</m:t>
                           </m:r>
                           <m:r>
-                            <a:rPr lang="en-US" altLang="zh-CN" sz="2000" b="0" i="1" dirty="0" smtClean="0">
+                            <a:rPr lang="en-US" altLang="zh-CN" sz="1800" b="0" i="1" dirty="0" smtClean="0">
                               <a:latin typeface="Cambria Math" panose="02040503050406030204" pitchFamily="18" charset="0"/>
                               <a:ea typeface="Cambria Math" panose="02040503050406030204" pitchFamily="18" charset="0"/>
                             </a:rPr>
                             <m:t>𝑔𝑎𝑡𝑒</m:t>
                           </m:r>
                           <m:r>
-                            <a:rPr lang="en-US" altLang="zh-CN" sz="2000" b="0" i="1" dirty="0" smtClean="0">
+                            <a:rPr lang="en-US" altLang="zh-CN" sz="1800" b="0" i="1" dirty="0" smtClean="0">
                               <a:latin typeface="Cambria Math" panose="02040503050406030204" pitchFamily="18" charset="0"/>
                               <a:ea typeface="Cambria Math" panose="02040503050406030204" pitchFamily="18" charset="0"/>
                             </a:rPr>
                             <m:t>∗</m:t>
                           </m:r>
                           <m:r>
-                            <a:rPr lang="en-US" altLang="zh-CN" sz="2000" b="0" i="1" dirty="0" smtClean="0">
+                            <a:rPr lang="en-US" altLang="zh-CN" sz="1800" b="0" i="1" dirty="0" smtClean="0">
                               <a:latin typeface="Cambria Math" panose="02040503050406030204" pitchFamily="18" charset="0"/>
                               <a:ea typeface="Cambria Math" panose="02040503050406030204" pitchFamily="18" charset="0"/>
                             </a:rPr>
@@ -11483,7 +12411,7 @@
                           <m:d>
                             <m:dPr>
                               <m:ctrlPr>
-                                <a:rPr lang="en-US" altLang="zh-CN" sz="2000" b="0" i="1" dirty="0" smtClean="0">
+                                <a:rPr lang="en-US" altLang="zh-CN" sz="1800" b="0" i="1" dirty="0" smtClean="0">
                                   <a:latin typeface="Cambria Math" panose="02040503050406030204" pitchFamily="18" charset="0"/>
                                   <a:ea typeface="Cambria Math" panose="02040503050406030204" pitchFamily="18" charset="0"/>
                                 </a:rPr>
@@ -11491,7 +12419,7 @@
                             </m:dPr>
                             <m:e>
                               <m:r>
-                                <a:rPr lang="en-US" altLang="zh-CN" sz="2000" b="0" i="1" dirty="0" smtClean="0">
+                                <a:rPr lang="en-US" altLang="zh-CN" sz="1800" b="0" i="1" dirty="0" smtClean="0">
                                   <a:latin typeface="Cambria Math" panose="02040503050406030204" pitchFamily="18" charset="0"/>
                                   <a:ea typeface="Cambria Math" panose="02040503050406030204" pitchFamily="18" charset="0"/>
                                 </a:rPr>
@@ -11502,7 +12430,7 @@
                         </m:e>
                       </m:d>
                       <m:r>
-                        <a:rPr lang="en-US" altLang="zh-CN" sz="2000" b="0" i="1" dirty="0" smtClean="0">
+                        <a:rPr lang="en-US" altLang="zh-CN" sz="1800" b="0" i="1" dirty="0" smtClean="0">
                           <a:latin typeface="Cambria Math" panose="02040503050406030204" pitchFamily="18" charset="0"/>
                           <a:ea typeface="Cambria Math" panose="02040503050406030204" pitchFamily="18" charset="0"/>
                         </a:rPr>
@@ -11511,7 +12439,7 @@
                       <m:sSub>
                         <m:sSubPr>
                           <m:ctrlPr>
-                            <a:rPr lang="en-US" altLang="zh-CN" sz="2000" b="0" i="1" dirty="0" smtClean="0">
+                            <a:rPr lang="en-US" altLang="zh-CN" sz="1800" b="0" i="1" dirty="0" smtClean="0">
                               <a:latin typeface="Cambria Math" panose="02040503050406030204" pitchFamily="18" charset="0"/>
                               <a:ea typeface="Cambria Math" panose="02040503050406030204" pitchFamily="18" charset="0"/>
                             </a:rPr>
@@ -11519,7 +12447,7 @@
                         </m:sSubPr>
                         <m:e>
                           <m:r>
-                            <a:rPr lang="en-US" altLang="zh-CN" sz="2000" b="0" i="1" dirty="0" smtClean="0">
+                            <a:rPr lang="en-US" altLang="zh-CN" sz="1800" b="0" i="1" dirty="0" smtClean="0">
                               <a:latin typeface="Cambria Math" panose="02040503050406030204" pitchFamily="18" charset="0"/>
                               <a:ea typeface="Cambria Math" panose="02040503050406030204" pitchFamily="18" charset="0"/>
                             </a:rPr>
@@ -11528,23 +12456,23 @@
                         </m:e>
                         <m:sub>
                           <m:r>
-                            <a:rPr lang="en-US" altLang="zh-CN" sz="2000" i="1" dirty="0">
+                            <a:rPr lang="en-US" altLang="zh-CN" sz="1800" i="1" dirty="0">
                               <a:latin typeface="Cambria Math" panose="02040503050406030204" pitchFamily="18" charset="0"/>
                               <a:ea typeface="Cambria Math" panose="02040503050406030204" pitchFamily="18" charset="0"/>
                             </a:rPr>
                             <m:t>𝑡</m:t>
                           </m:r>
                           <m:r>
-                            <a:rPr lang="en-US" altLang="zh-CN" sz="2000" i="1" dirty="0">
+                            <a:rPr lang="en-US" altLang="zh-CN" sz="1800" i="1" dirty="0">
                               <a:latin typeface="Cambria Math" panose="02040503050406030204" pitchFamily="18" charset="0"/>
                               <a:ea typeface="Cambria Math" panose="02040503050406030204" pitchFamily="18" charset="0"/>
                             </a:rPr>
-                            <m:t>-1</m:t>
+                            <m:t>−1</m:t>
                           </m:r>
                         </m:sub>
                       </m:sSub>
                       <m:r>
-                        <a:rPr lang="en-US" altLang="zh-CN" sz="2000" b="0" i="1" dirty="0" smtClean="0">
+                        <a:rPr lang="en-US" altLang="zh-CN" sz="1800" b="0" i="1" dirty="0" smtClean="0">
                           <a:latin typeface="Cambria Math" panose="02040503050406030204" pitchFamily="18" charset="0"/>
                           <a:ea typeface="Cambria Math" panose="02040503050406030204" pitchFamily="18" charset="0"/>
                         </a:rPr>
@@ -11553,7 +12481,7 @@
                     </m:oMath>
                   </m:oMathPara>
                 </a14:m>
-                <a:endParaRPr lang="en-US" altLang="zh-CN" sz="2000" i="1" dirty="0" smtClean="0">
+                <a:endParaRPr lang="en-US" altLang="zh-CN" sz="1800" i="1" dirty="0" smtClean="0">
                   <a:latin typeface="Cambria Math" panose="02040503050406030204" pitchFamily="18" charset="0"/>
                   <a:ea typeface="Cambria Math" panose="02040503050406030204" pitchFamily="18" charset="0"/>
                 </a:endParaRPr>
@@ -11565,7 +12493,7 @@
                   </a:lnSpc>
                   <a:buNone/>
                 </a:pPr>
-                <a:endParaRPr lang="en-US" altLang="zh-CN" sz="2000" dirty="0" smtClean="0">
+                <a:endParaRPr lang="en-US" altLang="zh-CN" sz="1800" dirty="0" smtClean="0">
                   <a:latin typeface="Cambria Math" panose="02040503050406030204" pitchFamily="18" charset="0"/>
                   <a:ea typeface="Cambria Math" panose="02040503050406030204" pitchFamily="18" charset="0"/>
                 </a:endParaRPr>
@@ -11578,41 +12506,41 @@
                   <a:buNone/>
                 </a:pPr>
                 <a:r>
-                  <a:rPr lang="zh-CN" altLang="en-US" sz="2000" dirty="0" smtClean="0">
+                  <a:rPr lang="zh-CN" altLang="en-US" sz="1800" dirty="0" smtClean="0">
                     <a:latin typeface="Cambria Math" panose="02040503050406030204" pitchFamily="18" charset="0"/>
                     <a:ea typeface="Cambria Math" panose="02040503050406030204" pitchFamily="18" charset="0"/>
                   </a:rPr>
                   <a:t>优化目标，</a:t>
                 </a:r>
                 <a:r>
-                  <a:rPr lang="en-US" altLang="zh-CN" sz="2000" dirty="0" smtClean="0">
+                  <a:rPr lang="en-US" altLang="zh-CN" sz="1800" dirty="0" smtClean="0">
                     <a:latin typeface="Cambria Math" panose="02040503050406030204" pitchFamily="18" charset="0"/>
                     <a:ea typeface="Cambria Math" panose="02040503050406030204" pitchFamily="18" charset="0"/>
                   </a:rPr>
                   <a:t>point sum</a:t>
                 </a:r>
                 <a:r>
-                  <a:rPr lang="zh-CN" altLang="en-US" sz="2000" dirty="0" smtClean="0">
+                  <a:rPr lang="zh-CN" altLang="en-US" sz="1800" dirty="0" smtClean="0">
                     <a:latin typeface="Cambria Math" panose="02040503050406030204" pitchFamily="18" charset="0"/>
                     <a:ea typeface="Cambria Math" panose="02040503050406030204" pitchFamily="18" charset="0"/>
                   </a:rPr>
                   <a:t>，会在后面的</a:t>
                 </a:r>
                 <a:r>
-                  <a:rPr lang="en-US" altLang="zh-CN" sz="2000" dirty="0" smtClean="0">
+                  <a:rPr lang="en-US" altLang="zh-CN" sz="1800" dirty="0" smtClean="0">
                     <a:latin typeface="Cambria Math" panose="02040503050406030204" pitchFamily="18" charset="0"/>
                     <a:ea typeface="Cambria Math" panose="02040503050406030204" pitchFamily="18" charset="0"/>
                   </a:rPr>
                   <a:t>pointer network</a:t>
                 </a:r>
                 <a:r>
-                  <a:rPr lang="zh-CN" altLang="en-US" sz="2000" dirty="0" smtClean="0">
+                  <a:rPr lang="zh-CN" altLang="en-US" sz="1800" dirty="0" smtClean="0">
                     <a:latin typeface="Cambria Math" panose="02040503050406030204" pitchFamily="18" charset="0"/>
                     <a:ea typeface="Cambria Math" panose="02040503050406030204" pitchFamily="18" charset="0"/>
                   </a:rPr>
                   <a:t>中介绍</a:t>
                 </a:r>
-                <a:endParaRPr lang="en-US" altLang="zh-CN" sz="2000" dirty="0" smtClean="0">
+                <a:endParaRPr lang="en-US" altLang="zh-CN" sz="1800" dirty="0" smtClean="0">
                   <a:latin typeface="Cambria Math" panose="02040503050406030204" pitchFamily="18" charset="0"/>
                   <a:ea typeface="Cambria Math" panose="02040503050406030204" pitchFamily="18" charset="0"/>
                 </a:endParaRPr>
@@ -11639,7 +12567,7 @@
               <a:blipFill rotWithShape="0">
                 <a:blip r:embed="rId3"/>
                 <a:stretch>
-                  <a:fillRect l="-773" t="-921"/>
+                  <a:fillRect l="-618" t="-921" r="-3555"/>
                 </a:stretch>
               </a:blipFill>
             </p:spPr>
@@ -11678,567 +12606,6 @@
 </p:sld>
 </file>
 
-<file path=ppt/slides/slide19.xml><?xml version="1.0" encoding="utf-8"?>
-<p:sld xmlns:a="http://schemas.openxmlformats.org/drawingml/2006/main" xmlns:r="http://schemas.openxmlformats.org/officeDocument/2006/relationships" xmlns:p="http://schemas.openxmlformats.org/presentationml/2006/main">
-  <p:cSld>
-    <p:spTree>
-      <p:nvGrpSpPr>
-        <p:cNvPr id="1" name=""/>
-        <p:cNvGrpSpPr/>
-        <p:nvPr/>
-      </p:nvGrpSpPr>
-      <p:grpSpPr>
-        <a:xfrm>
-          <a:off x="0" y="0"/>
-          <a:ext cx="0" cy="0"/>
-          <a:chOff x="0" y="0"/>
-          <a:chExt cx="0" cy="0"/>
-        </a:xfrm>
-      </p:grpSpPr>
-      <p:sp>
-        <p:nvSpPr>
-          <p:cNvPr id="2" name="标题 1"/>
-          <p:cNvSpPr>
-            <a:spLocks noGrp="1"/>
-          </p:cNvSpPr>
-          <p:nvPr>
-            <p:ph type="title"/>
-          </p:nvPr>
-        </p:nvSpPr>
-        <p:spPr>
-          <a:xfrm>
-            <a:off x="628650" y="365127"/>
-            <a:ext cx="7886700" cy="876934"/>
-          </a:xfrm>
-        </p:spPr>
-        <p:txBody>
-          <a:bodyPr>
-            <a:normAutofit/>
-          </a:bodyPr>
-          <a:lstStyle/>
-          <a:p>
-            <a:pPr algn="ctr">
-              <a:spcBef>
-                <a:spcPts val="750"/>
-              </a:spcBef>
-            </a:pPr>
-            <a:r>
-              <a:rPr lang="en-US" altLang="zh-CN" sz="3200" dirty="0">
-                <a:latin typeface="Cambria Math" panose="02040503050406030204" pitchFamily="18" charset="0"/>
-                <a:ea typeface="Cambria Math" panose="02040503050406030204" pitchFamily="18" charset="0"/>
-                <a:cs typeface="+mn-cs"/>
-              </a:rPr>
-              <a:t>Iterative Alternating Neural Attention</a:t>
-            </a:r>
-            <a:endParaRPr lang="zh-CN" altLang="en-US" sz="3200" dirty="0">
-              <a:latin typeface="Cambria Math" panose="02040503050406030204" pitchFamily="18" charset="0"/>
-              <a:ea typeface="Cambria Math" panose="02040503050406030204" pitchFamily="18" charset="0"/>
-              <a:cs typeface="+mn-cs"/>
-            </a:endParaRPr>
-          </a:p>
-        </p:txBody>
-      </p:sp>
-      <p:sp>
-        <p:nvSpPr>
-          <p:cNvPr id="3" name="内容占位符 2"/>
-          <p:cNvSpPr>
-            <a:spLocks noGrp="1"/>
-          </p:cNvSpPr>
-          <p:nvPr>
-            <p:ph idx="1"/>
-          </p:nvPr>
-        </p:nvSpPr>
-        <p:spPr>
-          <a:xfrm>
-            <a:off x="628650" y="1525345"/>
-            <a:ext cx="7886700" cy="4630103"/>
-          </a:xfrm>
-        </p:spPr>
-        <p:txBody>
-          <a:bodyPr>
-            <a:normAutofit/>
-          </a:bodyPr>
-          <a:lstStyle/>
-          <a:p>
-            <a:pPr marL="0" indent="0">
-              <a:lnSpc>
-                <a:spcPct val="100000"/>
-              </a:lnSpc>
-              <a:buNone/>
-            </a:pPr>
-            <a:r>
-              <a:rPr lang="zh-CN" altLang="en-US" sz="2000" dirty="0" smtClean="0">
-                <a:latin typeface="Cambria Math" panose="02040503050406030204" pitchFamily="18" charset="0"/>
-                <a:ea typeface="Cambria Math" panose="02040503050406030204" pitchFamily="18" charset="0"/>
-              </a:rPr>
-              <a:t>分析：</a:t>
-            </a:r>
-            <a:endParaRPr lang="en-US" altLang="zh-CN" sz="2000" dirty="0" smtClean="0">
-              <a:latin typeface="Cambria Math" panose="02040503050406030204" pitchFamily="18" charset="0"/>
-              <a:ea typeface="Cambria Math" panose="02040503050406030204" pitchFamily="18" charset="0"/>
-            </a:endParaRPr>
-          </a:p>
-          <a:p>
-            <a:pPr marL="0" indent="0">
-              <a:lnSpc>
-                <a:spcPct val="100000"/>
-              </a:lnSpc>
-              <a:buNone/>
-            </a:pPr>
-            <a:r>
-              <a:rPr lang="zh-CN" altLang="en-US" sz="2000" dirty="0">
-                <a:latin typeface="Cambria Math" panose="02040503050406030204" pitchFamily="18" charset="0"/>
-                <a:ea typeface="Cambria Math" panose="02040503050406030204" pitchFamily="18" charset="0"/>
-              </a:rPr>
-              <a:t>体现</a:t>
-            </a:r>
-            <a:r>
-              <a:rPr lang="zh-CN" altLang="en-US" sz="2000" dirty="0" smtClean="0">
-                <a:latin typeface="Cambria Math" panose="02040503050406030204" pitchFamily="18" charset="0"/>
-                <a:ea typeface="Cambria Math" panose="02040503050406030204" pitchFamily="18" charset="0"/>
-              </a:rPr>
-              <a:t>了一种迭代学习的思想。一方面考虑文档和单词之间的</a:t>
-            </a:r>
-            <a:r>
-              <a:rPr lang="en-US" altLang="zh-CN" sz="2000" dirty="0" smtClean="0">
-                <a:latin typeface="Cambria Math" panose="02040503050406030204" pitchFamily="18" charset="0"/>
-                <a:ea typeface="Cambria Math" panose="02040503050406030204" pitchFamily="18" charset="0"/>
-              </a:rPr>
-              <a:t>attention</a:t>
-            </a:r>
-            <a:r>
-              <a:rPr lang="zh-CN" altLang="en-US" sz="2000" dirty="0" smtClean="0">
-                <a:latin typeface="Cambria Math" panose="02040503050406030204" pitchFamily="18" charset="0"/>
-                <a:ea typeface="Cambria Math" panose="02040503050406030204" pitchFamily="18" charset="0"/>
-              </a:rPr>
-              <a:t>，又充分考虑当前信息和已经掌握信息的</a:t>
-            </a:r>
-            <a:r>
-              <a:rPr lang="en-US" altLang="zh-CN" sz="2000" dirty="0" smtClean="0">
-                <a:latin typeface="Cambria Math" panose="02040503050406030204" pitchFamily="18" charset="0"/>
-                <a:ea typeface="Cambria Math" panose="02040503050406030204" pitchFamily="18" charset="0"/>
-              </a:rPr>
-              <a:t>attention</a:t>
-            </a:r>
-            <a:r>
-              <a:rPr lang="zh-CN" altLang="en-US" sz="2000" dirty="0" smtClean="0">
-                <a:latin typeface="Cambria Math" panose="02040503050406030204" pitchFamily="18" charset="0"/>
-                <a:ea typeface="Cambria Math" panose="02040503050406030204" pitchFamily="18" charset="0"/>
-              </a:rPr>
-              <a:t>。在累积信息的过程中，利用门的结构，充分控制信息流。</a:t>
-            </a:r>
-            <a:endParaRPr lang="en-US" altLang="zh-CN" sz="2000" dirty="0" smtClean="0">
-              <a:latin typeface="Cambria Math" panose="02040503050406030204" pitchFamily="18" charset="0"/>
-              <a:ea typeface="Cambria Math" panose="02040503050406030204" pitchFamily="18" charset="0"/>
-            </a:endParaRPr>
-          </a:p>
-          <a:p>
-            <a:pPr marL="0" indent="0">
-              <a:lnSpc>
-                <a:spcPct val="100000"/>
-              </a:lnSpc>
-              <a:buNone/>
-            </a:pPr>
-            <a:r>
-              <a:rPr lang="zh-CN" altLang="en-US" sz="2000" dirty="0" smtClean="0">
-                <a:latin typeface="Cambria Math" panose="02040503050406030204" pitchFamily="18" charset="0"/>
-                <a:ea typeface="Cambria Math" panose="02040503050406030204" pitchFamily="18" charset="0"/>
-              </a:rPr>
-              <a:t>文章可以认为是从多个层次上控制信息和提取信息，从目前来看，效果是很好的。</a:t>
-            </a:r>
-            <a:endParaRPr lang="en-US" altLang="zh-CN" sz="2000" dirty="0" smtClean="0">
-              <a:latin typeface="Cambria Math" panose="02040503050406030204" pitchFamily="18" charset="0"/>
-              <a:ea typeface="Cambria Math" panose="02040503050406030204" pitchFamily="18" charset="0"/>
-            </a:endParaRPr>
-          </a:p>
-          <a:p>
-            <a:pPr marL="0" indent="0">
-              <a:lnSpc>
-                <a:spcPct val="100000"/>
-              </a:lnSpc>
-              <a:buNone/>
-            </a:pPr>
-            <a:endParaRPr lang="en-US" altLang="zh-CN" sz="2000" dirty="0" smtClean="0">
-              <a:latin typeface="Cambria Math" panose="02040503050406030204" pitchFamily="18" charset="0"/>
-              <a:ea typeface="Cambria Math" panose="02040503050406030204" pitchFamily="18" charset="0"/>
-            </a:endParaRPr>
-          </a:p>
-        </p:txBody>
-      </p:sp>
-    </p:spTree>
-    <p:extLst>
-      <p:ext uri="{BB962C8B-B14F-4D97-AF65-F5344CB8AC3E}">
-        <p14:creationId xmlns:p14="http://schemas.microsoft.com/office/powerpoint/2010/main" val="3889800577"/>
-      </p:ext>
-    </p:extLst>
-  </p:cSld>
-  <p:clrMapOvr>
-    <a:masterClrMapping/>
-  </p:clrMapOvr>
-  <p:timing>
-    <p:tnLst>
-      <p:par>
-        <p:cTn id="1" dur="indefinite" restart="never" nodeType="tmRoot"/>
-      </p:par>
-    </p:tnLst>
-  </p:timing>
-</p:sld>
-</file>
-
-<file path=ppt/slides/slide2.xml><?xml version="1.0" encoding="utf-8"?>
-<p:sld xmlns:a="http://schemas.openxmlformats.org/drawingml/2006/main" xmlns:r="http://schemas.openxmlformats.org/officeDocument/2006/relationships" xmlns:p="http://schemas.openxmlformats.org/presentationml/2006/main">
-  <p:cSld>
-    <p:spTree>
-      <p:nvGrpSpPr>
-        <p:cNvPr id="1" name=""/>
-        <p:cNvGrpSpPr/>
-        <p:nvPr/>
-      </p:nvGrpSpPr>
-      <p:grpSpPr>
-        <a:xfrm>
-          <a:off x="0" y="0"/>
-          <a:ext cx="0" cy="0"/>
-          <a:chOff x="0" y="0"/>
-          <a:chExt cx="0" cy="0"/>
-        </a:xfrm>
-      </p:grpSpPr>
-      <p:sp>
-        <p:nvSpPr>
-          <p:cNvPr id="2" name="标题 1"/>
-          <p:cNvSpPr>
-            <a:spLocks noGrp="1"/>
-          </p:cNvSpPr>
-          <p:nvPr>
-            <p:ph type="title"/>
-          </p:nvPr>
-        </p:nvSpPr>
-        <p:spPr>
-          <a:xfrm>
-            <a:off x="628650" y="365127"/>
-            <a:ext cx="7886700" cy="876934"/>
-          </a:xfrm>
-        </p:spPr>
-        <p:txBody>
-          <a:bodyPr>
-            <a:normAutofit/>
-          </a:bodyPr>
-          <a:lstStyle/>
-          <a:p>
-            <a:pPr algn="ctr">
-              <a:spcBef>
-                <a:spcPts val="750"/>
-              </a:spcBef>
-            </a:pPr>
-            <a:r>
-              <a:rPr lang="zh-CN" altLang="en-US" sz="3200" dirty="0">
-                <a:latin typeface="Cambria Math" panose="02040503050406030204" pitchFamily="18" charset="0"/>
-                <a:ea typeface="Cambria Math" panose="02040503050406030204" pitchFamily="18" charset="0"/>
-                <a:cs typeface="+mn-cs"/>
-              </a:rPr>
-              <a:t>什么是阅读理解</a:t>
-            </a:r>
-          </a:p>
-        </p:txBody>
-      </p:sp>
-      <p:sp>
-        <p:nvSpPr>
-          <p:cNvPr id="3" name="内容占位符 2"/>
-          <p:cNvSpPr>
-            <a:spLocks noGrp="1"/>
-          </p:cNvSpPr>
-          <p:nvPr>
-            <p:ph idx="1"/>
-          </p:nvPr>
-        </p:nvSpPr>
-        <p:spPr>
-          <a:xfrm>
-            <a:off x="628650" y="1546860"/>
-            <a:ext cx="7886700" cy="4630103"/>
-          </a:xfrm>
-        </p:spPr>
-        <p:txBody>
-          <a:bodyPr>
-            <a:normAutofit/>
-          </a:bodyPr>
-          <a:lstStyle/>
-          <a:p>
-            <a:pPr marL="0" indent="0">
-              <a:buNone/>
-            </a:pPr>
-            <a:r>
-              <a:rPr lang="en-US" altLang="zh-CN" sz="2400" dirty="0">
-                <a:latin typeface="Cambria Math" panose="02040503050406030204" pitchFamily="18" charset="0"/>
-                <a:ea typeface="Cambria Math" panose="02040503050406030204" pitchFamily="18" charset="0"/>
-              </a:rPr>
-              <a:t>Cloze-style </a:t>
-            </a:r>
-            <a:r>
-              <a:rPr lang="zh-CN" altLang="en-US" sz="2400" dirty="0">
-                <a:latin typeface="Cambria Math" panose="02040503050406030204" pitchFamily="18" charset="0"/>
-                <a:ea typeface="Cambria Math" panose="02040503050406030204" pitchFamily="18" charset="0"/>
-              </a:rPr>
-              <a:t>阅读理解</a:t>
-            </a:r>
-            <a:endParaRPr lang="en-US" altLang="zh-CN" sz="2400" dirty="0">
-              <a:latin typeface="Cambria Math" panose="02040503050406030204" pitchFamily="18" charset="0"/>
-              <a:ea typeface="Cambria Math" panose="02040503050406030204" pitchFamily="18" charset="0"/>
-            </a:endParaRPr>
-          </a:p>
-        </p:txBody>
-      </p:sp>
-      <p:pic>
-        <p:nvPicPr>
-          <p:cNvPr id="7" name="图片 6"/>
-          <p:cNvPicPr>
-            <a:picLocks noChangeAspect="1"/>
-          </p:cNvPicPr>
-          <p:nvPr/>
-        </p:nvPicPr>
-        <p:blipFill>
-          <a:blip r:embed="rId3">
-            <a:extLst>
-              <a:ext uri="{28A0092B-C50C-407E-A947-70E740481C1C}">
-                <a14:useLocalDpi xmlns:a14="http://schemas.microsoft.com/office/drawing/2010/main" val="0"/>
-              </a:ext>
-            </a:extLst>
-          </a:blip>
-          <a:stretch>
-            <a:fillRect/>
-          </a:stretch>
-        </p:blipFill>
-        <p:spPr>
-          <a:xfrm>
-            <a:off x="768499" y="2098363"/>
-            <a:ext cx="4308366" cy="3527095"/>
-          </a:xfrm>
-          <a:prstGeom prst="rect">
-            <a:avLst/>
-          </a:prstGeom>
-        </p:spPr>
-      </p:pic>
-      <p:sp>
-        <p:nvSpPr>
-          <p:cNvPr id="8" name="文本框 7"/>
-          <p:cNvSpPr txBox="1"/>
-          <p:nvPr/>
-        </p:nvSpPr>
-        <p:spPr>
-          <a:xfrm>
-            <a:off x="5313533" y="3123246"/>
-            <a:ext cx="3201817" cy="2133918"/>
-          </a:xfrm>
-          <a:prstGeom prst="rect">
-            <a:avLst/>
-          </a:prstGeom>
-          <a:noFill/>
-        </p:spPr>
-        <p:txBody>
-          <a:bodyPr wrap="square" rtlCol="0">
-            <a:spAutoFit/>
-          </a:bodyPr>
-          <a:lstStyle/>
-          <a:p>
-            <a:pPr marL="342900" indent="-342900" defTabSz="685800">
-              <a:spcBef>
-                <a:spcPts val="750"/>
-              </a:spcBef>
-              <a:buFont typeface="+mj-lt"/>
-              <a:buAutoNum type="arabicPeriod"/>
-            </a:pPr>
-            <a:r>
-              <a:rPr lang="zh-CN" altLang="en-US" dirty="0">
-                <a:latin typeface="Cambria Math" panose="02040503050406030204" pitchFamily="18" charset="0"/>
-                <a:ea typeface="Cambria Math" panose="02040503050406030204" pitchFamily="18" charset="0"/>
-              </a:rPr>
-              <a:t>问题是对短文的总结，而不是仅仅从短文中摘录一句话形成的。</a:t>
-            </a:r>
-            <a:endParaRPr lang="en-US" altLang="zh-CN" dirty="0">
-              <a:latin typeface="Cambria Math" panose="02040503050406030204" pitchFamily="18" charset="0"/>
-              <a:ea typeface="Cambria Math" panose="02040503050406030204" pitchFamily="18" charset="0"/>
-            </a:endParaRPr>
-          </a:p>
-          <a:p>
-            <a:pPr marL="342900" indent="-342900" defTabSz="685800">
-              <a:spcBef>
-                <a:spcPts val="750"/>
-              </a:spcBef>
-              <a:buFont typeface="+mj-lt"/>
-              <a:buAutoNum type="arabicPeriod"/>
-            </a:pPr>
-            <a:r>
-              <a:rPr lang="en-US" altLang="zh-CN" dirty="0">
-                <a:latin typeface="Cambria Math" panose="02040503050406030204" pitchFamily="18" charset="0"/>
-                <a:ea typeface="Cambria Math" panose="02040503050406030204" pitchFamily="18" charset="0"/>
-              </a:rPr>
-              <a:t>Cloze-style</a:t>
-            </a:r>
-            <a:r>
-              <a:rPr lang="zh-CN" altLang="en-US" dirty="0">
-                <a:latin typeface="Cambria Math" panose="02040503050406030204" pitchFamily="18" charset="0"/>
-                <a:ea typeface="Cambria Math" panose="02040503050406030204" pitchFamily="18" charset="0"/>
-              </a:rPr>
-              <a:t>形式的表达，保证了问题的答案一定会出现在短文中， 答案是短文中的某个</a:t>
-            </a:r>
-            <a:r>
-              <a:rPr lang="zh-CN" altLang="en-US" dirty="0" smtClean="0">
-                <a:latin typeface="Cambria Math" panose="02040503050406030204" pitchFamily="18" charset="0"/>
-                <a:ea typeface="Cambria Math" panose="02040503050406030204" pitchFamily="18" charset="0"/>
-              </a:rPr>
-              <a:t>实体</a:t>
-            </a:r>
-            <a:r>
-              <a:rPr lang="zh-CN" altLang="en-US" dirty="0">
-                <a:latin typeface="微软雅黑" panose="020B0503020204020204" pitchFamily="34" charset="-122"/>
-                <a:ea typeface="微软雅黑" panose="020B0503020204020204" pitchFamily="34" charset="-122"/>
-              </a:rPr>
-              <a:t>。</a:t>
-            </a:r>
-          </a:p>
-        </p:txBody>
-      </p:sp>
-    </p:spTree>
-    <p:extLst>
-      <p:ext uri="{BB962C8B-B14F-4D97-AF65-F5344CB8AC3E}">
-        <p14:creationId xmlns:p14="http://schemas.microsoft.com/office/powerpoint/2010/main" val="447046048"/>
-      </p:ext>
-    </p:extLst>
-  </p:cSld>
-  <p:clrMapOvr>
-    <a:masterClrMapping/>
-  </p:clrMapOvr>
-  <p:timing>
-    <p:tnLst>
-      <p:par>
-        <p:cTn id="1" dur="indefinite" restart="never" nodeType="tmRoot"/>
-      </p:par>
-    </p:tnLst>
-  </p:timing>
-</p:sld>
-</file>
-
-<file path=ppt/slides/slide20.xml><?xml version="1.0" encoding="utf-8"?>
-<p:sld xmlns:a="http://schemas.openxmlformats.org/drawingml/2006/main" xmlns:r="http://schemas.openxmlformats.org/officeDocument/2006/relationships" xmlns:p="http://schemas.openxmlformats.org/presentationml/2006/main">
-  <p:cSld>
-    <p:spTree>
-      <p:nvGrpSpPr>
-        <p:cNvPr id="1" name=""/>
-        <p:cNvGrpSpPr/>
-        <p:nvPr/>
-      </p:nvGrpSpPr>
-      <p:grpSpPr>
-        <a:xfrm>
-          <a:off x="0" y="0"/>
-          <a:ext cx="0" cy="0"/>
-          <a:chOff x="0" y="0"/>
-          <a:chExt cx="0" cy="0"/>
-        </a:xfrm>
-      </p:grpSpPr>
-      <p:sp>
-        <p:nvSpPr>
-          <p:cNvPr id="2" name="标题 1"/>
-          <p:cNvSpPr>
-            <a:spLocks noGrp="1"/>
-          </p:cNvSpPr>
-          <p:nvPr>
-            <p:ph type="title"/>
-          </p:nvPr>
-        </p:nvSpPr>
-        <p:spPr>
-          <a:xfrm>
-            <a:off x="628650" y="365127"/>
-            <a:ext cx="7886700" cy="876934"/>
-          </a:xfrm>
-        </p:spPr>
-        <p:txBody>
-          <a:bodyPr>
-            <a:normAutofit/>
-          </a:bodyPr>
-          <a:lstStyle/>
-          <a:p>
-            <a:pPr algn="ctr">
-              <a:spcBef>
-                <a:spcPts val="750"/>
-              </a:spcBef>
-            </a:pPr>
-            <a:r>
-              <a:rPr lang="zh-CN" altLang="en-US" sz="3200" dirty="0">
-                <a:latin typeface="Cambria Math" panose="02040503050406030204" pitchFamily="18" charset="0"/>
-                <a:ea typeface="Cambria Math" panose="02040503050406030204" pitchFamily="18" charset="0"/>
-                <a:cs typeface="+mn-cs"/>
-              </a:rPr>
-              <a:t>实验</a:t>
-            </a:r>
-            <a:r>
-              <a:rPr lang="zh-CN" altLang="en-US" sz="3200" dirty="0" smtClean="0">
-                <a:latin typeface="Cambria Math" panose="02040503050406030204" pitchFamily="18" charset="0"/>
-                <a:ea typeface="Cambria Math" panose="02040503050406030204" pitchFamily="18" charset="0"/>
-                <a:cs typeface="+mn-cs"/>
-              </a:rPr>
-              <a:t>结果对比</a:t>
-            </a:r>
-            <a:endParaRPr lang="zh-CN" altLang="en-US" sz="3200" dirty="0">
-              <a:latin typeface="Cambria Math" panose="02040503050406030204" pitchFamily="18" charset="0"/>
-              <a:ea typeface="Cambria Math" panose="02040503050406030204" pitchFamily="18" charset="0"/>
-              <a:cs typeface="+mn-cs"/>
-            </a:endParaRPr>
-          </a:p>
-        </p:txBody>
-      </p:sp>
-      <p:sp>
-        <p:nvSpPr>
-          <p:cNvPr id="3" name="内容占位符 2"/>
-          <p:cNvSpPr>
-            <a:spLocks noGrp="1"/>
-          </p:cNvSpPr>
-          <p:nvPr>
-            <p:ph idx="1"/>
-          </p:nvPr>
-        </p:nvSpPr>
-        <p:spPr>
-          <a:xfrm>
-            <a:off x="628650" y="1525345"/>
-            <a:ext cx="7886700" cy="4630103"/>
-          </a:xfrm>
-        </p:spPr>
-        <p:txBody>
-          <a:bodyPr>
-            <a:normAutofit/>
-          </a:bodyPr>
-          <a:lstStyle/>
-          <a:p>
-            <a:pPr marL="0" indent="0">
-              <a:lnSpc>
-                <a:spcPct val="100000"/>
-              </a:lnSpc>
-              <a:buNone/>
-            </a:pPr>
-            <a:endParaRPr lang="en-US" altLang="zh-CN" sz="2000" dirty="0" smtClean="0">
-              <a:latin typeface="Cambria Math" panose="02040503050406030204" pitchFamily="18" charset="0"/>
-              <a:ea typeface="Cambria Math" panose="02040503050406030204" pitchFamily="18" charset="0"/>
-            </a:endParaRPr>
-          </a:p>
-        </p:txBody>
-      </p:sp>
-    </p:spTree>
-    <p:extLst>
-      <p:ext uri="{BB962C8B-B14F-4D97-AF65-F5344CB8AC3E}">
-        <p14:creationId xmlns:p14="http://schemas.microsoft.com/office/powerpoint/2010/main" val="2350579956"/>
-      </p:ext>
-    </p:extLst>
-  </p:cSld>
-  <p:clrMapOvr>
-    <a:masterClrMapping/>
-  </p:clrMapOvr>
-  <p:timing>
-    <p:tnLst>
-      <p:par>
-        <p:cTn id="1" dur="indefinite" restart="never" nodeType="tmRoot"/>
-      </p:par>
-    </p:tnLst>
-  </p:timing>
-</p:sld>
-</file>
-
 <file path=ppt/slides/slide21.xml><?xml version="1.0" encoding="utf-8"?>
 <p:sld xmlns:a="http://schemas.openxmlformats.org/drawingml/2006/main" xmlns:r="http://schemas.openxmlformats.org/officeDocument/2006/relationships" xmlns:p="http://schemas.openxmlformats.org/presentationml/2006/main">
   <p:cSld>
@@ -12284,12 +12651,12 @@
               </a:spcBef>
             </a:pPr>
             <a:r>
-              <a:rPr lang="zh-CN" altLang="en-US" sz="3200" dirty="0" smtClean="0">
+              <a:rPr lang="en-US" altLang="zh-CN" sz="3200" dirty="0">
                 <a:latin typeface="Cambria Math" panose="02040503050406030204" pitchFamily="18" charset="0"/>
                 <a:ea typeface="Cambria Math" panose="02040503050406030204" pitchFamily="18" charset="0"/>
                 <a:cs typeface="+mn-cs"/>
               </a:rPr>
-              <a:t>从其他方面来考虑问题</a:t>
+              <a:t>Iterative Alternating Neural Attention</a:t>
             </a:r>
             <a:endParaRPr lang="zh-CN" altLang="en-US" sz="3200" dirty="0">
               <a:latin typeface="Cambria Math" panose="02040503050406030204" pitchFamily="18" charset="0"/>
@@ -12328,26 +12695,16 @@
               <a:buNone/>
             </a:pPr>
             <a:r>
-              <a:rPr lang="en-US" altLang="zh-CN" sz="2000" dirty="0" smtClean="0">
-                <a:latin typeface="Cambria Math" panose="02040503050406030204" pitchFamily="18" charset="0"/>
-                <a:ea typeface="Cambria Math" panose="02040503050406030204" pitchFamily="18" charset="0"/>
-              </a:rPr>
-              <a:t>1</a:t>
-            </a:r>
-            <a:r>
-              <a:rPr lang="zh-CN" altLang="en-US" sz="2000" dirty="0" smtClean="0">
-                <a:latin typeface="Cambria Math" panose="02040503050406030204" pitchFamily="18" charset="0"/>
-                <a:ea typeface="Cambria Math" panose="02040503050406030204" pitchFamily="18" charset="0"/>
-              </a:rPr>
-              <a:t>：</a:t>
-            </a:r>
-            <a:r>
-              <a:rPr lang="en-US" altLang="zh-CN" sz="2000" dirty="0" smtClean="0">
-                <a:latin typeface="Cambria Math" panose="02040503050406030204" pitchFamily="18" charset="0"/>
-                <a:ea typeface="Cambria Math" panose="02040503050406030204" pitchFamily="18" charset="0"/>
-              </a:rPr>
-              <a:t>memory network------------------</a:t>
-            </a:r>
+              <a:rPr lang="zh-CN" altLang="en-US" sz="1800" dirty="0" smtClean="0">
+                <a:latin typeface="Cambria Math" panose="02040503050406030204" pitchFamily="18" charset="0"/>
+                <a:ea typeface="Cambria Math" panose="02040503050406030204" pitchFamily="18" charset="0"/>
+              </a:rPr>
+              <a:t>分析：</a:t>
+            </a:r>
+            <a:endParaRPr lang="en-US" altLang="zh-CN" sz="1800" dirty="0" smtClean="0">
+              <a:latin typeface="Cambria Math" panose="02040503050406030204" pitchFamily="18" charset="0"/>
+              <a:ea typeface="Cambria Math" panose="02040503050406030204" pitchFamily="18" charset="0"/>
+            </a:endParaRPr>
           </a:p>
           <a:p>
             <a:pPr marL="0" indent="0">
@@ -12357,34 +12714,67 @@
               <a:buNone/>
             </a:pPr>
             <a:r>
-              <a:rPr lang="en-US" altLang="zh-CN" sz="2000" dirty="0" smtClean="0">
-                <a:latin typeface="Cambria Math" panose="02040503050406030204" pitchFamily="18" charset="0"/>
-                <a:ea typeface="Cambria Math" panose="02040503050406030204" pitchFamily="18" charset="0"/>
-              </a:rPr>
-              <a:t>2</a:t>
-            </a:r>
-            <a:r>
-              <a:rPr lang="zh-CN" altLang="en-US" sz="2000" dirty="0" smtClean="0">
-                <a:latin typeface="Cambria Math" panose="02040503050406030204" pitchFamily="18" charset="0"/>
-                <a:ea typeface="Cambria Math" panose="02040503050406030204" pitchFamily="18" charset="0"/>
-              </a:rPr>
-              <a:t>：</a:t>
-            </a:r>
-            <a:r>
-              <a:rPr lang="en-US" altLang="zh-CN" sz="2000" dirty="0" smtClean="0">
-                <a:latin typeface="Cambria Math" panose="02040503050406030204" pitchFamily="18" charset="0"/>
-                <a:ea typeface="Cambria Math" panose="02040503050406030204" pitchFamily="18" charset="0"/>
-              </a:rPr>
-              <a:t>point network----------------------</a:t>
-            </a:r>
-            <a:r>
-              <a:rPr lang="zh-CN" altLang="en-US" sz="2000" dirty="0" smtClean="0">
-                <a:latin typeface="Cambria Math" panose="02040503050406030204" pitchFamily="18" charset="0"/>
-                <a:ea typeface="Cambria Math" panose="02040503050406030204" pitchFamily="18" charset="0"/>
-              </a:rPr>
-              <a:t>直接在输入空间上正则化</a:t>
-            </a:r>
-            <a:endParaRPr lang="en-US" altLang="zh-CN" sz="2000" dirty="0" smtClean="0">
+              <a:rPr lang="zh-CN" altLang="en-US" sz="1800" dirty="0">
+                <a:latin typeface="Cambria Math" panose="02040503050406030204" pitchFamily="18" charset="0"/>
+                <a:ea typeface="Cambria Math" panose="02040503050406030204" pitchFamily="18" charset="0"/>
+              </a:rPr>
+              <a:t>体现</a:t>
+            </a:r>
+            <a:r>
+              <a:rPr lang="zh-CN" altLang="en-US" sz="1800" dirty="0" smtClean="0">
+                <a:latin typeface="Cambria Math" panose="02040503050406030204" pitchFamily="18" charset="0"/>
+                <a:ea typeface="Cambria Math" panose="02040503050406030204" pitchFamily="18" charset="0"/>
+              </a:rPr>
+              <a:t>了一种迭代学习的思想。一方面考虑文档和单词之间的</a:t>
+            </a:r>
+            <a:r>
+              <a:rPr lang="en-US" altLang="zh-CN" sz="1800" dirty="0" smtClean="0">
+                <a:latin typeface="Cambria Math" panose="02040503050406030204" pitchFamily="18" charset="0"/>
+                <a:ea typeface="Cambria Math" panose="02040503050406030204" pitchFamily="18" charset="0"/>
+              </a:rPr>
+              <a:t>attention</a:t>
+            </a:r>
+            <a:r>
+              <a:rPr lang="zh-CN" altLang="en-US" sz="1800" dirty="0" smtClean="0">
+                <a:latin typeface="Cambria Math" panose="02040503050406030204" pitchFamily="18" charset="0"/>
+                <a:ea typeface="Cambria Math" panose="02040503050406030204" pitchFamily="18" charset="0"/>
+              </a:rPr>
+              <a:t>，又充分考虑当前信息和已经掌握信息的</a:t>
+            </a:r>
+            <a:r>
+              <a:rPr lang="en-US" altLang="zh-CN" sz="1800" dirty="0" smtClean="0">
+                <a:latin typeface="Cambria Math" panose="02040503050406030204" pitchFamily="18" charset="0"/>
+                <a:ea typeface="Cambria Math" panose="02040503050406030204" pitchFamily="18" charset="0"/>
+              </a:rPr>
+              <a:t>attention</a:t>
+            </a:r>
+            <a:r>
+              <a:rPr lang="zh-CN" altLang="en-US" sz="1800" dirty="0" smtClean="0">
+                <a:latin typeface="Cambria Math" panose="02040503050406030204" pitchFamily="18" charset="0"/>
+                <a:ea typeface="Cambria Math" panose="02040503050406030204" pitchFamily="18" charset="0"/>
+              </a:rPr>
+              <a:t>。在累积信息的过程中，利用门的结构，充分控制信息流。</a:t>
+            </a:r>
+            <a:endParaRPr lang="en-US" altLang="zh-CN" sz="1800" dirty="0" smtClean="0">
+              <a:latin typeface="Cambria Math" panose="02040503050406030204" pitchFamily="18" charset="0"/>
+              <a:ea typeface="Cambria Math" panose="02040503050406030204" pitchFamily="18" charset="0"/>
+            </a:endParaRPr>
+          </a:p>
+          <a:p>
+            <a:pPr marL="0" indent="0">
+              <a:lnSpc>
+                <a:spcPct val="100000"/>
+              </a:lnSpc>
+              <a:buNone/>
+            </a:pPr>
+            <a:r>
+              <a:rPr lang="zh-CN" altLang="en-US" sz="1800" dirty="0" smtClean="0">
+                <a:latin typeface="Cambria Math" panose="02040503050406030204" pitchFamily="18" charset="0"/>
+                <a:ea typeface="Cambria Math" panose="02040503050406030204" pitchFamily="18" charset="0"/>
+              </a:rPr>
+              <a:t>文章可以认为是从多个层次上控制信息和提取信息，从目前来看，效果是很好的。</a:t>
+            </a:r>
+            <a:endParaRPr lang="en-US" altLang="zh-CN" sz="1800" dirty="0" smtClean="0">
               <a:latin typeface="Cambria Math" panose="02040503050406030204" pitchFamily="18" charset="0"/>
               <a:ea typeface="Cambria Math" panose="02040503050406030204" pitchFamily="18" charset="0"/>
             </a:endParaRPr>
@@ -12406,7 +12796,7 @@
     </p:spTree>
     <p:extLst>
       <p:ext uri="{BB962C8B-B14F-4D97-AF65-F5344CB8AC3E}">
-        <p14:creationId xmlns:p14="http://schemas.microsoft.com/office/powerpoint/2010/main" val="175825372"/>
+        <p14:creationId xmlns:p14="http://schemas.microsoft.com/office/powerpoint/2010/main" val="3889800577"/>
       </p:ext>
     </p:extLst>
   </p:cSld>
@@ -12468,20 +12858,12 @@
               </a:spcBef>
             </a:pPr>
             <a:r>
-              <a:rPr lang="zh-CN" altLang="en-US" sz="3200" dirty="0">
+              <a:rPr lang="en-US" altLang="zh-CN" sz="3200" dirty="0" smtClean="0">
                 <a:latin typeface="Cambria Math" panose="02040503050406030204" pitchFamily="18" charset="0"/>
                 <a:ea typeface="Cambria Math" panose="02040503050406030204" pitchFamily="18" charset="0"/>
                 <a:cs typeface="+mn-cs"/>
               </a:rPr>
-              <a:t>阅读理解问题代码实现中</a:t>
-            </a:r>
-            <a:r>
-              <a:rPr lang="en-US" altLang="zh-CN" sz="3200" dirty="0">
-                <a:latin typeface="Cambria Math" panose="02040503050406030204" pitchFamily="18" charset="0"/>
-                <a:ea typeface="Cambria Math" panose="02040503050406030204" pitchFamily="18" charset="0"/>
-                <a:cs typeface="+mn-cs"/>
-              </a:rPr>
-              <a:t>trick</a:t>
+              <a:t>Gated-attention Reader</a:t>
             </a:r>
             <a:endParaRPr lang="zh-CN" altLang="en-US" sz="3200" dirty="0">
               <a:latin typeface="Cambria Math" panose="02040503050406030204" pitchFamily="18" charset="0"/>
@@ -12514,21 +12896,420 @@
           <a:lstStyle/>
           <a:p>
             <a:pPr marL="0" indent="0">
+              <a:lnSpc>
+                <a:spcPct val="100000"/>
+              </a:lnSpc>
               <a:buNone/>
             </a:pPr>
+            <a:endParaRPr lang="en-US" altLang="zh-CN" sz="2000" dirty="0" smtClean="0">
+              <a:latin typeface="Cambria Math" panose="02040503050406030204" pitchFamily="18" charset="0"/>
+              <a:ea typeface="Cambria Math" panose="02040503050406030204" pitchFamily="18" charset="0"/>
+            </a:endParaRPr>
+          </a:p>
+        </p:txBody>
+      </p:sp>
+    </p:spTree>
+    <p:extLst>
+      <p:ext uri="{BB962C8B-B14F-4D97-AF65-F5344CB8AC3E}">
+        <p14:creationId xmlns:p14="http://schemas.microsoft.com/office/powerpoint/2010/main" val="3140042793"/>
+      </p:ext>
+    </p:extLst>
+  </p:cSld>
+  <p:clrMapOvr>
+    <a:masterClrMapping/>
+  </p:clrMapOvr>
+  <p:timing>
+    <p:tnLst>
+      <p:par>
+        <p:cTn id="1" dur="indefinite" restart="never" nodeType="tmRoot"/>
+      </p:par>
+    </p:tnLst>
+  </p:timing>
+</p:sld>
+</file>
+
+<file path=ppt/slides/slide23.xml><?xml version="1.0" encoding="utf-8"?>
+<p:sld xmlns:a="http://schemas.openxmlformats.org/drawingml/2006/main" xmlns:r="http://schemas.openxmlformats.org/officeDocument/2006/relationships" xmlns:p="http://schemas.openxmlformats.org/presentationml/2006/main">
+  <p:cSld>
+    <p:spTree>
+      <p:nvGrpSpPr>
+        <p:cNvPr id="1" name=""/>
+        <p:cNvGrpSpPr/>
+        <p:nvPr/>
+      </p:nvGrpSpPr>
+      <p:grpSpPr>
+        <a:xfrm>
+          <a:off x="0" y="0"/>
+          <a:ext cx="0" cy="0"/>
+          <a:chOff x="0" y="0"/>
+          <a:chExt cx="0" cy="0"/>
+        </a:xfrm>
+      </p:grpSpPr>
+      <p:sp>
+        <p:nvSpPr>
+          <p:cNvPr id="2" name="标题 1"/>
+          <p:cNvSpPr>
+            <a:spLocks noGrp="1"/>
+          </p:cNvSpPr>
+          <p:nvPr>
+            <p:ph type="title"/>
+          </p:nvPr>
+        </p:nvSpPr>
+        <p:spPr>
+          <a:xfrm>
+            <a:off x="628650" y="365127"/>
+            <a:ext cx="7886700" cy="876934"/>
+          </a:xfrm>
+        </p:spPr>
+        <p:txBody>
+          <a:bodyPr>
+            <a:normAutofit/>
+          </a:bodyPr>
+          <a:lstStyle/>
+          <a:p>
+            <a:pPr algn="ctr">
+              <a:spcBef>
+                <a:spcPts val="750"/>
+              </a:spcBef>
+            </a:pPr>
+            <a:r>
+              <a:rPr lang="zh-CN" altLang="en-US" sz="3200" dirty="0">
+                <a:latin typeface="Cambria Math" panose="02040503050406030204" pitchFamily="18" charset="0"/>
+                <a:ea typeface="Cambria Math" panose="02040503050406030204" pitchFamily="18" charset="0"/>
+                <a:cs typeface="+mn-cs"/>
+              </a:rPr>
+              <a:t>实验</a:t>
+            </a:r>
+            <a:r>
+              <a:rPr lang="zh-CN" altLang="en-US" sz="3200" dirty="0" smtClean="0">
+                <a:latin typeface="Cambria Math" panose="02040503050406030204" pitchFamily="18" charset="0"/>
+                <a:ea typeface="Cambria Math" panose="02040503050406030204" pitchFamily="18" charset="0"/>
+                <a:cs typeface="+mn-cs"/>
+              </a:rPr>
+              <a:t>结果对比</a:t>
+            </a:r>
+            <a:endParaRPr lang="zh-CN" altLang="en-US" sz="3200" dirty="0">
+              <a:latin typeface="Cambria Math" panose="02040503050406030204" pitchFamily="18" charset="0"/>
+              <a:ea typeface="Cambria Math" panose="02040503050406030204" pitchFamily="18" charset="0"/>
+              <a:cs typeface="+mn-cs"/>
+            </a:endParaRPr>
+          </a:p>
+        </p:txBody>
+      </p:sp>
+      <p:sp>
+        <p:nvSpPr>
+          <p:cNvPr id="3" name="内容占位符 2"/>
+          <p:cNvSpPr>
+            <a:spLocks noGrp="1"/>
+          </p:cNvSpPr>
+          <p:nvPr>
+            <p:ph idx="1"/>
+          </p:nvPr>
+        </p:nvSpPr>
+        <p:spPr>
+          <a:xfrm>
+            <a:off x="628650" y="1525345"/>
+            <a:ext cx="7886700" cy="4630103"/>
+          </a:xfrm>
+        </p:spPr>
+        <p:txBody>
+          <a:bodyPr>
+            <a:normAutofit/>
+          </a:bodyPr>
+          <a:lstStyle/>
+          <a:p>
+            <a:pPr marL="0" indent="0">
+              <a:lnSpc>
+                <a:spcPct val="100000"/>
+              </a:lnSpc>
+              <a:buNone/>
+            </a:pPr>
+            <a:endParaRPr lang="en-US" altLang="zh-CN" sz="2000" dirty="0" smtClean="0">
+              <a:latin typeface="Cambria Math" panose="02040503050406030204" pitchFamily="18" charset="0"/>
+              <a:ea typeface="Cambria Math" panose="02040503050406030204" pitchFamily="18" charset="0"/>
+            </a:endParaRPr>
+          </a:p>
+        </p:txBody>
+      </p:sp>
+    </p:spTree>
+    <p:extLst>
+      <p:ext uri="{BB962C8B-B14F-4D97-AF65-F5344CB8AC3E}">
+        <p14:creationId xmlns:p14="http://schemas.microsoft.com/office/powerpoint/2010/main" val="2350579956"/>
+      </p:ext>
+    </p:extLst>
+  </p:cSld>
+  <p:clrMapOvr>
+    <a:masterClrMapping/>
+  </p:clrMapOvr>
+  <p:timing>
+    <p:tnLst>
+      <p:par>
+        <p:cTn id="1" dur="indefinite" restart="never" nodeType="tmRoot"/>
+      </p:par>
+    </p:tnLst>
+  </p:timing>
+</p:sld>
+</file>
+
+<file path=ppt/slides/slide24.xml><?xml version="1.0" encoding="utf-8"?>
+<p:sld xmlns:a="http://schemas.openxmlformats.org/drawingml/2006/main" xmlns:r="http://schemas.openxmlformats.org/officeDocument/2006/relationships" xmlns:p="http://schemas.openxmlformats.org/presentationml/2006/main">
+  <p:cSld>
+    <p:spTree>
+      <p:nvGrpSpPr>
+        <p:cNvPr id="1" name=""/>
+        <p:cNvGrpSpPr/>
+        <p:nvPr/>
+      </p:nvGrpSpPr>
+      <p:grpSpPr>
+        <a:xfrm>
+          <a:off x="0" y="0"/>
+          <a:ext cx="0" cy="0"/>
+          <a:chOff x="0" y="0"/>
+          <a:chExt cx="0" cy="0"/>
+        </a:xfrm>
+      </p:grpSpPr>
+      <p:sp>
+        <p:nvSpPr>
+          <p:cNvPr id="2" name="标题 1"/>
+          <p:cNvSpPr>
+            <a:spLocks noGrp="1"/>
+          </p:cNvSpPr>
+          <p:nvPr>
+            <p:ph type="title"/>
+          </p:nvPr>
+        </p:nvSpPr>
+        <p:spPr>
+          <a:xfrm>
+            <a:off x="628650" y="365127"/>
+            <a:ext cx="7886700" cy="876934"/>
+          </a:xfrm>
+        </p:spPr>
+        <p:txBody>
+          <a:bodyPr>
+            <a:normAutofit/>
+          </a:bodyPr>
+          <a:lstStyle/>
+          <a:p>
+            <a:pPr algn="ctr">
+              <a:spcBef>
+                <a:spcPts val="750"/>
+              </a:spcBef>
+            </a:pPr>
+            <a:r>
+              <a:rPr lang="zh-CN" altLang="en-US" sz="3200" dirty="0" smtClean="0">
+                <a:latin typeface="Cambria Math" panose="02040503050406030204" pitchFamily="18" charset="0"/>
+                <a:ea typeface="Cambria Math" panose="02040503050406030204" pitchFamily="18" charset="0"/>
+                <a:cs typeface="+mn-cs"/>
+              </a:rPr>
+              <a:t>从其他方面来考虑问题</a:t>
+            </a:r>
+            <a:endParaRPr lang="zh-CN" altLang="en-US" sz="3200" dirty="0">
+              <a:latin typeface="Cambria Math" panose="02040503050406030204" pitchFamily="18" charset="0"/>
+              <a:ea typeface="Cambria Math" panose="02040503050406030204" pitchFamily="18" charset="0"/>
+              <a:cs typeface="+mn-cs"/>
+            </a:endParaRPr>
+          </a:p>
+        </p:txBody>
+      </p:sp>
+      <p:sp>
+        <p:nvSpPr>
+          <p:cNvPr id="4" name="内容占位符 3"/>
+          <p:cNvSpPr>
+            <a:spLocks noGrp="1"/>
+          </p:cNvSpPr>
+          <p:nvPr>
+            <p:ph idx="1"/>
+          </p:nvPr>
+        </p:nvSpPr>
+        <p:spPr/>
+        <p:txBody>
+          <a:bodyPr/>
+          <a:lstStyle/>
+          <a:p>
+            <a:endParaRPr lang="zh-CN" altLang="en-US"/>
+          </a:p>
+        </p:txBody>
+      </p:sp>
+    </p:spTree>
+    <p:extLst>
+      <p:ext uri="{BB962C8B-B14F-4D97-AF65-F5344CB8AC3E}">
+        <p14:creationId xmlns:p14="http://schemas.microsoft.com/office/powerpoint/2010/main" val="175825372"/>
+      </p:ext>
+    </p:extLst>
+  </p:cSld>
+  <p:clrMapOvr>
+    <a:masterClrMapping/>
+  </p:clrMapOvr>
+  <p:timing>
+    <p:tnLst>
+      <p:par>
+        <p:cTn id="1" dur="indefinite" restart="never" nodeType="tmRoot"/>
+      </p:par>
+    </p:tnLst>
+  </p:timing>
+</p:sld>
+</file>
+
+<file path=ppt/slides/slide25.xml><?xml version="1.0" encoding="utf-8"?>
+<p:sld xmlns:a="http://schemas.openxmlformats.org/drawingml/2006/main" xmlns:r="http://schemas.openxmlformats.org/officeDocument/2006/relationships" xmlns:p="http://schemas.openxmlformats.org/presentationml/2006/main">
+  <p:cSld>
+    <p:spTree>
+      <p:nvGrpSpPr>
+        <p:cNvPr id="1" name=""/>
+        <p:cNvGrpSpPr/>
+        <p:nvPr/>
+      </p:nvGrpSpPr>
+      <p:grpSpPr>
+        <a:xfrm>
+          <a:off x="0" y="0"/>
+          <a:ext cx="0" cy="0"/>
+          <a:chOff x="0" y="0"/>
+          <a:chExt cx="0" cy="0"/>
+        </a:xfrm>
+      </p:grpSpPr>
+      <p:sp>
+        <p:nvSpPr>
+          <p:cNvPr id="2" name="标题 1"/>
+          <p:cNvSpPr>
+            <a:spLocks noGrp="1"/>
+          </p:cNvSpPr>
+          <p:nvPr>
+            <p:ph type="title"/>
+          </p:nvPr>
+        </p:nvSpPr>
+        <p:spPr>
+          <a:xfrm>
+            <a:off x="628650" y="365127"/>
+            <a:ext cx="7886700" cy="876934"/>
+          </a:xfrm>
+        </p:spPr>
+        <p:txBody>
+          <a:bodyPr>
+            <a:normAutofit/>
+          </a:bodyPr>
+          <a:lstStyle/>
+          <a:p>
+            <a:pPr algn="ctr">
+              <a:spcBef>
+                <a:spcPts val="750"/>
+              </a:spcBef>
+            </a:pPr>
+            <a:r>
+              <a:rPr lang="zh-CN" altLang="en-US" sz="3200" dirty="0">
+                <a:latin typeface="Cambria Math" panose="02040503050406030204" pitchFamily="18" charset="0"/>
+                <a:ea typeface="Cambria Math" panose="02040503050406030204" pitchFamily="18" charset="0"/>
+                <a:cs typeface="+mn-cs"/>
+              </a:rPr>
+              <a:t>阅读理解问题代码实现中</a:t>
+            </a:r>
+            <a:r>
+              <a:rPr lang="en-US" altLang="zh-CN" sz="3200" dirty="0">
+                <a:latin typeface="Cambria Math" panose="02040503050406030204" pitchFamily="18" charset="0"/>
+                <a:ea typeface="Cambria Math" panose="02040503050406030204" pitchFamily="18" charset="0"/>
+                <a:cs typeface="+mn-cs"/>
+              </a:rPr>
+              <a:t>trick</a:t>
+            </a:r>
+            <a:endParaRPr lang="zh-CN" altLang="en-US" sz="3200" dirty="0">
+              <a:latin typeface="Cambria Math" panose="02040503050406030204" pitchFamily="18" charset="0"/>
+              <a:ea typeface="Cambria Math" panose="02040503050406030204" pitchFamily="18" charset="0"/>
+              <a:cs typeface="+mn-cs"/>
+            </a:endParaRPr>
+          </a:p>
+        </p:txBody>
+      </p:sp>
+      <p:sp>
+        <p:nvSpPr>
+          <p:cNvPr id="3" name="内容占位符 2"/>
+          <p:cNvSpPr>
+            <a:spLocks noGrp="1"/>
+          </p:cNvSpPr>
+          <p:nvPr>
+            <p:ph idx="1"/>
+          </p:nvPr>
+        </p:nvSpPr>
+        <p:spPr>
+          <a:xfrm>
+            <a:off x="628650" y="1525345"/>
+            <a:ext cx="7886700" cy="4630103"/>
+          </a:xfrm>
+        </p:spPr>
+        <p:txBody>
+          <a:bodyPr>
+            <a:normAutofit/>
+          </a:bodyPr>
+          <a:lstStyle/>
+          <a:p>
+            <a:pPr marL="0" indent="0">
+              <a:buNone/>
+            </a:pPr>
+            <a:endParaRPr lang="en-US" altLang="zh-CN" sz="2000" dirty="0" smtClean="0">
+              <a:latin typeface="Cambria Math" panose="02040503050406030204" pitchFamily="18" charset="0"/>
+              <a:ea typeface="Cambria Math" panose="02040503050406030204" pitchFamily="18" charset="0"/>
+            </a:endParaRPr>
+          </a:p>
+          <a:p>
+            <a:pPr marL="0" indent="0">
+              <a:buNone/>
+            </a:pPr>
             <a:r>
               <a:rPr lang="en-US" altLang="zh-CN" sz="2000" dirty="0" smtClean="0">
-                <a:latin typeface="微软雅黑" panose="020B0503020204020204" pitchFamily="34" charset="-122"/>
-                <a:ea typeface="微软雅黑" panose="020B0503020204020204" pitchFamily="34" charset="-122"/>
-              </a:rPr>
-              <a:t>Tricks</a:t>
+                <a:latin typeface="Cambria Math" panose="02040503050406030204" pitchFamily="18" charset="0"/>
+                <a:ea typeface="Cambria Math" panose="02040503050406030204" pitchFamily="18" charset="0"/>
+              </a:rPr>
+              <a:t>Some of tricks for reading comprehension</a:t>
+            </a:r>
+            <a:br>
+              <a:rPr lang="en-US" altLang="zh-CN" sz="2000" dirty="0" smtClean="0">
+                <a:latin typeface="Cambria Math" panose="02040503050406030204" pitchFamily="18" charset="0"/>
+                <a:ea typeface="Cambria Math" panose="02040503050406030204" pitchFamily="18" charset="0"/>
+              </a:rPr>
+            </a:br>
+            <a:endParaRPr lang="en-US" altLang="zh-CN" sz="2000" dirty="0" smtClean="0">
+              <a:latin typeface="Cambria Math" panose="02040503050406030204" pitchFamily="18" charset="0"/>
+              <a:ea typeface="Cambria Math" panose="02040503050406030204" pitchFamily="18" charset="0"/>
+            </a:endParaRPr>
+          </a:p>
+          <a:p>
+            <a:pPr marL="0" indent="0">
+              <a:buNone/>
+            </a:pPr>
+            <a:r>
+              <a:rPr lang="en-US" altLang="zh-CN" sz="2000" dirty="0" smtClean="0">
+                <a:latin typeface="Cambria Math" panose="02040503050406030204" pitchFamily="18" charset="0"/>
+                <a:ea typeface="Cambria Math" panose="02040503050406030204" pitchFamily="18" charset="0"/>
+              </a:rPr>
+              <a:t>1</a:t>
             </a:r>
             <a:r>
               <a:rPr lang="zh-CN" altLang="en-US" sz="2000" dirty="0" smtClean="0">
-                <a:latin typeface="微软雅黑" panose="020B0503020204020204" pitchFamily="34" charset="-122"/>
-                <a:ea typeface="微软雅黑" panose="020B0503020204020204" pitchFamily="34" charset="-122"/>
-              </a:rPr>
-              <a:t>！利用不同的词向量的特征</a:t>
+                <a:latin typeface="Cambria Math" panose="02040503050406030204" pitchFamily="18" charset="0"/>
+                <a:ea typeface="Cambria Math" panose="02040503050406030204" pitchFamily="18" charset="0"/>
+              </a:rPr>
+              <a:t>：利用不同的词向量特征，介绍关于词向量部分的处理</a:t>
+            </a:r>
+            <a:endParaRPr lang="en-US" altLang="zh-CN" sz="2000" dirty="0" smtClean="0">
+              <a:latin typeface="Cambria Math" panose="02040503050406030204" pitchFamily="18" charset="0"/>
+              <a:ea typeface="Cambria Math" panose="02040503050406030204" pitchFamily="18" charset="0"/>
+            </a:endParaRPr>
+          </a:p>
+          <a:p>
+            <a:pPr marL="0" indent="0">
+              <a:buNone/>
+            </a:pPr>
+            <a:r>
+              <a:rPr lang="en-US" altLang="zh-CN" sz="2000" dirty="0" smtClean="0">
+                <a:latin typeface="Cambria Math" panose="02040503050406030204" pitchFamily="18" charset="0"/>
+                <a:ea typeface="Cambria Math" panose="02040503050406030204" pitchFamily="18" charset="0"/>
+              </a:rPr>
+              <a:t>2</a:t>
+            </a:r>
+            <a:r>
+              <a:rPr lang="zh-CN" altLang="en-US" sz="2000" dirty="0" smtClean="0">
+                <a:latin typeface="Cambria Math" panose="02040503050406030204" pitchFamily="18" charset="0"/>
+                <a:ea typeface="Cambria Math" panose="02040503050406030204" pitchFamily="18" charset="0"/>
+              </a:rPr>
+              <a:t>：如何融入大量的语言学特征</a:t>
             </a:r>
             <a:endParaRPr lang="en-US" altLang="zh-CN" sz="2000" dirty="0" smtClean="0">
               <a:latin typeface="微软雅黑" panose="020B0503020204020204" pitchFamily="34" charset="-122"/>
@@ -12584,6 +13365,257 @@
             <p:ph type="title"/>
           </p:nvPr>
         </p:nvSpPr>
+        <p:spPr/>
+        <p:txBody>
+          <a:bodyPr>
+            <a:normAutofit/>
+          </a:bodyPr>
+          <a:lstStyle/>
+          <a:p>
+            <a:pPr algn="ctr"/>
+            <a:r>
+              <a:rPr lang="zh-CN" altLang="en-US" sz="3200" dirty="0" smtClean="0">
+                <a:latin typeface="Cambria Math" panose="02040503050406030204" pitchFamily="18" charset="0"/>
+                <a:ea typeface="Cambria Math" panose="02040503050406030204" pitchFamily="18" charset="0"/>
+              </a:rPr>
+              <a:t>现有数据集介绍</a:t>
+            </a:r>
+            <a:endParaRPr lang="zh-CN" altLang="en-US" sz="3200" dirty="0"/>
+          </a:p>
+        </p:txBody>
+      </p:sp>
+      <p:sp>
+        <p:nvSpPr>
+          <p:cNvPr id="3" name="内容占位符 2"/>
+          <p:cNvSpPr>
+            <a:spLocks noGrp="1"/>
+          </p:cNvSpPr>
+          <p:nvPr>
+            <p:ph idx="1"/>
+          </p:nvPr>
+        </p:nvSpPr>
+        <p:spPr/>
+        <p:txBody>
+          <a:bodyPr/>
+          <a:lstStyle/>
+          <a:p>
+            <a:pPr marL="0" indent="0">
+              <a:lnSpc>
+                <a:spcPct val="100000"/>
+              </a:lnSpc>
+              <a:buNone/>
+            </a:pPr>
+            <a:r>
+              <a:rPr lang="en-US" altLang="zh-CN" dirty="0" smtClean="0"/>
+              <a:t>1</a:t>
+            </a:r>
+            <a:r>
+              <a:rPr lang="zh-CN" altLang="en-US" dirty="0" smtClean="0"/>
+              <a:t>：</a:t>
+            </a:r>
+            <a:r>
+              <a:rPr lang="en-US" altLang="zh-CN" sz="1800" dirty="0">
+                <a:latin typeface="Cambria Math" panose="02040503050406030204" pitchFamily="18" charset="0"/>
+                <a:ea typeface="Cambria Math" panose="02040503050406030204" pitchFamily="18" charset="0"/>
+              </a:rPr>
+              <a:t>CNN &amp; </a:t>
+            </a:r>
+            <a:r>
+              <a:rPr lang="en-US" altLang="zh-CN" sz="1800" dirty="0" err="1" smtClean="0">
+                <a:latin typeface="Cambria Math" panose="02040503050406030204" pitchFamily="18" charset="0"/>
+                <a:ea typeface="Cambria Math" panose="02040503050406030204" pitchFamily="18" charset="0"/>
+              </a:rPr>
+              <a:t>DailyMail</a:t>
+            </a:r>
+            <a:r>
+              <a:rPr lang="en-US" altLang="zh-CN" sz="1800" dirty="0" smtClean="0">
+                <a:latin typeface="Cambria Math" panose="02040503050406030204" pitchFamily="18" charset="0"/>
+                <a:ea typeface="Cambria Math" panose="02040503050406030204" pitchFamily="18" charset="0"/>
+              </a:rPr>
+              <a:t> </a:t>
+            </a:r>
+          </a:p>
+          <a:p>
+            <a:pPr marL="0" indent="0">
+              <a:lnSpc>
+                <a:spcPct val="100000"/>
+              </a:lnSpc>
+              <a:buNone/>
+            </a:pPr>
+            <a:endParaRPr lang="en-US" altLang="zh-CN" sz="1800" dirty="0">
+              <a:latin typeface="Cambria Math" panose="02040503050406030204" pitchFamily="18" charset="0"/>
+              <a:ea typeface="Cambria Math" panose="02040503050406030204" pitchFamily="18" charset="0"/>
+            </a:endParaRPr>
+          </a:p>
+          <a:p>
+            <a:pPr marL="0" indent="0">
+              <a:lnSpc>
+                <a:spcPct val="100000"/>
+              </a:lnSpc>
+              <a:buNone/>
+            </a:pPr>
+            <a:endParaRPr lang="en-US" altLang="zh-CN" sz="1800" dirty="0" smtClean="0">
+              <a:latin typeface="Cambria Math" panose="02040503050406030204" pitchFamily="18" charset="0"/>
+              <a:ea typeface="Cambria Math" panose="02040503050406030204" pitchFamily="18" charset="0"/>
+            </a:endParaRPr>
+          </a:p>
+          <a:p>
+            <a:pPr marL="0" indent="0">
+              <a:lnSpc>
+                <a:spcPct val="100000"/>
+              </a:lnSpc>
+              <a:buNone/>
+            </a:pPr>
+            <a:endParaRPr lang="en-US" altLang="zh-CN" sz="1800" dirty="0">
+              <a:latin typeface="Cambria Math" panose="02040503050406030204" pitchFamily="18" charset="0"/>
+              <a:ea typeface="Cambria Math" panose="02040503050406030204" pitchFamily="18" charset="0"/>
+            </a:endParaRPr>
+          </a:p>
+          <a:p>
+            <a:pPr marL="0" indent="0">
+              <a:lnSpc>
+                <a:spcPct val="100000"/>
+              </a:lnSpc>
+              <a:buNone/>
+            </a:pPr>
+            <a:endParaRPr lang="en-US" altLang="zh-CN" sz="1800" dirty="0" smtClean="0">
+              <a:latin typeface="Cambria Math" panose="02040503050406030204" pitchFamily="18" charset="0"/>
+              <a:ea typeface="Cambria Math" panose="02040503050406030204" pitchFamily="18" charset="0"/>
+            </a:endParaRPr>
+          </a:p>
+          <a:p>
+            <a:pPr marL="0" indent="0">
+              <a:lnSpc>
+                <a:spcPct val="100000"/>
+              </a:lnSpc>
+              <a:buNone/>
+            </a:pPr>
+            <a:endParaRPr lang="en-US" altLang="zh-CN" sz="1800" dirty="0">
+              <a:latin typeface="Cambria Math" panose="02040503050406030204" pitchFamily="18" charset="0"/>
+              <a:ea typeface="Cambria Math" panose="02040503050406030204" pitchFamily="18" charset="0"/>
+            </a:endParaRPr>
+          </a:p>
+          <a:p>
+            <a:pPr marL="0" indent="0">
+              <a:lnSpc>
+                <a:spcPct val="100000"/>
+              </a:lnSpc>
+              <a:buNone/>
+            </a:pPr>
+            <a:endParaRPr lang="en-US" altLang="zh-CN" sz="1800" dirty="0" smtClean="0">
+              <a:latin typeface="Cambria Math" panose="02040503050406030204" pitchFamily="18" charset="0"/>
+              <a:ea typeface="Cambria Math" panose="02040503050406030204" pitchFamily="18" charset="0"/>
+            </a:endParaRPr>
+          </a:p>
+          <a:p>
+            <a:pPr marL="0" indent="0">
+              <a:lnSpc>
+                <a:spcPct val="100000"/>
+              </a:lnSpc>
+              <a:buNone/>
+            </a:pPr>
+            <a:endParaRPr lang="en-US" altLang="zh-CN" sz="1800" dirty="0">
+              <a:latin typeface="Cambria Math" panose="02040503050406030204" pitchFamily="18" charset="0"/>
+              <a:ea typeface="Cambria Math" panose="02040503050406030204" pitchFamily="18" charset="0"/>
+            </a:endParaRPr>
+          </a:p>
+          <a:p>
+            <a:pPr marL="0" indent="0">
+              <a:lnSpc>
+                <a:spcPct val="100000"/>
+              </a:lnSpc>
+              <a:buNone/>
+            </a:pPr>
+            <a:endParaRPr lang="en-US" altLang="zh-CN" sz="1800" dirty="0" smtClean="0">
+              <a:latin typeface="Cambria Math" panose="02040503050406030204" pitchFamily="18" charset="0"/>
+              <a:ea typeface="Cambria Math" panose="02040503050406030204" pitchFamily="18" charset="0"/>
+            </a:endParaRPr>
+          </a:p>
+          <a:p>
+            <a:pPr marL="0" indent="0">
+              <a:lnSpc>
+                <a:spcPct val="100000"/>
+              </a:lnSpc>
+              <a:buNone/>
+            </a:pPr>
+            <a:r>
+              <a:rPr lang="zh-CN" altLang="en-US" sz="1800" dirty="0" smtClean="0">
+                <a:latin typeface="Cambria Math" panose="02040503050406030204" pitchFamily="18" charset="0"/>
+                <a:ea typeface="Cambria Math" panose="02040503050406030204" pitchFamily="18" charset="0"/>
+              </a:rPr>
+              <a:t>特点：问题是以摘要的形式出现，而不是从文中随机选择一个句子作为问题。</a:t>
+            </a:r>
+            <a:endParaRPr lang="zh-CN" altLang="en-US" sz="1800" dirty="0">
+              <a:latin typeface="Cambria Math" panose="02040503050406030204" pitchFamily="18" charset="0"/>
+              <a:ea typeface="Cambria Math" panose="02040503050406030204" pitchFamily="18" charset="0"/>
+            </a:endParaRPr>
+          </a:p>
+        </p:txBody>
+      </p:sp>
+      <p:pic>
+        <p:nvPicPr>
+          <p:cNvPr id="4" name="图片 3"/>
+          <p:cNvPicPr>
+            <a:picLocks noChangeAspect="1"/>
+          </p:cNvPicPr>
+          <p:nvPr/>
+        </p:nvPicPr>
+        <p:blipFill>
+          <a:blip r:embed="rId3"/>
+          <a:stretch>
+            <a:fillRect/>
+          </a:stretch>
+        </p:blipFill>
+        <p:spPr>
+          <a:xfrm>
+            <a:off x="1786862" y="2331079"/>
+            <a:ext cx="5570276" cy="2620361"/>
+          </a:xfrm>
+          <a:prstGeom prst="rect">
+            <a:avLst/>
+          </a:prstGeom>
+        </p:spPr>
+      </p:pic>
+    </p:spTree>
+    <p:extLst>
+      <p:ext uri="{BB962C8B-B14F-4D97-AF65-F5344CB8AC3E}">
+        <p14:creationId xmlns:p14="http://schemas.microsoft.com/office/powerpoint/2010/main" val="4222983279"/>
+      </p:ext>
+    </p:extLst>
+  </p:cSld>
+  <p:clrMapOvr>
+    <a:masterClrMapping/>
+  </p:clrMapOvr>
+</p:sld>
+</file>
+
+<file path=ppt/slides/slide4.xml><?xml version="1.0" encoding="utf-8"?>
+<p:sld xmlns:a="http://schemas.openxmlformats.org/drawingml/2006/main" xmlns:r="http://schemas.openxmlformats.org/officeDocument/2006/relationships" xmlns:p="http://schemas.openxmlformats.org/presentationml/2006/main">
+  <p:cSld>
+    <p:spTree>
+      <p:nvGrpSpPr>
+        <p:cNvPr id="1" name=""/>
+        <p:cNvGrpSpPr/>
+        <p:nvPr/>
+      </p:nvGrpSpPr>
+      <p:grpSpPr>
+        <a:xfrm>
+          <a:off x="0" y="0"/>
+          <a:ext cx="0" cy="0"/>
+          <a:chOff x="0" y="0"/>
+          <a:chExt cx="0" cy="0"/>
+        </a:xfrm>
+      </p:grpSpPr>
+      <p:sp>
+        <p:nvSpPr>
+          <p:cNvPr id="2" name="标题 1"/>
+          <p:cNvSpPr>
+            <a:spLocks noGrp="1"/>
+          </p:cNvSpPr>
+          <p:nvPr>
+            <p:ph type="title"/>
+          </p:nvPr>
+        </p:nvSpPr>
         <p:spPr>
           <a:xfrm>
             <a:off x="628650" y="365127"/>
@@ -12602,13 +13634,26 @@
               </a:spcBef>
             </a:pPr>
             <a:r>
-              <a:rPr lang="zh-CN" altLang="en-US" sz="3200" dirty="0">
+              <a:rPr lang="en-US" altLang="zh-CN" sz="3200" dirty="0" smtClean="0">
                 <a:latin typeface="Cambria Math" panose="02040503050406030204" pitchFamily="18" charset="0"/>
                 <a:ea typeface="Cambria Math" panose="02040503050406030204" pitchFamily="18" charset="0"/>
                 <a:cs typeface="+mn-cs"/>
               </a:rPr>
+              <a:t>CNN &amp; Daily Mail</a:t>
+            </a:r>
+            <a:r>
+              <a:rPr lang="zh-CN" altLang="en-US" sz="3200" dirty="0" smtClean="0">
+                <a:latin typeface="Cambria Math" panose="02040503050406030204" pitchFamily="18" charset="0"/>
+                <a:ea typeface="Cambria Math" panose="02040503050406030204" pitchFamily="18" charset="0"/>
+                <a:cs typeface="+mn-cs"/>
+              </a:rPr>
               <a:t>数据预处理</a:t>
             </a:r>
+            <a:endParaRPr lang="zh-CN" altLang="en-US" sz="3200" dirty="0">
+              <a:latin typeface="Cambria Math" panose="02040503050406030204" pitchFamily="18" charset="0"/>
+              <a:ea typeface="Cambria Math" panose="02040503050406030204" pitchFamily="18" charset="0"/>
+              <a:cs typeface="+mn-cs"/>
+            </a:endParaRPr>
           </a:p>
         </p:txBody>
       </p:sp>
@@ -12659,7 +13704,31 @@
                 <a:latin typeface="Cambria Math" panose="02040503050406030204" pitchFamily="18" charset="0"/>
                 <a:ea typeface="Cambria Math" panose="02040503050406030204" pitchFamily="18" charset="0"/>
               </a:rPr>
-              <a:t>这样可以保证算法是真的从文章中理解出答案，而不是根据先验知识直接推算出答案。</a:t>
+              <a:t>这样可以保证算法是真的从文章中理解出答案，而不是根据先验知识直接推算出答案</a:t>
+            </a:r>
+            <a:r>
+              <a:rPr lang="zh-CN" altLang="en-US" sz="1800" dirty="0" smtClean="0">
+                <a:latin typeface="Cambria Math" panose="02040503050406030204" pitchFamily="18" charset="0"/>
+                <a:ea typeface="Cambria Math" panose="02040503050406030204" pitchFamily="18" charset="0"/>
+              </a:rPr>
+              <a:t>。（</a:t>
+            </a:r>
+            <a:r>
+              <a:rPr lang="zh-CN" altLang="en-US" sz="1800" dirty="0" smtClean="0">
+                <a:solidFill>
+                  <a:srgbClr val="FF0000"/>
+                </a:solidFill>
+                <a:latin typeface="Cambria Math" panose="02040503050406030204" pitchFamily="18" charset="0"/>
+                <a:ea typeface="Cambria Math" panose="02040503050406030204" pitchFamily="18" charset="0"/>
+              </a:rPr>
+              <a:t>需要加入现有的存在的关于阅读的数据集合介绍</a:t>
+            </a:r>
+            <a:r>
+              <a:rPr lang="zh-CN" altLang="en-US" sz="1800" dirty="0" smtClean="0">
+                <a:latin typeface="Cambria Math" panose="02040503050406030204" pitchFamily="18" charset="0"/>
+                <a:ea typeface="Cambria Math" panose="02040503050406030204" pitchFamily="18" charset="0"/>
+              </a:rPr>
+              <a:t>）</a:t>
             </a:r>
             <a:endParaRPr lang="en-US" altLang="zh-CN" sz="1800" dirty="0">
               <a:latin typeface="Cambria Math" panose="02040503050406030204" pitchFamily="18" charset="0"/>
@@ -12690,7 +13759,7 @@
         </p:blipFill>
         <p:spPr>
           <a:xfrm>
-            <a:off x="725095" y="2227453"/>
+            <a:off x="725094" y="2656465"/>
             <a:ext cx="4067135" cy="3498983"/>
           </a:xfrm>
           <a:prstGeom prst="rect">
@@ -12797,122 +13866,7 @@
     </p:spTree>
     <p:extLst>
       <p:ext uri="{BB962C8B-B14F-4D97-AF65-F5344CB8AC3E}">
-        <p14:creationId xmlns:p14="http://schemas.microsoft.com/office/powerpoint/2010/main" val="192197314"/>
-      </p:ext>
-    </p:extLst>
-  </p:cSld>
-  <p:clrMapOvr>
-    <a:masterClrMapping/>
-  </p:clrMapOvr>
-  <p:timing>
-    <p:tnLst>
-      <p:par>
-        <p:cTn id="1" dur="indefinite" restart="never" nodeType="tmRoot"/>
-      </p:par>
-    </p:tnLst>
-  </p:timing>
-</p:sld>
-</file>
-
-<file path=ppt/slides/slide4.xml><?xml version="1.0" encoding="utf-8"?>
-<p:sld xmlns:a="http://schemas.openxmlformats.org/drawingml/2006/main" xmlns:r="http://schemas.openxmlformats.org/officeDocument/2006/relationships" xmlns:p="http://schemas.openxmlformats.org/presentationml/2006/main">
-  <p:cSld>
-    <p:spTree>
-      <p:nvGrpSpPr>
-        <p:cNvPr id="1" name=""/>
-        <p:cNvGrpSpPr/>
-        <p:nvPr/>
-      </p:nvGrpSpPr>
-      <p:grpSpPr>
-        <a:xfrm>
-          <a:off x="0" y="0"/>
-          <a:ext cx="0" cy="0"/>
-          <a:chOff x="0" y="0"/>
-          <a:chExt cx="0" cy="0"/>
-        </a:xfrm>
-      </p:grpSpPr>
-      <p:sp>
-        <p:nvSpPr>
-          <p:cNvPr id="2" name="标题 1"/>
-          <p:cNvSpPr>
-            <a:spLocks noGrp="1"/>
-          </p:cNvSpPr>
-          <p:nvPr>
-            <p:ph type="title"/>
-          </p:nvPr>
-        </p:nvSpPr>
-        <p:spPr>
-          <a:xfrm>
-            <a:off x="628650" y="365127"/>
-            <a:ext cx="7886700" cy="876934"/>
-          </a:xfrm>
-        </p:spPr>
-        <p:txBody>
-          <a:bodyPr>
-            <a:normAutofit/>
-          </a:bodyPr>
-          <a:lstStyle/>
-          <a:p>
-            <a:pPr algn="ctr">
-              <a:spcBef>
-                <a:spcPts val="750"/>
-              </a:spcBef>
-            </a:pPr>
-            <a:r>
-              <a:rPr lang="zh-CN" altLang="en-US" sz="3200" dirty="0" smtClean="0">
-                <a:latin typeface="Cambria Math" panose="02040503050406030204" pitchFamily="18" charset="0"/>
-                <a:ea typeface="Cambria Math" panose="02040503050406030204" pitchFamily="18" charset="0"/>
-                <a:cs typeface="+mn-cs"/>
-              </a:rPr>
-              <a:t>问题</a:t>
-            </a:r>
-            <a:r>
-              <a:rPr lang="zh-CN" altLang="en-US" sz="3200" dirty="0">
-                <a:latin typeface="Cambria Math" panose="02040503050406030204" pitchFamily="18" charset="0"/>
-                <a:ea typeface="Cambria Math" panose="02040503050406030204" pitchFamily="18" charset="0"/>
-                <a:cs typeface="+mn-cs"/>
-              </a:rPr>
-              <a:t>的数学描述</a:t>
-            </a:r>
-          </a:p>
-        </p:txBody>
-      </p:sp>
-      <p:sp>
-        <p:nvSpPr>
-          <p:cNvPr id="3" name="内容占位符 2"/>
-          <p:cNvSpPr>
-            <a:spLocks noGrp="1"/>
-          </p:cNvSpPr>
-          <p:nvPr>
-            <p:ph idx="1"/>
-          </p:nvPr>
-        </p:nvSpPr>
-        <p:spPr>
-          <a:xfrm>
-            <a:off x="628650" y="1525345"/>
-            <a:ext cx="7886700" cy="4630103"/>
-          </a:xfrm>
-        </p:spPr>
-        <p:txBody>
-          <a:bodyPr>
-            <a:normAutofit/>
-          </a:bodyPr>
-          <a:lstStyle/>
-          <a:p>
-            <a:pPr marL="0" indent="0">
-              <a:buNone/>
-            </a:pPr>
-            <a:endParaRPr lang="en-US" altLang="zh-CN" sz="2000" dirty="0" smtClean="0">
-              <a:latin typeface="微软雅黑" panose="020B0503020204020204" pitchFamily="34" charset="-122"/>
-              <a:ea typeface="微软雅黑" panose="020B0503020204020204" pitchFamily="34" charset="-122"/>
-            </a:endParaRPr>
-          </a:p>
-        </p:txBody>
-      </p:sp>
-    </p:spTree>
-    <p:extLst>
-      <p:ext uri="{BB962C8B-B14F-4D97-AF65-F5344CB8AC3E}">
-        <p14:creationId xmlns:p14="http://schemas.microsoft.com/office/powerpoint/2010/main" val="305347983"/>
+        <p14:creationId xmlns:p14="http://schemas.microsoft.com/office/powerpoint/2010/main" val="1439913117"/>
       </p:ext>
     </p:extLst>
   </p:cSld>
@@ -12956,31 +13910,22 @@
             <p:ph type="title"/>
           </p:nvPr>
         </p:nvSpPr>
-        <p:spPr>
-          <a:xfrm>
-            <a:off x="628650" y="365127"/>
-            <a:ext cx="7886700" cy="876934"/>
-          </a:xfrm>
-        </p:spPr>
+        <p:spPr/>
         <p:txBody>
           <a:bodyPr>
             <a:normAutofit/>
           </a:bodyPr>
           <a:lstStyle/>
           <a:p>
-            <a:pPr algn="ctr">
-              <a:spcBef>
-                <a:spcPts val="750"/>
-              </a:spcBef>
-            </a:pPr>
-            <a:r>
-              <a:rPr lang="zh-CN" altLang="en-US" sz="3200" dirty="0">
-                <a:latin typeface="Cambria Math" panose="02040503050406030204" pitchFamily="18" charset="0"/>
-                <a:ea typeface="Cambria Math" panose="02040503050406030204" pitchFamily="18" charset="0"/>
-                <a:cs typeface="+mn-cs"/>
-              </a:rPr>
-              <a:t>人类进行阅读理解的方式</a:t>
-            </a:r>
+            <a:pPr algn="ctr"/>
+            <a:r>
+              <a:rPr lang="zh-CN" altLang="en-US" sz="3200" dirty="0" smtClean="0">
+                <a:latin typeface="Cambria Math" panose="02040503050406030204" pitchFamily="18" charset="0"/>
+                <a:ea typeface="Cambria Math" panose="02040503050406030204" pitchFamily="18" charset="0"/>
+              </a:rPr>
+              <a:t>现有数据集介绍</a:t>
+            </a:r>
+            <a:endParaRPr lang="zh-CN" altLang="en-US" sz="3200" dirty="0"/>
           </a:p>
         </p:txBody>
       </p:sp>
@@ -12994,191 +13939,10 @@
             <p:ph idx="1"/>
           </p:nvPr>
         </p:nvSpPr>
-        <p:spPr>
-          <a:xfrm>
-            <a:off x="628650" y="1525345"/>
-            <a:ext cx="7886700" cy="5437430"/>
-          </a:xfrm>
-        </p:spPr>
-        <p:txBody>
-          <a:bodyPr>
-            <a:noAutofit/>
-          </a:bodyPr>
+        <p:spPr/>
+        <p:txBody>
+          <a:bodyPr/>
           <a:lstStyle/>
-          <a:p>
-            <a:pPr marL="457200" indent="-457200">
-              <a:lnSpc>
-                <a:spcPct val="100000"/>
-              </a:lnSpc>
-              <a:buFont typeface="+mj-lt"/>
-              <a:buAutoNum type="arabicPeriod"/>
-            </a:pPr>
-            <a:r>
-              <a:rPr lang="zh-CN" altLang="en-US" sz="1800" dirty="0">
-                <a:latin typeface="Cambria Math" panose="02040503050406030204" pitchFamily="18" charset="0"/>
-                <a:ea typeface="Cambria Math" panose="02040503050406030204" pitchFamily="18" charset="0"/>
-              </a:rPr>
-              <a:t>人开始读文章，然后开始读问题，然后一切尽在把握，这时候就直接回答问题，这种人应该属于学霸级别的；</a:t>
-            </a:r>
-            <a:r>
-              <a:rPr lang="en-US" altLang="zh-CN" sz="1800" dirty="0">
-                <a:latin typeface="Cambria Math" panose="02040503050406030204" pitchFamily="18" charset="0"/>
-                <a:ea typeface="Cambria Math" panose="02040503050406030204" pitchFamily="18" charset="0"/>
-              </a:rPr>
-              <a:t>Deep LSTM Reader</a:t>
-            </a:r>
-          </a:p>
-          <a:p>
-            <a:pPr marL="457200" indent="-457200">
-              <a:lnSpc>
-                <a:spcPct val="100000"/>
-              </a:lnSpc>
-              <a:buFont typeface="+mj-lt"/>
-              <a:buAutoNum type="arabicPeriod"/>
-            </a:pPr>
-            <a:r>
-              <a:rPr lang="zh-CN" altLang="en-US" sz="1800" dirty="0">
-                <a:latin typeface="Cambria Math" panose="02040503050406030204" pitchFamily="18" charset="0"/>
-                <a:ea typeface="Cambria Math" panose="02040503050406030204" pitchFamily="18" charset="0"/>
-              </a:rPr>
-              <a:t>人开始读文章，然后开始读问题，读完问题后，通过问题去查找跟文章中</a:t>
-            </a:r>
-            <a:r>
-              <a:rPr lang="zh-CN" altLang="en-US" sz="1800" dirty="0">
-                <a:solidFill>
-                  <a:srgbClr val="FF0000"/>
-                </a:solidFill>
-                <a:latin typeface="Cambria Math" panose="02040503050406030204" pitchFamily="18" charset="0"/>
-                <a:ea typeface="Cambria Math" panose="02040503050406030204" pitchFamily="18" charset="0"/>
-              </a:rPr>
-              <a:t>符合的</a:t>
-            </a:r>
-            <a:r>
-              <a:rPr lang="zh-CN" altLang="en-US" sz="1800" dirty="0">
-                <a:latin typeface="Cambria Math" panose="02040503050406030204" pitchFamily="18" charset="0"/>
-                <a:ea typeface="Cambria Math" panose="02040503050406030204" pitchFamily="18" charset="0"/>
-              </a:rPr>
-              <a:t>部分；</a:t>
-            </a:r>
-            <a:r>
-              <a:rPr lang="en-US" altLang="zh-CN" sz="1800" dirty="0">
-                <a:latin typeface="Cambria Math" panose="02040503050406030204" pitchFamily="18" charset="0"/>
-                <a:ea typeface="Cambria Math" panose="02040503050406030204" pitchFamily="18" charset="0"/>
-              </a:rPr>
-              <a:t>Stanford AR</a:t>
-            </a:r>
-            <a:r>
-              <a:rPr lang="zh-CN" altLang="en-US" sz="1800" dirty="0">
-                <a:latin typeface="Cambria Math" panose="02040503050406030204" pitchFamily="18" charset="0"/>
-                <a:ea typeface="Cambria Math" panose="02040503050406030204" pitchFamily="18" charset="0"/>
-              </a:rPr>
-              <a:t>，</a:t>
-            </a:r>
-            <a:r>
-              <a:rPr lang="en-US" altLang="zh-CN" sz="1800" dirty="0">
-                <a:latin typeface="Cambria Math" panose="02040503050406030204" pitchFamily="18" charset="0"/>
-                <a:ea typeface="Cambria Math" panose="02040503050406030204" pitchFamily="18" charset="0"/>
-              </a:rPr>
-              <a:t>Attentive Reader</a:t>
-            </a:r>
-          </a:p>
-          <a:p>
-            <a:pPr marL="457200" indent="-457200">
-              <a:lnSpc>
-                <a:spcPct val="100000"/>
-              </a:lnSpc>
-              <a:buFont typeface="+mj-lt"/>
-              <a:buAutoNum type="arabicPeriod"/>
-            </a:pPr>
-            <a:r>
-              <a:rPr lang="zh-CN" altLang="en-US" sz="1800" dirty="0">
-                <a:latin typeface="Cambria Math" panose="02040503050406030204" pitchFamily="18" charset="0"/>
-                <a:ea typeface="Cambria Math" panose="02040503050406030204" pitchFamily="18" charset="0"/>
-              </a:rPr>
-              <a:t>人开始读文章，然后开始一个字一个字地读题目，读了题目中的第一个字后，查找文章中跟这个字相关的部分，获得一部分信息，然后接着读题目中的第二个字，查找文章中跟这个字</a:t>
-            </a:r>
-            <a:r>
-              <a:rPr lang="zh-CN" altLang="en-US" sz="1800" dirty="0">
-                <a:solidFill>
-                  <a:srgbClr val="FF0000"/>
-                </a:solidFill>
-                <a:latin typeface="Cambria Math" panose="02040503050406030204" pitchFamily="18" charset="0"/>
-                <a:ea typeface="Cambria Math" panose="02040503050406030204" pitchFamily="18" charset="0"/>
-              </a:rPr>
-              <a:t>相关的</a:t>
-            </a:r>
-            <a:r>
-              <a:rPr lang="zh-CN" altLang="en-US" sz="1800" dirty="0">
-                <a:latin typeface="Cambria Math" panose="02040503050406030204" pitchFamily="18" charset="0"/>
-                <a:ea typeface="Cambria Math" panose="02040503050406030204" pitchFamily="18" charset="0"/>
-              </a:rPr>
-              <a:t>部分，又获得一部分信息，</a:t>
-            </a:r>
-            <a:r>
-              <a:rPr lang="zh-CN" altLang="en-US" sz="1800" dirty="0">
-                <a:solidFill>
-                  <a:srgbClr val="7030A0"/>
-                </a:solidFill>
-                <a:latin typeface="Cambria Math" panose="02040503050406030204" pitchFamily="18" charset="0"/>
-                <a:ea typeface="Cambria Math" panose="02040503050406030204" pitchFamily="18" charset="0"/>
-              </a:rPr>
-              <a:t>这样一直累积题目中所有字的信息</a:t>
-            </a:r>
-            <a:r>
-              <a:rPr lang="zh-CN" altLang="en-US" sz="1800" dirty="0">
-                <a:latin typeface="Cambria Math" panose="02040503050406030204" pitchFamily="18" charset="0"/>
-                <a:ea typeface="Cambria Math" panose="02040503050406030204" pitchFamily="18" charset="0"/>
-              </a:rPr>
-              <a:t>；</a:t>
-            </a:r>
-            <a:r>
-              <a:rPr lang="en-US" altLang="zh-CN" sz="1800" dirty="0">
-                <a:latin typeface="Cambria Math" panose="02040503050406030204" pitchFamily="18" charset="0"/>
-                <a:ea typeface="Cambria Math" panose="02040503050406030204" pitchFamily="18" charset="0"/>
-              </a:rPr>
-              <a:t>Impatient Reader</a:t>
-            </a:r>
-          </a:p>
-          <a:p>
-            <a:pPr marL="457200" indent="-457200">
-              <a:lnSpc>
-                <a:spcPct val="100000"/>
-              </a:lnSpc>
-              <a:buFont typeface="+mj-lt"/>
-              <a:buAutoNum type="arabicPeriod"/>
-            </a:pPr>
-            <a:r>
-              <a:rPr lang="zh-CN" altLang="en-US" sz="1800" dirty="0">
-                <a:latin typeface="Cambria Math" panose="02040503050406030204" pitchFamily="18" charset="0"/>
-                <a:ea typeface="Cambria Math" panose="02040503050406030204" pitchFamily="18" charset="0"/>
-              </a:rPr>
-              <a:t>开始时候，人对于题目和文章一无所知。然后人开始读文章和题目，读完后有了一些新的感悟，发现这部分感悟还不够回答问题，所以又读了一遍文章和题目，又获得一些新的感悟，通过这样的迭代每一次感悟，</a:t>
-            </a:r>
-            <a:r>
-              <a:rPr lang="zh-CN" altLang="en-US" sz="1800" dirty="0">
-                <a:solidFill>
-                  <a:srgbClr val="7030A0"/>
-                </a:solidFill>
-                <a:latin typeface="Cambria Math" panose="02040503050406030204" pitchFamily="18" charset="0"/>
-                <a:ea typeface="Cambria Math" panose="02040503050406030204" pitchFamily="18" charset="0"/>
-              </a:rPr>
-              <a:t>然后累积每次的感悟信息</a:t>
-            </a:r>
-            <a:r>
-              <a:rPr lang="zh-CN" altLang="en-US" sz="1800" dirty="0">
-                <a:latin typeface="Cambria Math" panose="02040503050406030204" pitchFamily="18" charset="0"/>
-                <a:ea typeface="Cambria Math" panose="02040503050406030204" pitchFamily="18" charset="0"/>
-              </a:rPr>
-              <a:t>；</a:t>
-            </a:r>
-            <a:r>
-              <a:rPr lang="en-US" altLang="zh-CN" sz="1800" dirty="0">
-                <a:latin typeface="Cambria Math" panose="02040503050406030204" pitchFamily="18" charset="0"/>
-                <a:ea typeface="Cambria Math" panose="02040503050406030204" pitchFamily="18" charset="0"/>
-              </a:rPr>
-              <a:t>Iterative Attention neural network</a:t>
-            </a:r>
-          </a:p>
           <a:p>
             <a:pPr marL="0" indent="0">
               <a:lnSpc>
@@ -13187,44 +13951,20 @@
               <a:buNone/>
             </a:pPr>
             <a:r>
-              <a:rPr lang="zh-CN" altLang="en-US" sz="1800" dirty="0">
-                <a:latin typeface="Cambria Math" panose="02040503050406030204" pitchFamily="18" charset="0"/>
-                <a:ea typeface="Cambria Math" panose="02040503050406030204" pitchFamily="18" charset="0"/>
-              </a:rPr>
-              <a:t>     符合，相关</a:t>
-            </a:r>
-            <a:r>
-              <a:rPr lang="en-US" altLang="zh-CN" sz="1800" dirty="0">
-                <a:latin typeface="Cambria Math" panose="02040503050406030204" pitchFamily="18" charset="0"/>
-                <a:ea typeface="Cambria Math" panose="02040503050406030204" pitchFamily="18" charset="0"/>
-              </a:rPr>
-              <a:t>---------------- </a:t>
-            </a:r>
-            <a:r>
-              <a:rPr lang="zh-CN" altLang="en-US" sz="1800" dirty="0">
-                <a:latin typeface="Cambria Math" panose="02040503050406030204" pitchFamily="18" charset="0"/>
-                <a:ea typeface="Cambria Math" panose="02040503050406030204" pitchFamily="18" charset="0"/>
-              </a:rPr>
-              <a:t>主要是采用</a:t>
-            </a:r>
-            <a:r>
-              <a:rPr lang="en-US" altLang="zh-CN" sz="1800" dirty="0">
-                <a:latin typeface="Cambria Math" panose="02040503050406030204" pitchFamily="18" charset="0"/>
-                <a:ea typeface="Cambria Math" panose="02040503050406030204" pitchFamily="18" charset="0"/>
-              </a:rPr>
-              <a:t>attention</a:t>
-            </a:r>
-            <a:r>
-              <a:rPr lang="zh-CN" altLang="en-US" sz="1800" dirty="0">
-                <a:latin typeface="Cambria Math" panose="02040503050406030204" pitchFamily="18" charset="0"/>
-                <a:ea typeface="Cambria Math" panose="02040503050406030204" pitchFamily="18" charset="0"/>
-              </a:rPr>
-              <a:t>机制</a:t>
-            </a:r>
-            <a:endParaRPr lang="en-US" altLang="zh-CN" sz="1800" dirty="0">
-              <a:latin typeface="Cambria Math" panose="02040503050406030204" pitchFamily="18" charset="0"/>
-              <a:ea typeface="Cambria Math" panose="02040503050406030204" pitchFamily="18" charset="0"/>
-            </a:endParaRPr>
+              <a:rPr lang="en-US" altLang="zh-CN" dirty="0"/>
+              <a:t>2</a:t>
+            </a:r>
+            <a:r>
+              <a:rPr lang="zh-CN" altLang="en-US" dirty="0" smtClean="0"/>
+              <a:t>：</a:t>
+            </a:r>
+            <a:r>
+              <a:rPr lang="en-US" altLang="zh-CN" sz="1800" dirty="0" smtClean="0">
+                <a:latin typeface="Cambria Math" panose="02040503050406030204" pitchFamily="18" charset="0"/>
+                <a:ea typeface="Cambria Math" panose="02040503050406030204" pitchFamily="18" charset="0"/>
+              </a:rPr>
+              <a:t>CBT ----children’s book test</a:t>
+            </a:r>
           </a:p>
           <a:p>
             <a:pPr marL="0" indent="0">
@@ -13233,48 +13973,6 @@
               </a:lnSpc>
               <a:buNone/>
             </a:pPr>
-            <a:r>
-              <a:rPr lang="zh-CN" altLang="en-US" sz="1800" dirty="0">
-                <a:latin typeface="Cambria Math" panose="02040503050406030204" pitchFamily="18" charset="0"/>
-                <a:ea typeface="Cambria Math" panose="02040503050406030204" pitchFamily="18" charset="0"/>
-              </a:rPr>
-              <a:t>     累积信息  </a:t>
-            </a:r>
-            <a:r>
-              <a:rPr lang="en-US" altLang="zh-CN" sz="1800" dirty="0">
-                <a:latin typeface="Cambria Math" panose="02040503050406030204" pitchFamily="18" charset="0"/>
-                <a:ea typeface="Cambria Math" panose="02040503050406030204" pitchFamily="18" charset="0"/>
-              </a:rPr>
-              <a:t>----------------- </a:t>
-            </a:r>
-            <a:r>
-              <a:rPr lang="zh-CN" altLang="en-US" sz="1800" dirty="0" smtClean="0">
-                <a:latin typeface="Cambria Math" panose="02040503050406030204" pitchFamily="18" charset="0"/>
-                <a:ea typeface="Cambria Math" panose="02040503050406030204" pitchFamily="18" charset="0"/>
-              </a:rPr>
-              <a:t>相当于编码每次</a:t>
-            </a:r>
-            <a:r>
-              <a:rPr lang="zh-CN" altLang="en-US" sz="1800" dirty="0">
-                <a:latin typeface="Cambria Math" panose="02040503050406030204" pitchFamily="18" charset="0"/>
-                <a:ea typeface="Cambria Math" panose="02040503050406030204" pitchFamily="18" charset="0"/>
-              </a:rPr>
-              <a:t>迭代信息，本质上是一个</a:t>
-            </a:r>
-            <a:r>
-              <a:rPr lang="en-US" altLang="zh-CN" sz="1800" dirty="0">
-                <a:latin typeface="Cambria Math" panose="02040503050406030204" pitchFamily="18" charset="0"/>
-                <a:ea typeface="Cambria Math" panose="02040503050406030204" pitchFamily="18" charset="0"/>
-              </a:rPr>
-              <a:t>RNN</a:t>
-            </a:r>
-            <a:r>
-              <a:rPr lang="zh-CN" altLang="en-US" sz="1800" dirty="0">
-                <a:latin typeface="Cambria Math" panose="02040503050406030204" pitchFamily="18" charset="0"/>
-                <a:ea typeface="Cambria Math" panose="02040503050406030204" pitchFamily="18" charset="0"/>
-              </a:rPr>
-              <a:t>网络</a:t>
-            </a:r>
             <a:endParaRPr lang="en-US" altLang="zh-CN" sz="1800" dirty="0">
               <a:latin typeface="Cambria Math" panose="02040503050406030204" pitchFamily="18" charset="0"/>
               <a:ea typeface="Cambria Math" panose="02040503050406030204" pitchFamily="18" charset="0"/>
@@ -13282,11 +13980,174 @@
           </a:p>
           <a:p>
             <a:pPr marL="0" indent="0">
+              <a:lnSpc>
+                <a:spcPct val="100000"/>
+              </a:lnSpc>
               <a:buNone/>
             </a:pPr>
-            <a:endParaRPr lang="en-US" altLang="zh-CN" sz="1600" dirty="0" smtClean="0">
-              <a:latin typeface="微软雅黑" panose="020B0503020204020204" pitchFamily="34" charset="-122"/>
-              <a:ea typeface="微软雅黑" panose="020B0503020204020204" pitchFamily="34" charset="-122"/>
+            <a:endParaRPr lang="en-US" altLang="zh-CN" sz="1800" dirty="0" smtClean="0">
+              <a:latin typeface="Cambria Math" panose="02040503050406030204" pitchFamily="18" charset="0"/>
+              <a:ea typeface="Cambria Math" panose="02040503050406030204" pitchFamily="18" charset="0"/>
+            </a:endParaRPr>
+          </a:p>
+          <a:p>
+            <a:pPr marL="0" indent="0">
+              <a:lnSpc>
+                <a:spcPct val="100000"/>
+              </a:lnSpc>
+              <a:buNone/>
+            </a:pPr>
+            <a:endParaRPr lang="en-US" altLang="zh-CN" sz="1800" dirty="0">
+              <a:latin typeface="Cambria Math" panose="02040503050406030204" pitchFamily="18" charset="0"/>
+              <a:ea typeface="Cambria Math" panose="02040503050406030204" pitchFamily="18" charset="0"/>
+            </a:endParaRPr>
+          </a:p>
+          <a:p>
+            <a:pPr marL="0" indent="0">
+              <a:lnSpc>
+                <a:spcPct val="100000"/>
+              </a:lnSpc>
+              <a:buNone/>
+            </a:pPr>
+            <a:endParaRPr lang="en-US" altLang="zh-CN" sz="1800" dirty="0" smtClean="0">
+              <a:latin typeface="Cambria Math" panose="02040503050406030204" pitchFamily="18" charset="0"/>
+              <a:ea typeface="Cambria Math" panose="02040503050406030204" pitchFamily="18" charset="0"/>
+            </a:endParaRPr>
+          </a:p>
+          <a:p>
+            <a:pPr marL="0" indent="0">
+              <a:lnSpc>
+                <a:spcPct val="100000"/>
+              </a:lnSpc>
+              <a:buNone/>
+            </a:pPr>
+            <a:endParaRPr lang="en-US" altLang="zh-CN" sz="1800" dirty="0">
+              <a:latin typeface="Cambria Math" panose="02040503050406030204" pitchFamily="18" charset="0"/>
+              <a:ea typeface="Cambria Math" panose="02040503050406030204" pitchFamily="18" charset="0"/>
+            </a:endParaRPr>
+          </a:p>
+          <a:p>
+            <a:pPr marL="0" indent="0">
+              <a:lnSpc>
+                <a:spcPct val="100000"/>
+              </a:lnSpc>
+              <a:buNone/>
+            </a:pPr>
+            <a:endParaRPr lang="en-US" altLang="zh-CN" sz="1800" dirty="0" smtClean="0">
+              <a:latin typeface="Cambria Math" panose="02040503050406030204" pitchFamily="18" charset="0"/>
+              <a:ea typeface="Cambria Math" panose="02040503050406030204" pitchFamily="18" charset="0"/>
+            </a:endParaRPr>
+          </a:p>
+          <a:p>
+            <a:pPr marL="0" indent="0">
+              <a:lnSpc>
+                <a:spcPct val="100000"/>
+              </a:lnSpc>
+              <a:buNone/>
+            </a:pPr>
+            <a:endParaRPr lang="en-US" altLang="zh-CN" sz="1800" dirty="0">
+              <a:latin typeface="Cambria Math" panose="02040503050406030204" pitchFamily="18" charset="0"/>
+              <a:ea typeface="Cambria Math" panose="02040503050406030204" pitchFamily="18" charset="0"/>
+            </a:endParaRPr>
+          </a:p>
+          <a:p>
+            <a:pPr marL="0" indent="0">
+              <a:lnSpc>
+                <a:spcPct val="100000"/>
+              </a:lnSpc>
+              <a:buNone/>
+            </a:pPr>
+            <a:endParaRPr lang="en-US" altLang="zh-CN" sz="1800" dirty="0" smtClean="0">
+              <a:latin typeface="Cambria Math" panose="02040503050406030204" pitchFamily="18" charset="0"/>
+              <a:ea typeface="Cambria Math" panose="02040503050406030204" pitchFamily="18" charset="0"/>
+            </a:endParaRPr>
+          </a:p>
+        </p:txBody>
+      </p:sp>
+      <p:pic>
+        <p:nvPicPr>
+          <p:cNvPr id="5" name="图片 4"/>
+          <p:cNvPicPr>
+            <a:picLocks noChangeAspect="1"/>
+          </p:cNvPicPr>
+          <p:nvPr/>
+        </p:nvPicPr>
+        <p:blipFill>
+          <a:blip r:embed="rId3"/>
+          <a:stretch>
+            <a:fillRect/>
+          </a:stretch>
+        </p:blipFill>
+        <p:spPr>
+          <a:xfrm>
+            <a:off x="849630" y="2344390"/>
+            <a:ext cx="4987290" cy="3967509"/>
+          </a:xfrm>
+          <a:prstGeom prst="rect">
+            <a:avLst/>
+          </a:prstGeom>
+        </p:spPr>
+      </p:pic>
+      <p:sp>
+        <p:nvSpPr>
+          <p:cNvPr id="6" name="文本框 5"/>
+          <p:cNvSpPr txBox="1"/>
+          <p:nvPr/>
+        </p:nvSpPr>
+        <p:spPr>
+          <a:xfrm>
+            <a:off x="5836920" y="2903220"/>
+            <a:ext cx="1988820" cy="1323439"/>
+          </a:xfrm>
+          <a:prstGeom prst="rect">
+            <a:avLst/>
+          </a:prstGeom>
+          <a:noFill/>
+        </p:spPr>
+        <p:txBody>
+          <a:bodyPr wrap="square" rtlCol="0">
+            <a:spAutoFit/>
+          </a:bodyPr>
+          <a:lstStyle/>
+          <a:p>
+            <a:r>
+              <a:rPr lang="zh-CN" altLang="en-US" sz="1600" dirty="0" smtClean="0">
+                <a:latin typeface="Cambria Math" panose="02040503050406030204" pitchFamily="18" charset="0"/>
+                <a:ea typeface="Cambria Math" panose="02040503050406030204" pitchFamily="18" charset="0"/>
+              </a:rPr>
+              <a:t>连续选择</a:t>
+            </a:r>
+            <a:r>
+              <a:rPr lang="en-US" altLang="zh-CN" sz="1600" dirty="0" smtClean="0">
+                <a:latin typeface="Cambria Math" panose="02040503050406030204" pitchFamily="18" charset="0"/>
+                <a:ea typeface="Cambria Math" panose="02040503050406030204" pitchFamily="18" charset="0"/>
+              </a:rPr>
+              <a:t>20</a:t>
+            </a:r>
+            <a:r>
+              <a:rPr lang="zh-CN" altLang="en-US" sz="1600" dirty="0" smtClean="0">
+                <a:latin typeface="Cambria Math" panose="02040503050406030204" pitchFamily="18" charset="0"/>
+                <a:ea typeface="Cambria Math" panose="02040503050406030204" pitchFamily="18" charset="0"/>
+              </a:rPr>
+              <a:t>句话作为文档，第</a:t>
+            </a:r>
+            <a:r>
+              <a:rPr lang="en-US" altLang="zh-CN" sz="1600" dirty="0" smtClean="0">
+                <a:latin typeface="Cambria Math" panose="02040503050406030204" pitchFamily="18" charset="0"/>
+                <a:ea typeface="Cambria Math" panose="02040503050406030204" pitchFamily="18" charset="0"/>
+              </a:rPr>
+              <a:t>21</a:t>
+            </a:r>
+            <a:r>
+              <a:rPr lang="zh-CN" altLang="en-US" sz="1600" dirty="0" smtClean="0">
+                <a:latin typeface="Cambria Math" panose="02040503050406030204" pitchFamily="18" charset="0"/>
+                <a:ea typeface="Cambria Math" panose="02040503050406030204" pitchFamily="18" charset="0"/>
+              </a:rPr>
+              <a:t>句话作为问题，候选答案是前面二十句话中出现的实体</a:t>
+            </a:r>
+            <a:endParaRPr lang="zh-CN" altLang="en-US" sz="1600" dirty="0">
+              <a:latin typeface="Cambria Math" panose="02040503050406030204" pitchFamily="18" charset="0"/>
+              <a:ea typeface="Cambria Math" panose="02040503050406030204" pitchFamily="18" charset="0"/>
             </a:endParaRPr>
           </a:p>
         </p:txBody>
@@ -13294,20 +14155,13 @@
     </p:spTree>
     <p:extLst>
       <p:ext uri="{BB962C8B-B14F-4D97-AF65-F5344CB8AC3E}">
-        <p14:creationId xmlns:p14="http://schemas.microsoft.com/office/powerpoint/2010/main" val="972381137"/>
+        <p14:creationId xmlns:p14="http://schemas.microsoft.com/office/powerpoint/2010/main" val="2195456754"/>
       </p:ext>
     </p:extLst>
   </p:cSld>
   <p:clrMapOvr>
     <a:masterClrMapping/>
   </p:clrMapOvr>
-  <p:timing>
-    <p:tnLst>
-      <p:par>
-        <p:cTn id="1" dur="indefinite" restart="never" nodeType="tmRoot"/>
-      </p:par>
-    </p:tnLst>
-  </p:timing>
 </p:sld>
 </file>
 
@@ -13356,131 +14210,59 @@
               </a:spcBef>
             </a:pPr>
             <a:r>
-              <a:rPr lang="zh-CN" altLang="en-US" sz="3200" dirty="0">
+              <a:rPr lang="en-US" altLang="zh-CN" sz="3200" dirty="0" smtClean="0">
                 <a:latin typeface="Cambria Math" panose="02040503050406030204" pitchFamily="18" charset="0"/>
                 <a:ea typeface="Cambria Math" panose="02040503050406030204" pitchFamily="18" charset="0"/>
                 <a:cs typeface="+mn-cs"/>
               </a:rPr>
-              <a:t>问题的本质</a:t>
-            </a:r>
-          </a:p>
-        </p:txBody>
-      </p:sp>
-      <p:sp>
-        <p:nvSpPr>
-          <p:cNvPr id="3" name="内容占位符 2"/>
-          <p:cNvSpPr>
-            <a:spLocks noGrp="1"/>
-          </p:cNvSpPr>
+              <a:t>CBT</a:t>
+            </a:r>
+            <a:r>
+              <a:rPr lang="zh-CN" altLang="en-US" sz="3200" dirty="0" smtClean="0">
+                <a:latin typeface="Cambria Math" panose="02040503050406030204" pitchFamily="18" charset="0"/>
+                <a:ea typeface="Cambria Math" panose="02040503050406030204" pitchFamily="18" charset="0"/>
+                <a:cs typeface="+mn-cs"/>
+              </a:rPr>
+              <a:t>数据规模</a:t>
+            </a:r>
+            <a:endParaRPr lang="zh-CN" altLang="en-US" sz="3200" dirty="0">
+              <a:latin typeface="Cambria Math" panose="02040503050406030204" pitchFamily="18" charset="0"/>
+              <a:ea typeface="Cambria Math" panose="02040503050406030204" pitchFamily="18" charset="0"/>
+              <a:cs typeface="+mn-cs"/>
+            </a:endParaRPr>
+          </a:p>
+        </p:txBody>
+      </p:sp>
+      <p:pic>
+        <p:nvPicPr>
+          <p:cNvPr id="4" name="内容占位符 3"/>
+          <p:cNvPicPr>
+            <a:picLocks noGrp="1" noChangeAspect="1"/>
+          </p:cNvPicPr>
           <p:nvPr>
             <p:ph idx="1"/>
           </p:nvPr>
-        </p:nvSpPr>
+        </p:nvPicPr>
+        <p:blipFill>
+          <a:blip r:embed="rId3"/>
+          <a:stretch>
+            <a:fillRect/>
+          </a:stretch>
+        </p:blipFill>
         <p:spPr>
           <a:xfrm>
-            <a:off x="628650" y="1525345"/>
-            <a:ext cx="7886700" cy="4630103"/>
+            <a:off x="485775" y="2464449"/>
+            <a:ext cx="7886700" cy="1779877"/>
           </a:xfrm>
+          <a:prstGeom prst="rect">
+            <a:avLst/>
+          </a:prstGeom>
         </p:spPr>
-        <p:txBody>
-          <a:bodyPr>
-            <a:normAutofit/>
-          </a:bodyPr>
-          <a:lstStyle/>
-          <a:p>
-            <a:pPr marL="0" indent="0">
-              <a:buNone/>
-            </a:pPr>
-            <a:endParaRPr lang="en-US" altLang="zh-CN" sz="2000" dirty="0" smtClean="0">
-              <a:latin typeface="微软雅黑" panose="020B0503020204020204" pitchFamily="34" charset="-122"/>
-              <a:ea typeface="微软雅黑" panose="020B0503020204020204" pitchFamily="34" charset="-122"/>
-            </a:endParaRPr>
-          </a:p>
-          <a:p>
-            <a:pPr marL="0" indent="0">
-              <a:buNone/>
-            </a:pPr>
-            <a:endParaRPr lang="en-US" altLang="zh-CN" sz="2000" dirty="0">
-              <a:latin typeface="微软雅黑" panose="020B0503020204020204" pitchFamily="34" charset="-122"/>
-              <a:ea typeface="微软雅黑" panose="020B0503020204020204" pitchFamily="34" charset="-122"/>
-            </a:endParaRPr>
-          </a:p>
-          <a:p>
-            <a:pPr marL="0" indent="0">
-              <a:buNone/>
-            </a:pPr>
-            <a:endParaRPr lang="en-US" altLang="zh-CN" sz="2000" dirty="0" smtClean="0">
-              <a:latin typeface="微软雅黑" panose="020B0503020204020204" pitchFamily="34" charset="-122"/>
-              <a:ea typeface="微软雅黑" panose="020B0503020204020204" pitchFamily="34" charset="-122"/>
-            </a:endParaRPr>
-          </a:p>
-          <a:p>
-            <a:pPr marL="0" indent="0">
-              <a:lnSpc>
-                <a:spcPct val="80000"/>
-              </a:lnSpc>
-              <a:buNone/>
-            </a:pPr>
-            <a:r>
-              <a:rPr lang="zh-CN" altLang="en-US" sz="2000" dirty="0">
-                <a:latin typeface="Cambria Math" panose="02040503050406030204" pitchFamily="18" charset="0"/>
-                <a:ea typeface="Cambria Math" panose="02040503050406030204" pitchFamily="18" charset="0"/>
-              </a:rPr>
-              <a:t>模型需要解决的问题就是如何同时编码输入文章（</a:t>
-            </a:r>
-            <a:r>
-              <a:rPr lang="en-US" altLang="zh-CN" sz="2000" dirty="0">
-                <a:latin typeface="Cambria Math" panose="02040503050406030204" pitchFamily="18" charset="0"/>
-                <a:ea typeface="Cambria Math" panose="02040503050406030204" pitchFamily="18" charset="0"/>
-              </a:rPr>
-              <a:t>document</a:t>
-            </a:r>
-            <a:r>
-              <a:rPr lang="zh-CN" altLang="en-US" sz="2000" dirty="0">
-                <a:latin typeface="Cambria Math" panose="02040503050406030204" pitchFamily="18" charset="0"/>
-                <a:ea typeface="Cambria Math" panose="02040503050406030204" pitchFamily="18" charset="0"/>
-              </a:rPr>
-              <a:t>）以及问题（</a:t>
-            </a:r>
-            <a:r>
-              <a:rPr lang="en-US" altLang="zh-CN" sz="2000" dirty="0">
-                <a:latin typeface="Cambria Math" panose="02040503050406030204" pitchFamily="18" charset="0"/>
-                <a:ea typeface="Cambria Math" panose="02040503050406030204" pitchFamily="18" charset="0"/>
-              </a:rPr>
-              <a:t>query</a:t>
-            </a:r>
-            <a:r>
-              <a:rPr lang="zh-CN" altLang="en-US" sz="2000" dirty="0" smtClean="0">
-                <a:latin typeface="Cambria Math" panose="02040503050406030204" pitchFamily="18" charset="0"/>
-                <a:ea typeface="Cambria Math" panose="02040503050406030204" pitchFamily="18" charset="0"/>
-              </a:rPr>
-              <a:t>），充分抓住文章和问题之间的联系，然后</a:t>
-            </a:r>
-            <a:r>
-              <a:rPr lang="zh-CN" altLang="en-US" sz="2000" dirty="0">
-                <a:latin typeface="Cambria Math" panose="02040503050406030204" pitchFamily="18" charset="0"/>
-                <a:ea typeface="Cambria Math" panose="02040503050406030204" pitchFamily="18" charset="0"/>
-              </a:rPr>
-              <a:t>提取特征用于预测</a:t>
-            </a:r>
-            <a:r>
-              <a:rPr lang="zh-CN" altLang="en-US" sz="2000" dirty="0" smtClean="0">
-                <a:latin typeface="Cambria Math" panose="02040503050406030204" pitchFamily="18" charset="0"/>
-                <a:ea typeface="Cambria Math" panose="02040503050406030204" pitchFamily="18" charset="0"/>
-              </a:rPr>
-              <a:t>答案的问题。</a:t>
-            </a:r>
-            <a:endParaRPr lang="en-US" altLang="zh-CN" sz="2000" dirty="0">
-              <a:latin typeface="Cambria Math" panose="02040503050406030204" pitchFamily="18" charset="0"/>
-              <a:ea typeface="Cambria Math" panose="02040503050406030204" pitchFamily="18" charset="0"/>
-            </a:endParaRPr>
-          </a:p>
-        </p:txBody>
-      </p:sp>
+      </p:pic>
     </p:spTree>
     <p:extLst>
       <p:ext uri="{BB962C8B-B14F-4D97-AF65-F5344CB8AC3E}">
-        <p14:creationId xmlns:p14="http://schemas.microsoft.com/office/powerpoint/2010/main" val="2797365349"/>
+        <p14:creationId xmlns:p14="http://schemas.microsoft.com/office/powerpoint/2010/main" val="305347983"/>
       </p:ext>
     </p:extLst>
   </p:cSld>
@@ -13542,18 +14324,13 @@
               </a:spcBef>
             </a:pPr>
             <a:r>
-              <a:rPr lang="en-US" altLang="zh-CN" sz="3200" dirty="0">
+              <a:rPr lang="zh-CN" altLang="en-US" sz="3200" dirty="0">
                 <a:latin typeface="Cambria Math" panose="02040503050406030204" pitchFamily="18" charset="0"/>
                 <a:ea typeface="Cambria Math" panose="02040503050406030204" pitchFamily="18" charset="0"/>
                 <a:cs typeface="+mn-cs"/>
               </a:rPr>
-              <a:t>Deep LSTM Reader</a:t>
-            </a:r>
-            <a:endParaRPr lang="zh-CN" altLang="en-US" sz="3200" dirty="0">
-              <a:latin typeface="Cambria Math" panose="02040503050406030204" pitchFamily="18" charset="0"/>
-              <a:ea typeface="Cambria Math" panose="02040503050406030204" pitchFamily="18" charset="0"/>
-              <a:cs typeface="+mn-cs"/>
-            </a:endParaRPr>
+              <a:t>人类进行阅读理解的方式</a:t>
+            </a:r>
           </a:p>
         </p:txBody>
       </p:sp>
@@ -13570,42 +14347,270 @@
         <p:spPr>
           <a:xfrm>
             <a:off x="628650" y="1525345"/>
-            <a:ext cx="7886700" cy="4630103"/>
+            <a:ext cx="7886700" cy="5437430"/>
           </a:xfrm>
         </p:spPr>
         <p:txBody>
           <a:bodyPr>
-            <a:normAutofit/>
+            <a:noAutofit/>
           </a:bodyPr>
           <a:lstStyle/>
           <a:p>
+            <a:pPr marL="457200" indent="-457200">
+              <a:lnSpc>
+                <a:spcPct val="100000"/>
+              </a:lnSpc>
+              <a:buFont typeface="+mj-lt"/>
+              <a:buAutoNum type="arabicPeriod"/>
+            </a:pPr>
+            <a:r>
+              <a:rPr lang="zh-CN" altLang="en-US" sz="1800" dirty="0">
+                <a:latin typeface="Cambria Math" panose="02040503050406030204" pitchFamily="18" charset="0"/>
+                <a:ea typeface="Cambria Math" panose="02040503050406030204" pitchFamily="18" charset="0"/>
+              </a:rPr>
+              <a:t>人开始读文章，然后开始读问题，然后一切尽在把握，这时候就直接回答问题，这种人应该属于学霸级别的；</a:t>
+            </a:r>
+            <a:r>
+              <a:rPr lang="en-US" altLang="zh-CN" sz="1800" dirty="0">
+                <a:latin typeface="Cambria Math" panose="02040503050406030204" pitchFamily="18" charset="0"/>
+                <a:ea typeface="Cambria Math" panose="02040503050406030204" pitchFamily="18" charset="0"/>
+              </a:rPr>
+              <a:t>Deep LSTM Reader</a:t>
+            </a:r>
+          </a:p>
+          <a:p>
+            <a:pPr marL="457200" indent="-457200">
+              <a:lnSpc>
+                <a:spcPct val="100000"/>
+              </a:lnSpc>
+              <a:buFont typeface="+mj-lt"/>
+              <a:buAutoNum type="arabicPeriod"/>
+            </a:pPr>
+            <a:r>
+              <a:rPr lang="zh-CN" altLang="en-US" sz="1800" dirty="0">
+                <a:latin typeface="Cambria Math" panose="02040503050406030204" pitchFamily="18" charset="0"/>
+                <a:ea typeface="Cambria Math" panose="02040503050406030204" pitchFamily="18" charset="0"/>
+              </a:rPr>
+              <a:t>人开始读文章，然后开始读问题，读完问题后，通过问题去查找跟文章中</a:t>
+            </a:r>
+            <a:r>
+              <a:rPr lang="zh-CN" altLang="en-US" sz="1800" dirty="0">
+                <a:solidFill>
+                  <a:srgbClr val="FF0000"/>
+                </a:solidFill>
+                <a:latin typeface="Cambria Math" panose="02040503050406030204" pitchFamily="18" charset="0"/>
+                <a:ea typeface="Cambria Math" panose="02040503050406030204" pitchFamily="18" charset="0"/>
+              </a:rPr>
+              <a:t>符合的</a:t>
+            </a:r>
+            <a:r>
+              <a:rPr lang="zh-CN" altLang="en-US" sz="1800" dirty="0">
+                <a:latin typeface="Cambria Math" panose="02040503050406030204" pitchFamily="18" charset="0"/>
+                <a:ea typeface="Cambria Math" panose="02040503050406030204" pitchFamily="18" charset="0"/>
+              </a:rPr>
+              <a:t>部分；</a:t>
+            </a:r>
+            <a:r>
+              <a:rPr lang="en-US" altLang="zh-CN" sz="1800" dirty="0">
+                <a:latin typeface="Cambria Math" panose="02040503050406030204" pitchFamily="18" charset="0"/>
+                <a:ea typeface="Cambria Math" panose="02040503050406030204" pitchFamily="18" charset="0"/>
+              </a:rPr>
+              <a:t>Stanford AR</a:t>
+            </a:r>
+            <a:r>
+              <a:rPr lang="zh-CN" altLang="en-US" sz="1800" dirty="0">
+                <a:latin typeface="Cambria Math" panose="02040503050406030204" pitchFamily="18" charset="0"/>
+                <a:ea typeface="Cambria Math" panose="02040503050406030204" pitchFamily="18" charset="0"/>
+              </a:rPr>
+              <a:t>，</a:t>
+            </a:r>
+            <a:r>
+              <a:rPr lang="en-US" altLang="zh-CN" sz="1800" dirty="0">
+                <a:latin typeface="Cambria Math" panose="02040503050406030204" pitchFamily="18" charset="0"/>
+                <a:ea typeface="Cambria Math" panose="02040503050406030204" pitchFamily="18" charset="0"/>
+              </a:rPr>
+              <a:t>Attentive Reader</a:t>
+            </a:r>
+          </a:p>
+          <a:p>
+            <a:pPr marL="457200" indent="-457200">
+              <a:lnSpc>
+                <a:spcPct val="100000"/>
+              </a:lnSpc>
+              <a:buFont typeface="+mj-lt"/>
+              <a:buAutoNum type="arabicPeriod"/>
+            </a:pPr>
+            <a:r>
+              <a:rPr lang="zh-CN" altLang="en-US" sz="1800" dirty="0">
+                <a:latin typeface="Cambria Math" panose="02040503050406030204" pitchFamily="18" charset="0"/>
+                <a:ea typeface="Cambria Math" panose="02040503050406030204" pitchFamily="18" charset="0"/>
+              </a:rPr>
+              <a:t>人开始读文章，然后开始一个字一个字地读题目，读了题目中的第一个字后，查找文章中跟这个字相关的部分，获得一部分信息，然后接着读题目中的第二个字，查找文章中跟这个字</a:t>
+            </a:r>
+            <a:r>
+              <a:rPr lang="zh-CN" altLang="en-US" sz="1800" dirty="0">
+                <a:solidFill>
+                  <a:srgbClr val="FF0000"/>
+                </a:solidFill>
+                <a:latin typeface="Cambria Math" panose="02040503050406030204" pitchFamily="18" charset="0"/>
+                <a:ea typeface="Cambria Math" panose="02040503050406030204" pitchFamily="18" charset="0"/>
+              </a:rPr>
+              <a:t>相关的</a:t>
+            </a:r>
+            <a:r>
+              <a:rPr lang="zh-CN" altLang="en-US" sz="1800" dirty="0">
+                <a:latin typeface="Cambria Math" panose="02040503050406030204" pitchFamily="18" charset="0"/>
+                <a:ea typeface="Cambria Math" panose="02040503050406030204" pitchFamily="18" charset="0"/>
+              </a:rPr>
+              <a:t>部分，又获得一部分信息，</a:t>
+            </a:r>
+            <a:r>
+              <a:rPr lang="zh-CN" altLang="en-US" sz="1800" dirty="0">
+                <a:solidFill>
+                  <a:srgbClr val="7030A0"/>
+                </a:solidFill>
+                <a:latin typeface="Cambria Math" panose="02040503050406030204" pitchFamily="18" charset="0"/>
+                <a:ea typeface="Cambria Math" panose="02040503050406030204" pitchFamily="18" charset="0"/>
+              </a:rPr>
+              <a:t>这样一直累积题目中所有字的信息</a:t>
+            </a:r>
+            <a:r>
+              <a:rPr lang="zh-CN" altLang="en-US" sz="1800" dirty="0">
+                <a:latin typeface="Cambria Math" panose="02040503050406030204" pitchFamily="18" charset="0"/>
+                <a:ea typeface="Cambria Math" panose="02040503050406030204" pitchFamily="18" charset="0"/>
+              </a:rPr>
+              <a:t>；</a:t>
+            </a:r>
+            <a:r>
+              <a:rPr lang="en-US" altLang="zh-CN" sz="1800" dirty="0">
+                <a:latin typeface="Cambria Math" panose="02040503050406030204" pitchFamily="18" charset="0"/>
+                <a:ea typeface="Cambria Math" panose="02040503050406030204" pitchFamily="18" charset="0"/>
+              </a:rPr>
+              <a:t>Impatient Reader</a:t>
+            </a:r>
+          </a:p>
+          <a:p>
+            <a:pPr marL="457200" indent="-457200">
+              <a:lnSpc>
+                <a:spcPct val="100000"/>
+              </a:lnSpc>
+              <a:buFont typeface="+mj-lt"/>
+              <a:buAutoNum type="arabicPeriod"/>
+            </a:pPr>
+            <a:r>
+              <a:rPr lang="zh-CN" altLang="en-US" sz="1800" dirty="0">
+                <a:latin typeface="Cambria Math" panose="02040503050406030204" pitchFamily="18" charset="0"/>
+                <a:ea typeface="Cambria Math" panose="02040503050406030204" pitchFamily="18" charset="0"/>
+              </a:rPr>
+              <a:t>开始时候，人对于题目和文章一无所知。然后人开始读文章和题目，读完后有了一些新的感悟，发现这部分感悟还不够回答问题，所以又读了一遍文章和题目，又获得一些新的感悟，通过这样的迭代每一次感悟，</a:t>
+            </a:r>
+            <a:r>
+              <a:rPr lang="zh-CN" altLang="en-US" sz="1800" dirty="0">
+                <a:solidFill>
+                  <a:srgbClr val="7030A0"/>
+                </a:solidFill>
+                <a:latin typeface="Cambria Math" panose="02040503050406030204" pitchFamily="18" charset="0"/>
+                <a:ea typeface="Cambria Math" panose="02040503050406030204" pitchFamily="18" charset="0"/>
+              </a:rPr>
+              <a:t>然后累积每次的感悟信息</a:t>
+            </a:r>
+            <a:r>
+              <a:rPr lang="zh-CN" altLang="en-US" sz="1800" dirty="0">
+                <a:latin typeface="Cambria Math" panose="02040503050406030204" pitchFamily="18" charset="0"/>
+                <a:ea typeface="Cambria Math" panose="02040503050406030204" pitchFamily="18" charset="0"/>
+              </a:rPr>
+              <a:t>；</a:t>
+            </a:r>
+            <a:r>
+              <a:rPr lang="en-US" altLang="zh-CN" sz="1800" dirty="0">
+                <a:latin typeface="Cambria Math" panose="02040503050406030204" pitchFamily="18" charset="0"/>
+                <a:ea typeface="Cambria Math" panose="02040503050406030204" pitchFamily="18" charset="0"/>
+              </a:rPr>
+              <a:t>Iterative Attention neural </a:t>
+            </a:r>
+            <a:r>
+              <a:rPr lang="en-US" altLang="zh-CN" sz="1800" dirty="0" smtClean="0">
+                <a:latin typeface="Cambria Math" panose="02040503050406030204" pitchFamily="18" charset="0"/>
+                <a:ea typeface="Cambria Math" panose="02040503050406030204" pitchFamily="18" charset="0"/>
+              </a:rPr>
+              <a:t>network</a:t>
+            </a:r>
+            <a:r>
+              <a:rPr lang="zh-CN" altLang="en-US" sz="1800" dirty="0" smtClean="0">
+                <a:latin typeface="Cambria Math" panose="02040503050406030204" pitchFamily="18" charset="0"/>
+                <a:ea typeface="Cambria Math" panose="02040503050406030204" pitchFamily="18" charset="0"/>
+              </a:rPr>
+              <a:t>，</a:t>
+            </a:r>
+            <a:r>
+              <a:rPr lang="en-US" altLang="zh-CN" sz="1800" dirty="0" smtClean="0">
+                <a:latin typeface="Cambria Math" panose="02040503050406030204" pitchFamily="18" charset="0"/>
+                <a:ea typeface="Cambria Math" panose="02040503050406030204" pitchFamily="18" charset="0"/>
+              </a:rPr>
+              <a:t>memory network</a:t>
+            </a:r>
+            <a:r>
+              <a:rPr lang="zh-CN" altLang="en-US" sz="1800" dirty="0" smtClean="0">
+                <a:latin typeface="Cambria Math" panose="02040503050406030204" pitchFamily="18" charset="0"/>
+                <a:ea typeface="Cambria Math" panose="02040503050406030204" pitchFamily="18" charset="0"/>
+              </a:rPr>
+              <a:t>，</a:t>
+            </a:r>
+            <a:r>
+              <a:rPr lang="en-US" altLang="zh-CN" sz="1800" dirty="0" smtClean="0">
+                <a:latin typeface="Cambria Math" panose="02040503050406030204" pitchFamily="18" charset="0"/>
+                <a:ea typeface="Cambria Math" panose="02040503050406030204" pitchFamily="18" charset="0"/>
+              </a:rPr>
+              <a:t>Gated-attention reader</a:t>
+            </a:r>
+            <a:endParaRPr lang="en-US" altLang="zh-CN" sz="1800" dirty="0">
+              <a:latin typeface="Cambria Math" panose="02040503050406030204" pitchFamily="18" charset="0"/>
+              <a:ea typeface="Cambria Math" panose="02040503050406030204" pitchFamily="18" charset="0"/>
+            </a:endParaRPr>
+          </a:p>
+          <a:p>
             <a:pPr marL="0" indent="0">
               <a:lnSpc>
-                <a:spcPct val="80000"/>
+                <a:spcPct val="100000"/>
               </a:lnSpc>
               <a:buNone/>
             </a:pPr>
             <a:r>
-              <a:rPr lang="zh-CN" altLang="en-US" sz="2000" dirty="0">
-                <a:latin typeface="Cambria Math" panose="02040503050406030204" pitchFamily="18" charset="0"/>
-                <a:ea typeface="Cambria Math" panose="02040503050406030204" pitchFamily="18" charset="0"/>
-              </a:rPr>
-              <a:t>基本思路：</a:t>
-            </a:r>
-            <a:r>
-              <a:rPr lang="zh-CN" altLang="en-US" sz="2000" dirty="0">
-                <a:solidFill>
-                  <a:srgbClr val="7030A0"/>
-                </a:solidFill>
-                <a:latin typeface="Cambria Math" panose="02040503050406030204" pitchFamily="18" charset="0"/>
-                <a:ea typeface="Cambria Math" panose="02040503050406030204" pitchFamily="18" charset="0"/>
-              </a:rPr>
-              <a:t>先读文章，接着开始读问题，然后马上回答问题。</a:t>
-            </a:r>
-            <a:endParaRPr lang="en-US" altLang="zh-CN" sz="2000" dirty="0">
-              <a:solidFill>
-                <a:srgbClr val="7030A0"/>
-              </a:solidFill>
+              <a:rPr lang="zh-CN" altLang="en-US" sz="1800" dirty="0">
+                <a:latin typeface="Cambria Math" panose="02040503050406030204" pitchFamily="18" charset="0"/>
+                <a:ea typeface="Cambria Math" panose="02040503050406030204" pitchFamily="18" charset="0"/>
+              </a:rPr>
+              <a:t>     符合，相关</a:t>
+            </a:r>
+            <a:r>
+              <a:rPr lang="en-US" altLang="zh-CN" sz="1800" dirty="0">
+                <a:latin typeface="Cambria Math" panose="02040503050406030204" pitchFamily="18" charset="0"/>
+                <a:ea typeface="Cambria Math" panose="02040503050406030204" pitchFamily="18" charset="0"/>
+              </a:rPr>
+              <a:t>---------------- </a:t>
+            </a:r>
+            <a:r>
+              <a:rPr lang="zh-CN" altLang="en-US" sz="1800" dirty="0">
+                <a:latin typeface="Cambria Math" panose="02040503050406030204" pitchFamily="18" charset="0"/>
+                <a:ea typeface="Cambria Math" panose="02040503050406030204" pitchFamily="18" charset="0"/>
+              </a:rPr>
+              <a:t>主要是采用</a:t>
+            </a:r>
+            <a:r>
+              <a:rPr lang="en-US" altLang="zh-CN" sz="1800" dirty="0">
+                <a:latin typeface="Cambria Math" panose="02040503050406030204" pitchFamily="18" charset="0"/>
+                <a:ea typeface="Cambria Math" panose="02040503050406030204" pitchFamily="18" charset="0"/>
+              </a:rPr>
+              <a:t>attention</a:t>
+            </a:r>
+            <a:r>
+              <a:rPr lang="zh-CN" altLang="en-US" sz="1800" dirty="0">
+                <a:latin typeface="Cambria Math" panose="02040503050406030204" pitchFamily="18" charset="0"/>
+                <a:ea typeface="Cambria Math" panose="02040503050406030204" pitchFamily="18" charset="0"/>
+              </a:rPr>
+              <a:t>机制</a:t>
+            </a:r>
+            <a:endParaRPr lang="en-US" altLang="zh-CN" sz="1800" dirty="0">
               <a:latin typeface="Cambria Math" panose="02040503050406030204" pitchFamily="18" charset="0"/>
               <a:ea typeface="Cambria Math" panose="02040503050406030204" pitchFamily="18" charset="0"/>
             </a:endParaRPr>
@@ -13613,190 +14618,72 @@
           <a:p>
             <a:pPr marL="0" indent="0">
               <a:lnSpc>
-                <a:spcPct val="80000"/>
+                <a:spcPct val="100000"/>
               </a:lnSpc>
               <a:buNone/>
             </a:pPr>
-            <a:endParaRPr lang="en-US" altLang="zh-CN" sz="2000" dirty="0">
+            <a:r>
+              <a:rPr lang="zh-CN" altLang="en-US" sz="1800" dirty="0">
+                <a:latin typeface="Cambria Math" panose="02040503050406030204" pitchFamily="18" charset="0"/>
+                <a:ea typeface="Cambria Math" panose="02040503050406030204" pitchFamily="18" charset="0"/>
+              </a:rPr>
+              <a:t>     累积信息  </a:t>
+            </a:r>
+            <a:r>
+              <a:rPr lang="en-US" altLang="zh-CN" sz="1800" dirty="0" smtClean="0">
+                <a:latin typeface="Cambria Math" panose="02040503050406030204" pitchFamily="18" charset="0"/>
+                <a:ea typeface="Cambria Math" panose="02040503050406030204" pitchFamily="18" charset="0"/>
+              </a:rPr>
+              <a:t>-----------------  </a:t>
+            </a:r>
+            <a:r>
+              <a:rPr lang="zh-CN" altLang="en-US" sz="1800" dirty="0" smtClean="0">
+                <a:latin typeface="Cambria Math" panose="02040503050406030204" pitchFamily="18" charset="0"/>
+                <a:ea typeface="Cambria Math" panose="02040503050406030204" pitchFamily="18" charset="0"/>
+              </a:rPr>
+              <a:t>相当于编码每次</a:t>
+            </a:r>
+            <a:r>
+              <a:rPr lang="zh-CN" altLang="en-US" sz="1800" dirty="0">
+                <a:latin typeface="Cambria Math" panose="02040503050406030204" pitchFamily="18" charset="0"/>
+                <a:ea typeface="Cambria Math" panose="02040503050406030204" pitchFamily="18" charset="0"/>
+              </a:rPr>
+              <a:t>迭代信息，本质上是一个</a:t>
+            </a:r>
+            <a:r>
+              <a:rPr lang="en-US" altLang="zh-CN" sz="1800" dirty="0">
+                <a:latin typeface="Cambria Math" panose="02040503050406030204" pitchFamily="18" charset="0"/>
+                <a:ea typeface="Cambria Math" panose="02040503050406030204" pitchFamily="18" charset="0"/>
+              </a:rPr>
+              <a:t>RNN</a:t>
+            </a:r>
+            <a:r>
+              <a:rPr lang="zh-CN" altLang="en-US" sz="1800" dirty="0">
+                <a:latin typeface="Cambria Math" panose="02040503050406030204" pitchFamily="18" charset="0"/>
+                <a:ea typeface="Cambria Math" panose="02040503050406030204" pitchFamily="18" charset="0"/>
+              </a:rPr>
+              <a:t>网络</a:t>
+            </a:r>
+            <a:endParaRPr lang="en-US" altLang="zh-CN" sz="1800" dirty="0">
               <a:latin typeface="Cambria Math" panose="02040503050406030204" pitchFamily="18" charset="0"/>
               <a:ea typeface="Cambria Math" panose="02040503050406030204" pitchFamily="18" charset="0"/>
             </a:endParaRPr>
           </a:p>
           <a:p>
             <a:pPr marL="0" indent="0">
-              <a:lnSpc>
-                <a:spcPct val="80000"/>
-              </a:lnSpc>
               <a:buNone/>
             </a:pPr>
-            <a:endParaRPr lang="en-US" altLang="zh-CN" sz="2000" dirty="0">
-              <a:latin typeface="Cambria Math" panose="02040503050406030204" pitchFamily="18" charset="0"/>
-              <a:ea typeface="Cambria Math" panose="02040503050406030204" pitchFamily="18" charset="0"/>
+            <a:endParaRPr lang="en-US" altLang="zh-CN" sz="1600" dirty="0" smtClean="0">
+              <a:latin typeface="微软雅黑" panose="020B0503020204020204" pitchFamily="34" charset="-122"/>
+              <a:ea typeface="微软雅黑" panose="020B0503020204020204" pitchFamily="34" charset="-122"/>
             </a:endParaRPr>
           </a:p>
-          <a:p>
-            <a:pPr marL="0" indent="0">
-              <a:lnSpc>
-                <a:spcPct val="80000"/>
-              </a:lnSpc>
-              <a:buNone/>
-            </a:pPr>
-            <a:endParaRPr lang="en-US" altLang="zh-CN" sz="2000" dirty="0">
-              <a:latin typeface="Cambria Math" panose="02040503050406030204" pitchFamily="18" charset="0"/>
-              <a:ea typeface="Cambria Math" panose="02040503050406030204" pitchFamily="18" charset="0"/>
-            </a:endParaRPr>
-          </a:p>
-          <a:p>
-            <a:pPr marL="0" indent="0">
-              <a:lnSpc>
-                <a:spcPct val="80000"/>
-              </a:lnSpc>
-              <a:buNone/>
-            </a:pPr>
-            <a:endParaRPr lang="en-US" altLang="zh-CN" sz="2000" dirty="0">
-              <a:latin typeface="Cambria Math" panose="02040503050406030204" pitchFamily="18" charset="0"/>
-              <a:ea typeface="Cambria Math" panose="02040503050406030204" pitchFamily="18" charset="0"/>
-            </a:endParaRPr>
-          </a:p>
-          <a:p>
-            <a:pPr marL="0" indent="0">
-              <a:lnSpc>
-                <a:spcPct val="80000"/>
-              </a:lnSpc>
-              <a:buNone/>
-            </a:pPr>
-            <a:endParaRPr lang="en-US" altLang="zh-CN" sz="2000" dirty="0">
-              <a:latin typeface="Cambria Math" panose="02040503050406030204" pitchFamily="18" charset="0"/>
-              <a:ea typeface="Cambria Math" panose="02040503050406030204" pitchFamily="18" charset="0"/>
-            </a:endParaRPr>
-          </a:p>
-          <a:p>
-            <a:pPr marL="0" indent="0">
-              <a:lnSpc>
-                <a:spcPct val="80000"/>
-              </a:lnSpc>
-              <a:buNone/>
-            </a:pPr>
-            <a:endParaRPr lang="en-US" altLang="zh-CN" sz="2000" dirty="0">
-              <a:latin typeface="Cambria Math" panose="02040503050406030204" pitchFamily="18" charset="0"/>
-              <a:ea typeface="Cambria Math" panose="02040503050406030204" pitchFamily="18" charset="0"/>
-            </a:endParaRPr>
-          </a:p>
-          <a:p>
-            <a:pPr marL="0" indent="0">
-              <a:lnSpc>
-                <a:spcPct val="80000"/>
-              </a:lnSpc>
-              <a:buNone/>
-            </a:pPr>
-            <a:endParaRPr lang="en-US" altLang="zh-CN" sz="2000" dirty="0">
-              <a:latin typeface="Cambria Math" panose="02040503050406030204" pitchFamily="18" charset="0"/>
-              <a:ea typeface="Cambria Math" panose="02040503050406030204" pitchFamily="18" charset="0"/>
-            </a:endParaRPr>
-          </a:p>
-          <a:p>
-            <a:pPr marL="0" indent="0">
-              <a:lnSpc>
-                <a:spcPct val="80000"/>
-              </a:lnSpc>
-              <a:buNone/>
-            </a:pPr>
-            <a:endParaRPr lang="en-US" altLang="zh-CN" sz="2000" dirty="0">
-              <a:latin typeface="Cambria Math" panose="02040503050406030204" pitchFamily="18" charset="0"/>
-              <a:ea typeface="Cambria Math" panose="02040503050406030204" pitchFamily="18" charset="0"/>
-            </a:endParaRPr>
-          </a:p>
-          <a:p>
-            <a:pPr marL="0" indent="0">
-              <a:lnSpc>
-                <a:spcPct val="80000"/>
-              </a:lnSpc>
-              <a:buNone/>
-            </a:pPr>
-            <a:r>
-              <a:rPr lang="zh-CN" altLang="en-US" sz="2000" dirty="0">
-                <a:latin typeface="Cambria Math" panose="02040503050406030204" pitchFamily="18" charset="0"/>
-                <a:ea typeface="Cambria Math" panose="02040503050406030204" pitchFamily="18" charset="0"/>
-              </a:rPr>
-              <a:t>将问题和文章之间用一个特殊的界定符</a:t>
-            </a:r>
-            <a:r>
-              <a:rPr lang="en-US" altLang="zh-CN" sz="2000" dirty="0">
-                <a:latin typeface="Cambria Math" panose="02040503050406030204" pitchFamily="18" charset="0"/>
-                <a:ea typeface="Cambria Math" panose="02040503050406030204" pitchFamily="18" charset="0"/>
-              </a:rPr>
-              <a:t>|||</a:t>
-            </a:r>
-            <a:r>
-              <a:rPr lang="zh-CN" altLang="en-US" sz="2000" dirty="0">
-                <a:latin typeface="Cambria Math" panose="02040503050406030204" pitchFamily="18" charset="0"/>
-                <a:ea typeface="Cambria Math" panose="02040503050406030204" pitchFamily="18" charset="0"/>
-              </a:rPr>
-              <a:t>连接，然后编码成特征</a:t>
-            </a:r>
-            <a:r>
-              <a:rPr lang="en-US" altLang="zh-CN" sz="2000" i="1" dirty="0">
-                <a:latin typeface="Cambria Math" panose="02040503050406030204" pitchFamily="18" charset="0"/>
-                <a:ea typeface="Cambria Math" panose="02040503050406030204" pitchFamily="18" charset="0"/>
-              </a:rPr>
-              <a:t>g</a:t>
-            </a:r>
-            <a:r>
-              <a:rPr lang="zh-CN" altLang="en-US" sz="2000" smtClean="0">
-                <a:latin typeface="Cambria Math" panose="02040503050406030204" pitchFamily="18" charset="0"/>
-                <a:ea typeface="Cambria Math" panose="02040503050406030204" pitchFamily="18" charset="0"/>
-              </a:rPr>
-              <a:t>，然后利用这个特征在单词空间上来</a:t>
-            </a:r>
-            <a:r>
-              <a:rPr lang="zh-CN" altLang="en-US" sz="2000" dirty="0">
-                <a:latin typeface="Cambria Math" panose="02040503050406030204" pitchFamily="18" charset="0"/>
-                <a:ea typeface="Cambria Math" panose="02040503050406030204" pitchFamily="18" charset="0"/>
-              </a:rPr>
-              <a:t>预测正确答案</a:t>
-            </a:r>
-            <a:r>
-              <a:rPr lang="zh-CN" altLang="en-US" sz="2000" dirty="0" smtClean="0">
-                <a:latin typeface="Cambria Math" panose="02040503050406030204" pitchFamily="18" charset="0"/>
-                <a:ea typeface="Cambria Math" panose="02040503050406030204" pitchFamily="18" charset="0"/>
-              </a:rPr>
-              <a:t>。</a:t>
-            </a:r>
-            <a:endParaRPr lang="en-US" altLang="zh-CN" sz="2000" dirty="0">
-              <a:latin typeface="Cambria Math" panose="02040503050406030204" pitchFamily="18" charset="0"/>
-              <a:ea typeface="Cambria Math" panose="02040503050406030204" pitchFamily="18" charset="0"/>
-            </a:endParaRPr>
-          </a:p>
-        </p:txBody>
-      </p:sp>
-      <p:pic>
-        <p:nvPicPr>
-          <p:cNvPr id="4" name="图片 3"/>
-          <p:cNvPicPr>
-            <a:picLocks noChangeAspect="1"/>
-          </p:cNvPicPr>
-          <p:nvPr/>
-        </p:nvPicPr>
-        <p:blipFill>
-          <a:blip r:embed="rId3"/>
-          <a:stretch>
-            <a:fillRect/>
-          </a:stretch>
-        </p:blipFill>
-        <p:spPr>
-          <a:xfrm>
-            <a:off x="1824037" y="2209800"/>
-            <a:ext cx="5495925" cy="2438400"/>
-          </a:xfrm>
-          <a:prstGeom prst="rect">
-            <a:avLst/>
-          </a:prstGeom>
-        </p:spPr>
-      </p:pic>
+        </p:txBody>
+      </p:sp>
     </p:spTree>
     <p:extLst>
       <p:ext uri="{BB962C8B-B14F-4D97-AF65-F5344CB8AC3E}">
-        <p14:creationId xmlns:p14="http://schemas.microsoft.com/office/powerpoint/2010/main" val="3221402893"/>
+        <p14:creationId xmlns:p14="http://schemas.microsoft.com/office/powerpoint/2010/main" val="972381137"/>
       </p:ext>
     </p:extLst>
   </p:cSld>
@@ -13858,12 +14745,12 @@
               </a:spcBef>
             </a:pPr>
             <a:r>
-              <a:rPr lang="en-US" altLang="zh-CN" sz="3200" dirty="0">
+              <a:rPr lang="zh-CN" altLang="en-US" sz="3200" dirty="0" smtClean="0">
                 <a:latin typeface="Cambria Math" panose="02040503050406030204" pitchFamily="18" charset="0"/>
                 <a:ea typeface="Cambria Math" panose="02040503050406030204" pitchFamily="18" charset="0"/>
                 <a:cs typeface="+mn-cs"/>
               </a:rPr>
-              <a:t>Deep LSTM Reader</a:t>
+              <a:t>需要解决的问题</a:t>
             </a:r>
             <a:endParaRPr lang="zh-CN" altLang="en-US" sz="3200" dirty="0">
               <a:latin typeface="Cambria Math" panose="02040503050406030204" pitchFamily="18" charset="0"/>
@@ -13894,6 +14781,15 @@
             <a:normAutofit/>
           </a:bodyPr>
           <a:lstStyle/>
+          <a:p>
+            <a:pPr marL="0" indent="0">
+              <a:buNone/>
+            </a:pPr>
+            <a:endParaRPr lang="en-US" altLang="zh-CN" sz="2000" dirty="0" smtClean="0">
+              <a:latin typeface="微软雅黑" panose="020B0503020204020204" pitchFamily="34" charset="-122"/>
+              <a:ea typeface="微软雅黑" panose="020B0503020204020204" pitchFamily="34" charset="-122"/>
+            </a:endParaRPr>
+          </a:p>
           <a:p>
             <a:pPr marL="0" indent="0">
               <a:buNone/>
@@ -13915,7 +14811,7 @@
           <a:p>
             <a:pPr marL="0" indent="0">
               <a:lnSpc>
-                <a:spcPct val="80000"/>
+                <a:spcPct val="100000"/>
               </a:lnSpc>
               <a:buNone/>
             </a:pPr>
@@ -13924,106 +14820,61 @@
                 <a:latin typeface="Cambria Math" panose="02040503050406030204" pitchFamily="18" charset="0"/>
                 <a:ea typeface="Cambria Math" panose="02040503050406030204" pitchFamily="18" charset="0"/>
               </a:rPr>
-              <a:t>优点：模型结构非常简单，一般来说两层的</a:t>
+              <a:t>模型需要解决的问题就是如何同时编码输入文章（</a:t>
             </a:r>
             <a:r>
               <a:rPr lang="en-US" altLang="zh-CN" sz="2000" dirty="0">
                 <a:latin typeface="Cambria Math" panose="02040503050406030204" pitchFamily="18" charset="0"/>
                 <a:ea typeface="Cambria Math" panose="02040503050406030204" pitchFamily="18" charset="0"/>
               </a:rPr>
-              <a:t>LSTM</a:t>
+              <a:t>document</a:t>
             </a:r>
             <a:r>
               <a:rPr lang="zh-CN" altLang="en-US" sz="2000" dirty="0">
                 <a:latin typeface="Cambria Math" panose="02040503050406030204" pitchFamily="18" charset="0"/>
                 <a:ea typeface="Cambria Math" panose="02040503050406030204" pitchFamily="18" charset="0"/>
               </a:rPr>
-              <a:t>就已经可以取得比较理想的效果了；</a:t>
+              <a:t>）以及问题（</a:t>
+            </a:r>
+            <a:r>
+              <a:rPr lang="en-US" altLang="zh-CN" sz="2000" dirty="0">
+                <a:latin typeface="Cambria Math" panose="02040503050406030204" pitchFamily="18" charset="0"/>
+                <a:ea typeface="Cambria Math" panose="02040503050406030204" pitchFamily="18" charset="0"/>
+              </a:rPr>
+              <a:t>query</a:t>
+            </a:r>
+            <a:r>
+              <a:rPr lang="zh-CN" altLang="en-US" sz="2000" dirty="0" smtClean="0">
+                <a:latin typeface="Cambria Math" panose="02040503050406030204" pitchFamily="18" charset="0"/>
+                <a:ea typeface="Cambria Math" panose="02040503050406030204" pitchFamily="18" charset="0"/>
+              </a:rPr>
+              <a:t>），充分抓住文章和问题之间的联系，然后</a:t>
+            </a:r>
+            <a:r>
+              <a:rPr lang="zh-CN" altLang="en-US" sz="2000" dirty="0">
+                <a:latin typeface="Cambria Math" panose="02040503050406030204" pitchFamily="18" charset="0"/>
+                <a:ea typeface="Cambria Math" panose="02040503050406030204" pitchFamily="18" charset="0"/>
+              </a:rPr>
+              <a:t>提取特征用于预测</a:t>
+            </a:r>
+            <a:r>
+              <a:rPr lang="zh-CN" altLang="en-US" sz="2000" dirty="0" smtClean="0">
+                <a:latin typeface="Cambria Math" panose="02040503050406030204" pitchFamily="18" charset="0"/>
+                <a:ea typeface="Cambria Math" panose="02040503050406030204" pitchFamily="18" charset="0"/>
+              </a:rPr>
+              <a:t>答案的问题。</a:t>
             </a:r>
             <a:endParaRPr lang="en-US" altLang="zh-CN" sz="2000" dirty="0">
               <a:latin typeface="Cambria Math" panose="02040503050406030204" pitchFamily="18" charset="0"/>
               <a:ea typeface="Cambria Math" panose="02040503050406030204" pitchFamily="18" charset="0"/>
             </a:endParaRPr>
           </a:p>
-          <a:p>
-            <a:pPr marL="0" indent="0">
-              <a:lnSpc>
-                <a:spcPct val="80000"/>
-              </a:lnSpc>
-              <a:buNone/>
-            </a:pPr>
-            <a:endParaRPr lang="en-US" altLang="zh-CN" sz="2000" dirty="0">
-              <a:latin typeface="Cambria Math" panose="02040503050406030204" pitchFamily="18" charset="0"/>
-              <a:ea typeface="Cambria Math" panose="02040503050406030204" pitchFamily="18" charset="0"/>
-            </a:endParaRPr>
-          </a:p>
-          <a:p>
-            <a:pPr marL="0" indent="0">
-              <a:lnSpc>
-                <a:spcPct val="80000"/>
-              </a:lnSpc>
-              <a:buNone/>
-            </a:pPr>
-            <a:r>
-              <a:rPr lang="zh-CN" altLang="en-US" sz="2000" dirty="0">
-                <a:latin typeface="Cambria Math" panose="02040503050406030204" pitchFamily="18" charset="0"/>
-                <a:ea typeface="Cambria Math" panose="02040503050406030204" pitchFamily="18" charset="0"/>
-              </a:rPr>
-              <a:t>缺点：一般来说文章</a:t>
-            </a:r>
-            <a:r>
-              <a:rPr lang="en-US" altLang="zh-CN" sz="2000" dirty="0">
-                <a:latin typeface="Cambria Math" panose="02040503050406030204" pitchFamily="18" charset="0"/>
-                <a:ea typeface="Cambria Math" panose="02040503050406030204" pitchFamily="18" charset="0"/>
-              </a:rPr>
-              <a:t>document</a:t>
-            </a:r>
-            <a:r>
-              <a:rPr lang="zh-CN" altLang="en-US" sz="2000" dirty="0">
-                <a:latin typeface="Cambria Math" panose="02040503050406030204" pitchFamily="18" charset="0"/>
-                <a:ea typeface="Cambria Math" panose="02040503050406030204" pitchFamily="18" charset="0"/>
-              </a:rPr>
-              <a:t>的平均长度接近</a:t>
-            </a:r>
-            <a:r>
-              <a:rPr lang="en-US" altLang="zh-CN" sz="2000" dirty="0">
-                <a:latin typeface="Cambria Math" panose="02040503050406030204" pitchFamily="18" charset="0"/>
-                <a:ea typeface="Cambria Math" panose="02040503050406030204" pitchFamily="18" charset="0"/>
-              </a:rPr>
-              <a:t>800</a:t>
-            </a:r>
-            <a:r>
-              <a:rPr lang="zh-CN" altLang="en-US" sz="2000" dirty="0">
-                <a:latin typeface="Cambria Math" panose="02040503050406030204" pitchFamily="18" charset="0"/>
-                <a:ea typeface="Cambria Math" panose="02040503050406030204" pitchFamily="18" charset="0"/>
-              </a:rPr>
-              <a:t>了，只利用</a:t>
-            </a:r>
-            <a:r>
-              <a:rPr lang="en-US" altLang="zh-CN" sz="2000" dirty="0">
-                <a:latin typeface="Cambria Math" panose="02040503050406030204" pitchFamily="18" charset="0"/>
-                <a:ea typeface="Cambria Math" panose="02040503050406030204" pitchFamily="18" charset="0"/>
-              </a:rPr>
-              <a:t>LSTM</a:t>
-            </a:r>
-            <a:r>
-              <a:rPr lang="zh-CN" altLang="en-US" sz="2000" dirty="0">
-                <a:latin typeface="Cambria Math" panose="02040503050406030204" pitchFamily="18" charset="0"/>
-                <a:ea typeface="Cambria Math" panose="02040503050406030204" pitchFamily="18" charset="0"/>
-              </a:rPr>
-              <a:t>最终隐含状态会造成一些信息的丢失。</a:t>
-            </a:r>
-            <a:endParaRPr lang="en-US" altLang="zh-CN" sz="2000" dirty="0">
-              <a:latin typeface="Cambria Math" panose="02040503050406030204" pitchFamily="18" charset="0"/>
-              <a:ea typeface="Cambria Math" panose="02040503050406030204" pitchFamily="18" charset="0"/>
-            </a:endParaRPr>
-          </a:p>
         </p:txBody>
       </p:sp>
     </p:spTree>
     <p:extLst>
       <p:ext uri="{BB962C8B-B14F-4D97-AF65-F5344CB8AC3E}">
-        <p14:creationId xmlns:p14="http://schemas.microsoft.com/office/powerpoint/2010/main" val="3542774480"/>
+        <p14:creationId xmlns:p14="http://schemas.microsoft.com/office/powerpoint/2010/main" val="2797365349"/>
       </p:ext>
     </p:extLst>
   </p:cSld>
@@ -14090,23 +14941,7 @@
                 <a:ea typeface="Cambria Math" panose="02040503050406030204" pitchFamily="18" charset="0"/>
                 <a:cs typeface="+mn-cs"/>
               </a:rPr>
-              <a:t>Attentive Reader</a:t>
-            </a:r>
-            <a:r>
-              <a:rPr lang="zh-CN" altLang="en-US" sz="3200" dirty="0">
-                <a:latin typeface="Cambria Math" panose="02040503050406030204" pitchFamily="18" charset="0"/>
-                <a:ea typeface="Cambria Math" panose="02040503050406030204" pitchFamily="18" charset="0"/>
-                <a:cs typeface="+mn-cs"/>
-              </a:rPr>
-              <a:t>和</a:t>
-            </a:r>
-            <a:r>
-              <a:rPr lang="en-US" altLang="zh-CN" sz="3200" dirty="0">
-                <a:latin typeface="Cambria Math" panose="02040503050406030204" pitchFamily="18" charset="0"/>
-                <a:ea typeface="Cambria Math" panose="02040503050406030204" pitchFamily="18" charset="0"/>
-                <a:cs typeface="+mn-cs"/>
-              </a:rPr>
-              <a:t>Stanford AR</a:t>
+              <a:t>Deep LSTM Reader</a:t>
             </a:r>
             <a:endParaRPr lang="zh-CN" altLang="en-US" sz="3200" dirty="0">
               <a:latin typeface="Cambria Math" panose="02040503050406030204" pitchFamily="18" charset="0"/>
@@ -14142,27 +14977,26 @@
               <a:lnSpc>
                 <a:spcPct val="80000"/>
               </a:lnSpc>
-              <a:buFont typeface="Arial" panose="020B0604020202020204" pitchFamily="34" charset="0"/>
               <a:buNone/>
             </a:pPr>
             <a:r>
-              <a:rPr lang="zh-CN" altLang="en-US" sz="1800" dirty="0">
+              <a:rPr lang="zh-CN" altLang="en-US" sz="2000" dirty="0">
                 <a:latin typeface="Cambria Math" panose="02040503050406030204" pitchFamily="18" charset="0"/>
                 <a:ea typeface="Cambria Math" panose="02040503050406030204" pitchFamily="18" charset="0"/>
               </a:rPr>
               <a:t>基本思路：</a:t>
             </a:r>
             <a:r>
-              <a:rPr lang="zh-CN" altLang="en-US" sz="1800" dirty="0">
+              <a:rPr lang="zh-CN" altLang="en-US" sz="2000" dirty="0">
                 <a:solidFill>
                   <a:srgbClr val="7030A0"/>
                 </a:solidFill>
                 <a:latin typeface="Cambria Math" panose="02040503050406030204" pitchFamily="18" charset="0"/>
                 <a:ea typeface="Cambria Math" panose="02040503050406030204" pitchFamily="18" charset="0"/>
               </a:rPr>
-              <a:t>开始读文章，然后开始读问题，读完问题后，通过问题去查找跟文章中相符合的部分</a:t>
-            </a:r>
-            <a:endParaRPr lang="en-US" altLang="zh-CN" sz="1800" dirty="0">
+              <a:t>先读文章，接着开始读问题，然后马上回答问题。</a:t>
+            </a:r>
+            <a:endParaRPr lang="en-US" altLang="zh-CN" sz="2000" dirty="0">
               <a:solidFill>
                 <a:srgbClr val="7030A0"/>
               </a:solidFill>
@@ -14172,20 +15006,159 @@
           </a:p>
           <a:p>
             <a:pPr marL="0" indent="0">
+              <a:lnSpc>
+                <a:spcPct val="80000"/>
+              </a:lnSpc>
               <a:buNone/>
             </a:pPr>
-            <a:endParaRPr lang="en-US" altLang="zh-CN" sz="2000" dirty="0" smtClean="0">
-              <a:latin typeface="微软雅黑" panose="020B0503020204020204" pitchFamily="34" charset="-122"/>
-              <a:ea typeface="微软雅黑" panose="020B0503020204020204" pitchFamily="34" charset="-122"/>
+            <a:endParaRPr lang="en-US" altLang="zh-CN" sz="2000" dirty="0">
+              <a:latin typeface="Cambria Math" panose="02040503050406030204" pitchFamily="18" charset="0"/>
+              <a:ea typeface="Cambria Math" panose="02040503050406030204" pitchFamily="18" charset="0"/>
             </a:endParaRPr>
           </a:p>
           <a:p>
             <a:pPr marL="0" indent="0">
+              <a:lnSpc>
+                <a:spcPct val="80000"/>
+              </a:lnSpc>
               <a:buNone/>
             </a:pPr>
-            <a:endParaRPr lang="en-US" altLang="zh-CN" sz="2000" dirty="0" smtClean="0">
-              <a:latin typeface="微软雅黑" panose="020B0503020204020204" pitchFamily="34" charset="-122"/>
-              <a:ea typeface="微软雅黑" panose="020B0503020204020204" pitchFamily="34" charset="-122"/>
+            <a:endParaRPr lang="en-US" altLang="zh-CN" sz="2000" dirty="0">
+              <a:latin typeface="Cambria Math" panose="02040503050406030204" pitchFamily="18" charset="0"/>
+              <a:ea typeface="Cambria Math" panose="02040503050406030204" pitchFamily="18" charset="0"/>
+            </a:endParaRPr>
+          </a:p>
+          <a:p>
+            <a:pPr marL="0" indent="0">
+              <a:lnSpc>
+                <a:spcPct val="80000"/>
+              </a:lnSpc>
+              <a:buNone/>
+            </a:pPr>
+            <a:endParaRPr lang="en-US" altLang="zh-CN" sz="2000" dirty="0">
+              <a:latin typeface="Cambria Math" panose="02040503050406030204" pitchFamily="18" charset="0"/>
+              <a:ea typeface="Cambria Math" panose="02040503050406030204" pitchFamily="18" charset="0"/>
+            </a:endParaRPr>
+          </a:p>
+          <a:p>
+            <a:pPr marL="0" indent="0">
+              <a:lnSpc>
+                <a:spcPct val="80000"/>
+              </a:lnSpc>
+              <a:buNone/>
+            </a:pPr>
+            <a:endParaRPr lang="en-US" altLang="zh-CN" sz="2000" dirty="0">
+              <a:latin typeface="Cambria Math" panose="02040503050406030204" pitchFamily="18" charset="0"/>
+              <a:ea typeface="Cambria Math" panose="02040503050406030204" pitchFamily="18" charset="0"/>
+            </a:endParaRPr>
+          </a:p>
+          <a:p>
+            <a:pPr marL="0" indent="0">
+              <a:lnSpc>
+                <a:spcPct val="80000"/>
+              </a:lnSpc>
+              <a:buNone/>
+            </a:pPr>
+            <a:endParaRPr lang="en-US" altLang="zh-CN" sz="2000" dirty="0">
+              <a:latin typeface="Cambria Math" panose="02040503050406030204" pitchFamily="18" charset="0"/>
+              <a:ea typeface="Cambria Math" panose="02040503050406030204" pitchFamily="18" charset="0"/>
+            </a:endParaRPr>
+          </a:p>
+          <a:p>
+            <a:pPr marL="0" indent="0">
+              <a:lnSpc>
+                <a:spcPct val="80000"/>
+              </a:lnSpc>
+              <a:buNone/>
+            </a:pPr>
+            <a:endParaRPr lang="en-US" altLang="zh-CN" sz="2000" dirty="0">
+              <a:latin typeface="Cambria Math" panose="02040503050406030204" pitchFamily="18" charset="0"/>
+              <a:ea typeface="Cambria Math" panose="02040503050406030204" pitchFamily="18" charset="0"/>
+            </a:endParaRPr>
+          </a:p>
+          <a:p>
+            <a:pPr marL="0" indent="0">
+              <a:lnSpc>
+                <a:spcPct val="80000"/>
+              </a:lnSpc>
+              <a:buNone/>
+            </a:pPr>
+            <a:endParaRPr lang="en-US" altLang="zh-CN" sz="2000" dirty="0">
+              <a:latin typeface="Cambria Math" panose="02040503050406030204" pitchFamily="18" charset="0"/>
+              <a:ea typeface="Cambria Math" panose="02040503050406030204" pitchFamily="18" charset="0"/>
+            </a:endParaRPr>
+          </a:p>
+          <a:p>
+            <a:pPr marL="0" indent="0">
+              <a:lnSpc>
+                <a:spcPct val="80000"/>
+              </a:lnSpc>
+              <a:buNone/>
+            </a:pPr>
+            <a:endParaRPr lang="en-US" altLang="zh-CN" sz="2000" dirty="0">
+              <a:latin typeface="Cambria Math" panose="02040503050406030204" pitchFamily="18" charset="0"/>
+              <a:ea typeface="Cambria Math" panose="02040503050406030204" pitchFamily="18" charset="0"/>
+            </a:endParaRPr>
+          </a:p>
+          <a:p>
+            <a:pPr marL="0" indent="0">
+              <a:lnSpc>
+                <a:spcPct val="100000"/>
+              </a:lnSpc>
+              <a:buNone/>
+            </a:pPr>
+            <a:r>
+              <a:rPr lang="zh-CN" altLang="en-US" sz="2000" dirty="0">
+                <a:latin typeface="Cambria Math" panose="02040503050406030204" pitchFamily="18" charset="0"/>
+                <a:ea typeface="Cambria Math" panose="02040503050406030204" pitchFamily="18" charset="0"/>
+              </a:rPr>
+              <a:t>将问题和文章之间用一个特殊的界定符</a:t>
+            </a:r>
+            <a:r>
+              <a:rPr lang="en-US" altLang="zh-CN" sz="2000" dirty="0">
+                <a:latin typeface="Cambria Math" panose="02040503050406030204" pitchFamily="18" charset="0"/>
+                <a:ea typeface="Cambria Math" panose="02040503050406030204" pitchFamily="18" charset="0"/>
+              </a:rPr>
+              <a:t>|||</a:t>
+            </a:r>
+            <a:r>
+              <a:rPr lang="zh-CN" altLang="en-US" sz="2000" dirty="0">
+                <a:latin typeface="Cambria Math" panose="02040503050406030204" pitchFamily="18" charset="0"/>
+                <a:ea typeface="Cambria Math" panose="02040503050406030204" pitchFamily="18" charset="0"/>
+              </a:rPr>
+              <a:t>连接，然后编码成特征</a:t>
+            </a:r>
+            <a:r>
+              <a:rPr lang="en-US" altLang="zh-CN" sz="2000" i="1" dirty="0">
+                <a:latin typeface="Cambria Math" panose="02040503050406030204" pitchFamily="18" charset="0"/>
+                <a:ea typeface="Cambria Math" panose="02040503050406030204" pitchFamily="18" charset="0"/>
+              </a:rPr>
+              <a:t>g</a:t>
+            </a:r>
+            <a:r>
+              <a:rPr lang="zh-CN" altLang="en-US" sz="2000" dirty="0" smtClean="0">
+                <a:latin typeface="Cambria Math" panose="02040503050406030204" pitchFamily="18" charset="0"/>
+                <a:ea typeface="Cambria Math" panose="02040503050406030204" pitchFamily="18" charset="0"/>
+              </a:rPr>
+              <a:t>，然后利用这个特征在单词空间上来</a:t>
+            </a:r>
+            <a:r>
+              <a:rPr lang="zh-CN" altLang="en-US" sz="2000" dirty="0">
+                <a:latin typeface="Cambria Math" panose="02040503050406030204" pitchFamily="18" charset="0"/>
+                <a:ea typeface="Cambria Math" panose="02040503050406030204" pitchFamily="18" charset="0"/>
+              </a:rPr>
+              <a:t>预测正确答案</a:t>
+            </a:r>
+            <a:r>
+              <a:rPr lang="zh-CN" altLang="en-US" sz="2000" dirty="0" smtClean="0">
+                <a:latin typeface="Cambria Math" panose="02040503050406030204" pitchFamily="18" charset="0"/>
+                <a:ea typeface="Cambria Math" panose="02040503050406030204" pitchFamily="18" charset="0"/>
+              </a:rPr>
+              <a:t>。</a:t>
+            </a:r>
+            <a:endParaRPr lang="en-US" altLang="zh-CN" sz="2000" dirty="0">
+              <a:latin typeface="Cambria Math" panose="02040503050406030204" pitchFamily="18" charset="0"/>
+              <a:ea typeface="Cambria Math" panose="02040503050406030204" pitchFamily="18" charset="0"/>
             </a:endParaRPr>
           </a:p>
         </p:txBody>
@@ -14206,8 +15179,8 @@
         </p:blipFill>
         <p:spPr>
           <a:xfrm>
-            <a:off x="1922201" y="2155020"/>
-            <a:ext cx="5299597" cy="3096658"/>
+            <a:off x="1824037" y="2209800"/>
+            <a:ext cx="5495925" cy="2438400"/>
           </a:xfrm>
           <a:prstGeom prst="rect">
             <a:avLst/>
@@ -14217,7 +15190,7 @@
     </p:spTree>
     <p:extLst>
       <p:ext uri="{BB962C8B-B14F-4D97-AF65-F5344CB8AC3E}">
-        <p14:creationId xmlns:p14="http://schemas.microsoft.com/office/powerpoint/2010/main" val="1692637856"/>
+        <p14:creationId xmlns:p14="http://schemas.microsoft.com/office/powerpoint/2010/main" val="3221402893"/>
       </p:ext>
     </p:extLst>
   </p:cSld>
